--- a/data/check.pptx
+++ b/data/check.pptx
@@ -2087,14 +2087,14 @@
           <p:nvPr>
             <p:extLst>
               <p:ext uri="{D42A27DB-BD31-4B8C-83A1-F6EECF244321}">
-                <p14:modId xmlns:p14="http://schemas.microsoft.com/office/powerpoint/2010/main" val="1298386364"/>
+                <p14:modId xmlns:p14="http://schemas.microsoft.com/office/powerpoint/2010/main" val="2454146754"/>
               </p:ext>
             </p:extLst>
           </p:nvPr>
         </p:nvGraphicFramePr>
         <p:xfrm>
           <a:off x="227601" y="262984"/>
-          <a:ext cx="8417272" cy="5120640"/>
+          <a:ext cx="8417272" cy="5364480"/>
         </p:xfrm>
         <a:graphic>
           <a:graphicData uri="http://schemas.openxmlformats.org/drawingml/2006/table">
@@ -5278,7 +5278,7 @@
                     <a:lstStyle/>
                     <a:p>
                       <a:pPr algn="ctr"/>
-                      <a:endParaRPr kumimoji="1" lang="ja-JP" altLang="en-US" sz="1600" b="0">
+                      <a:endParaRPr kumimoji="1" lang="ja-JP" altLang="en-US" sz="1600" b="0" dirty="0">
                         <a:solidFill>
                           <a:schemeClr val="tx1"/>
                         </a:solidFill>
@@ -5860,6 +5860,878 @@
                 <a:extLst>
                   <a:ext uri="{0D108BD9-81ED-4DB2-BD59-A6C34878D82A}">
                     <a16:rowId xmlns:a16="http://schemas.microsoft.com/office/drawing/2014/main" val="3152970970"/>
+                  </a:ext>
+                </a:extLst>
+              </a:tr>
+              <a:tr h="121449">
+                <a:tc>
+                  <a:txBody>
+                    <a:bodyPr/>
+                    <a:lstStyle/>
+                    <a:p>
+                      <a:pPr algn="ctr"/>
+                      <a:r>
+                        <a:rPr kumimoji="1" lang="en-US" altLang="ja-JP" sz="1600" b="1" dirty="0">
+                          <a:solidFill>
+                            <a:schemeClr val="tx1"/>
+                          </a:solidFill>
+                          <a:latin typeface="Times New Roman" panose="02020603050405020304" pitchFamily="18" charset="0"/>
+                          <a:cs typeface="Times New Roman" panose="02020603050405020304" pitchFamily="18" charset="0"/>
+                        </a:rPr>
+                        <a:t>DLT</a:t>
+                      </a:r>
+                      <a:endParaRPr kumimoji="1" lang="ja-JP" altLang="en-US" sz="1600" b="1" dirty="0">
+                        <a:solidFill>
+                          <a:schemeClr val="tx1"/>
+                        </a:solidFill>
+                        <a:latin typeface="Times New Roman" panose="02020603050405020304" pitchFamily="18" charset="0"/>
+                        <a:cs typeface="Times New Roman" panose="02020603050405020304" pitchFamily="18" charset="0"/>
+                      </a:endParaRPr>
+                    </a:p>
+                  </a:txBody>
+                  <a:tcPr marL="0" marR="0" marT="0" marB="0">
+                    <a:lnL w="28575" cap="flat" cmpd="sng" algn="ctr">
+                      <a:solidFill>
+                        <a:schemeClr val="tx1"/>
+                      </a:solidFill>
+                      <a:prstDash val="solid"/>
+                      <a:round/>
+                      <a:headEnd type="none" w="med" len="med"/>
+                      <a:tailEnd type="none" w="med" len="med"/>
+                    </a:lnL>
+                    <a:lnR w="12700" cap="flat" cmpd="sng" algn="ctr">
+                      <a:solidFill>
+                        <a:schemeClr val="tx1"/>
+                      </a:solidFill>
+                      <a:prstDash val="solid"/>
+                      <a:round/>
+                      <a:headEnd type="none" w="med" len="med"/>
+                      <a:tailEnd type="none" w="med" len="med"/>
+                    </a:lnR>
+                    <a:lnT w="6350" cap="flat" cmpd="sng" algn="ctr">
+                      <a:solidFill>
+                        <a:schemeClr val="tx1"/>
+                      </a:solidFill>
+                      <a:prstDash val="solid"/>
+                      <a:round/>
+                      <a:headEnd type="none" w="med" len="med"/>
+                      <a:tailEnd type="none" w="med" len="med"/>
+                    </a:lnT>
+                    <a:lnB w="6350" cap="flat" cmpd="sng" algn="ctr">
+                      <a:solidFill>
+                        <a:schemeClr val="tx1"/>
+                      </a:solidFill>
+                      <a:prstDash val="solid"/>
+                      <a:round/>
+                      <a:headEnd type="none" w="med" len="med"/>
+                      <a:tailEnd type="none" w="med" len="med"/>
+                    </a:lnB>
+                    <a:lnTlToBr w="12700" cmpd="sng">
+                      <a:noFill/>
+                      <a:prstDash val="solid"/>
+                    </a:lnTlToBr>
+                    <a:lnBlToTr w="12700" cmpd="sng">
+                      <a:noFill/>
+                      <a:prstDash val="solid"/>
+                    </a:lnBlToTr>
+                    <a:solidFill>
+                      <a:schemeClr val="bg1"/>
+                    </a:solidFill>
+                  </a:tcPr>
+                </a:tc>
+                <a:tc>
+                  <a:txBody>
+                    <a:bodyPr/>
+                    <a:lstStyle/>
+                    <a:p>
+                      <a:pPr algn="ctr"/>
+                      <a:r>
+                        <a:rPr kumimoji="1" lang="en-US" altLang="ja-JP" sz="1600" b="0" dirty="0">
+                          <a:solidFill>
+                            <a:schemeClr val="tx1"/>
+                          </a:solidFill>
+                          <a:latin typeface="Times New Roman" panose="02020603050405020304" pitchFamily="18" charset="0"/>
+                          <a:cs typeface="Times New Roman" panose="02020603050405020304" pitchFamily="18" charset="0"/>
+                        </a:rPr>
+                        <a:t>2</a:t>
+                      </a:r>
+                      <a:endParaRPr kumimoji="1" lang="ja-JP" altLang="en-US" sz="1600" b="0" dirty="0">
+                        <a:solidFill>
+                          <a:schemeClr val="tx1"/>
+                        </a:solidFill>
+                        <a:latin typeface="Times New Roman" panose="02020603050405020304" pitchFamily="18" charset="0"/>
+                        <a:cs typeface="Times New Roman" panose="02020603050405020304" pitchFamily="18" charset="0"/>
+                      </a:endParaRPr>
+                    </a:p>
+                  </a:txBody>
+                  <a:tcPr marL="0" marR="0" marT="0" marB="0">
+                    <a:lnL w="12700" cap="flat" cmpd="sng" algn="ctr">
+                      <a:solidFill>
+                        <a:schemeClr val="tx1"/>
+                      </a:solidFill>
+                      <a:prstDash val="solid"/>
+                      <a:round/>
+                      <a:headEnd type="none" w="med" len="med"/>
+                      <a:tailEnd type="none" w="med" len="med"/>
+                    </a:lnL>
+                    <a:lnR w="6350" cap="flat" cmpd="sng" algn="ctr">
+                      <a:solidFill>
+                        <a:schemeClr val="tx1"/>
+                      </a:solidFill>
+                      <a:prstDash val="solid"/>
+                      <a:round/>
+                      <a:headEnd type="none" w="med" len="med"/>
+                      <a:tailEnd type="none" w="med" len="med"/>
+                    </a:lnR>
+                    <a:lnT w="6350" cap="flat" cmpd="sng" algn="ctr">
+                      <a:solidFill>
+                        <a:schemeClr val="tx1"/>
+                      </a:solidFill>
+                      <a:prstDash val="solid"/>
+                      <a:round/>
+                      <a:headEnd type="none" w="med" len="med"/>
+                      <a:tailEnd type="none" w="med" len="med"/>
+                    </a:lnT>
+                    <a:lnB w="6350" cap="flat" cmpd="sng" algn="ctr">
+                      <a:solidFill>
+                        <a:schemeClr val="tx1"/>
+                      </a:solidFill>
+                      <a:prstDash val="solid"/>
+                      <a:round/>
+                      <a:headEnd type="none" w="med" len="med"/>
+                      <a:tailEnd type="none" w="med" len="med"/>
+                    </a:lnB>
+                    <a:lnTlToBr w="12700" cmpd="sng">
+                      <a:noFill/>
+                      <a:prstDash val="solid"/>
+                    </a:lnTlToBr>
+                    <a:lnBlToTr w="12700" cmpd="sng">
+                      <a:noFill/>
+                      <a:prstDash val="solid"/>
+                    </a:lnBlToTr>
+                    <a:solidFill>
+                      <a:srgbClr val="00FF00"/>
+                    </a:solidFill>
+                  </a:tcPr>
+                </a:tc>
+                <a:tc>
+                  <a:txBody>
+                    <a:bodyPr/>
+                    <a:lstStyle/>
+                    <a:p>
+                      <a:pPr algn="ctr"/>
+                      <a:endParaRPr kumimoji="1" lang="ja-JP" altLang="en-US" sz="1600" b="0" dirty="0">
+                        <a:solidFill>
+                          <a:schemeClr val="tx1"/>
+                        </a:solidFill>
+                        <a:latin typeface="Times New Roman" panose="02020603050405020304" pitchFamily="18" charset="0"/>
+                        <a:cs typeface="Times New Roman" panose="02020603050405020304" pitchFamily="18" charset="0"/>
+                      </a:endParaRPr>
+                    </a:p>
+                  </a:txBody>
+                  <a:tcPr marL="0" marR="0" marT="0" marB="0">
+                    <a:lnL w="6350" cap="flat" cmpd="sng" algn="ctr">
+                      <a:solidFill>
+                        <a:schemeClr val="tx1"/>
+                      </a:solidFill>
+                      <a:prstDash val="solid"/>
+                      <a:round/>
+                      <a:headEnd type="none" w="med" len="med"/>
+                      <a:tailEnd type="none" w="med" len="med"/>
+                    </a:lnL>
+                    <a:lnR w="6350" cap="flat" cmpd="sng" algn="ctr">
+                      <a:solidFill>
+                        <a:schemeClr val="tx1"/>
+                      </a:solidFill>
+                      <a:prstDash val="solid"/>
+                      <a:round/>
+                      <a:headEnd type="none" w="med" len="med"/>
+                      <a:tailEnd type="none" w="med" len="med"/>
+                    </a:lnR>
+                    <a:lnT w="6350" cap="flat" cmpd="sng" algn="ctr">
+                      <a:solidFill>
+                        <a:schemeClr val="tx1"/>
+                      </a:solidFill>
+                      <a:prstDash val="solid"/>
+                      <a:round/>
+                      <a:headEnd type="none" w="med" len="med"/>
+                      <a:tailEnd type="none" w="med" len="med"/>
+                    </a:lnT>
+                    <a:lnB w="6350" cap="flat" cmpd="sng" algn="ctr">
+                      <a:solidFill>
+                        <a:schemeClr val="tx1"/>
+                      </a:solidFill>
+                      <a:prstDash val="solid"/>
+                      <a:round/>
+                      <a:headEnd type="none" w="med" len="med"/>
+                      <a:tailEnd type="none" w="med" len="med"/>
+                    </a:lnB>
+                    <a:lnTlToBr w="12700" cmpd="sng">
+                      <a:noFill/>
+                      <a:prstDash val="solid"/>
+                    </a:lnTlToBr>
+                    <a:lnBlToTr w="12700" cmpd="sng">
+                      <a:noFill/>
+                      <a:prstDash val="solid"/>
+                    </a:lnBlToTr>
+                    <a:solidFill>
+                      <a:schemeClr val="bg1"/>
+                    </a:solidFill>
+                  </a:tcPr>
+                </a:tc>
+                <a:tc>
+                  <a:txBody>
+                    <a:bodyPr/>
+                    <a:lstStyle/>
+                    <a:p>
+                      <a:pPr algn="ctr"/>
+                      <a:endParaRPr kumimoji="1" lang="ja-JP" altLang="en-US" sz="1600" b="0" dirty="0">
+                        <a:solidFill>
+                          <a:schemeClr val="tx1"/>
+                        </a:solidFill>
+                        <a:latin typeface="Times New Roman" panose="02020603050405020304" pitchFamily="18" charset="0"/>
+                        <a:cs typeface="Times New Roman" panose="02020603050405020304" pitchFamily="18" charset="0"/>
+                      </a:endParaRPr>
+                    </a:p>
+                  </a:txBody>
+                  <a:tcPr marL="0" marR="0" marT="0" marB="0">
+                    <a:lnL w="6350" cap="flat" cmpd="sng" algn="ctr">
+                      <a:solidFill>
+                        <a:schemeClr val="tx1"/>
+                      </a:solidFill>
+                      <a:prstDash val="solid"/>
+                      <a:round/>
+                      <a:headEnd type="none" w="med" len="med"/>
+                      <a:tailEnd type="none" w="med" len="med"/>
+                    </a:lnL>
+                    <a:lnR w="6350" cap="flat" cmpd="sng" algn="ctr">
+                      <a:solidFill>
+                        <a:schemeClr val="tx1"/>
+                      </a:solidFill>
+                      <a:prstDash val="solid"/>
+                      <a:round/>
+                      <a:headEnd type="none" w="med" len="med"/>
+                      <a:tailEnd type="none" w="med" len="med"/>
+                    </a:lnR>
+                    <a:lnT w="6350" cap="flat" cmpd="sng" algn="ctr">
+                      <a:solidFill>
+                        <a:schemeClr val="tx1"/>
+                      </a:solidFill>
+                      <a:prstDash val="solid"/>
+                      <a:round/>
+                      <a:headEnd type="none" w="med" len="med"/>
+                      <a:tailEnd type="none" w="med" len="med"/>
+                    </a:lnT>
+                    <a:lnB w="6350" cap="flat" cmpd="sng" algn="ctr">
+                      <a:solidFill>
+                        <a:schemeClr val="tx1"/>
+                      </a:solidFill>
+                      <a:prstDash val="solid"/>
+                      <a:round/>
+                      <a:headEnd type="none" w="med" len="med"/>
+                      <a:tailEnd type="none" w="med" len="med"/>
+                    </a:lnB>
+                    <a:lnTlToBr w="12700" cmpd="sng">
+                      <a:noFill/>
+                      <a:prstDash val="solid"/>
+                    </a:lnTlToBr>
+                    <a:lnBlToTr w="12700" cmpd="sng">
+                      <a:noFill/>
+                      <a:prstDash val="solid"/>
+                    </a:lnBlToTr>
+                    <a:solidFill>
+                      <a:schemeClr val="bg1"/>
+                    </a:solidFill>
+                  </a:tcPr>
+                </a:tc>
+                <a:tc>
+                  <a:txBody>
+                    <a:bodyPr/>
+                    <a:lstStyle/>
+                    <a:p>
+                      <a:pPr algn="ctr"/>
+                      <a:endParaRPr kumimoji="1" lang="ja-JP" altLang="en-US" sz="1600" b="0">
+                        <a:solidFill>
+                          <a:schemeClr val="tx1"/>
+                        </a:solidFill>
+                        <a:latin typeface="Times New Roman" panose="02020603050405020304" pitchFamily="18" charset="0"/>
+                        <a:cs typeface="Times New Roman" panose="02020603050405020304" pitchFamily="18" charset="0"/>
+                      </a:endParaRPr>
+                    </a:p>
+                  </a:txBody>
+                  <a:tcPr marL="0" marR="0" marT="0" marB="0">
+                    <a:lnL w="6350" cap="flat" cmpd="sng" algn="ctr">
+                      <a:solidFill>
+                        <a:schemeClr val="tx1"/>
+                      </a:solidFill>
+                      <a:prstDash val="solid"/>
+                      <a:round/>
+                      <a:headEnd type="none" w="med" len="med"/>
+                      <a:tailEnd type="none" w="med" len="med"/>
+                    </a:lnL>
+                    <a:lnR w="6350" cap="flat" cmpd="sng" algn="ctr">
+                      <a:solidFill>
+                        <a:schemeClr val="tx1"/>
+                      </a:solidFill>
+                      <a:prstDash val="solid"/>
+                      <a:round/>
+                      <a:headEnd type="none" w="med" len="med"/>
+                      <a:tailEnd type="none" w="med" len="med"/>
+                    </a:lnR>
+                    <a:lnT w="6350" cap="flat" cmpd="sng" algn="ctr">
+                      <a:solidFill>
+                        <a:schemeClr val="tx1"/>
+                      </a:solidFill>
+                      <a:prstDash val="solid"/>
+                      <a:round/>
+                      <a:headEnd type="none" w="med" len="med"/>
+                      <a:tailEnd type="none" w="med" len="med"/>
+                    </a:lnT>
+                    <a:lnB w="6350" cap="flat" cmpd="sng" algn="ctr">
+                      <a:solidFill>
+                        <a:schemeClr val="tx1"/>
+                      </a:solidFill>
+                      <a:prstDash val="solid"/>
+                      <a:round/>
+                      <a:headEnd type="none" w="med" len="med"/>
+                      <a:tailEnd type="none" w="med" len="med"/>
+                    </a:lnB>
+                    <a:lnTlToBr w="12700" cmpd="sng">
+                      <a:noFill/>
+                      <a:prstDash val="solid"/>
+                    </a:lnTlToBr>
+                    <a:lnBlToTr w="12700" cmpd="sng">
+                      <a:noFill/>
+                      <a:prstDash val="solid"/>
+                    </a:lnBlToTr>
+                    <a:solidFill>
+                      <a:schemeClr val="bg1"/>
+                    </a:solidFill>
+                  </a:tcPr>
+                </a:tc>
+                <a:tc>
+                  <a:txBody>
+                    <a:bodyPr/>
+                    <a:lstStyle/>
+                    <a:p>
+                      <a:pPr algn="ctr"/>
+                      <a:endParaRPr kumimoji="1" lang="ja-JP" altLang="en-US" sz="1600" b="0">
+                        <a:solidFill>
+                          <a:schemeClr val="tx1"/>
+                        </a:solidFill>
+                        <a:latin typeface="Times New Roman" panose="02020603050405020304" pitchFamily="18" charset="0"/>
+                        <a:cs typeface="Times New Roman" panose="02020603050405020304" pitchFamily="18" charset="0"/>
+                      </a:endParaRPr>
+                    </a:p>
+                  </a:txBody>
+                  <a:tcPr marL="0" marR="0" marT="0" marB="0">
+                    <a:lnL w="6350" cap="flat" cmpd="sng" algn="ctr">
+                      <a:solidFill>
+                        <a:schemeClr val="tx1"/>
+                      </a:solidFill>
+                      <a:prstDash val="solid"/>
+                      <a:round/>
+                      <a:headEnd type="none" w="med" len="med"/>
+                      <a:tailEnd type="none" w="med" len="med"/>
+                    </a:lnL>
+                    <a:lnR w="6350" cap="flat" cmpd="sng" algn="ctr">
+                      <a:solidFill>
+                        <a:schemeClr val="tx1"/>
+                      </a:solidFill>
+                      <a:prstDash val="solid"/>
+                      <a:round/>
+                      <a:headEnd type="none" w="med" len="med"/>
+                      <a:tailEnd type="none" w="med" len="med"/>
+                    </a:lnR>
+                    <a:lnT w="6350" cap="flat" cmpd="sng" algn="ctr">
+                      <a:solidFill>
+                        <a:schemeClr val="tx1"/>
+                      </a:solidFill>
+                      <a:prstDash val="solid"/>
+                      <a:round/>
+                      <a:headEnd type="none" w="med" len="med"/>
+                      <a:tailEnd type="none" w="med" len="med"/>
+                    </a:lnT>
+                    <a:lnB w="6350" cap="flat" cmpd="sng" algn="ctr">
+                      <a:solidFill>
+                        <a:schemeClr val="tx1"/>
+                      </a:solidFill>
+                      <a:prstDash val="solid"/>
+                      <a:round/>
+                      <a:headEnd type="none" w="med" len="med"/>
+                      <a:tailEnd type="none" w="med" len="med"/>
+                    </a:lnB>
+                    <a:lnTlToBr w="12700" cmpd="sng">
+                      <a:noFill/>
+                      <a:prstDash val="solid"/>
+                    </a:lnTlToBr>
+                    <a:lnBlToTr w="12700" cmpd="sng">
+                      <a:noFill/>
+                      <a:prstDash val="solid"/>
+                    </a:lnBlToTr>
+                    <a:solidFill>
+                      <a:schemeClr val="bg1"/>
+                    </a:solidFill>
+                  </a:tcPr>
+                </a:tc>
+                <a:tc>
+                  <a:txBody>
+                    <a:bodyPr/>
+                    <a:lstStyle/>
+                    <a:p>
+                      <a:pPr algn="ctr"/>
+                      <a:endParaRPr kumimoji="1" lang="ja-JP" altLang="en-US" sz="1600" b="0">
+                        <a:solidFill>
+                          <a:schemeClr val="tx1"/>
+                        </a:solidFill>
+                        <a:latin typeface="Times New Roman" panose="02020603050405020304" pitchFamily="18" charset="0"/>
+                        <a:cs typeface="Times New Roman" panose="02020603050405020304" pitchFamily="18" charset="0"/>
+                      </a:endParaRPr>
+                    </a:p>
+                  </a:txBody>
+                  <a:tcPr marL="0" marR="0" marT="0" marB="0">
+                    <a:lnL w="6350" cap="flat" cmpd="sng" algn="ctr">
+                      <a:solidFill>
+                        <a:schemeClr val="tx1"/>
+                      </a:solidFill>
+                      <a:prstDash val="solid"/>
+                      <a:round/>
+                      <a:headEnd type="none" w="med" len="med"/>
+                      <a:tailEnd type="none" w="med" len="med"/>
+                    </a:lnL>
+                    <a:lnR w="6350" cap="flat" cmpd="sng" algn="ctr">
+                      <a:solidFill>
+                        <a:schemeClr val="tx1"/>
+                      </a:solidFill>
+                      <a:prstDash val="solid"/>
+                      <a:round/>
+                      <a:headEnd type="none" w="med" len="med"/>
+                      <a:tailEnd type="none" w="med" len="med"/>
+                    </a:lnR>
+                    <a:lnT w="6350" cap="flat" cmpd="sng" algn="ctr">
+                      <a:solidFill>
+                        <a:schemeClr val="tx1"/>
+                      </a:solidFill>
+                      <a:prstDash val="solid"/>
+                      <a:round/>
+                      <a:headEnd type="none" w="med" len="med"/>
+                      <a:tailEnd type="none" w="med" len="med"/>
+                    </a:lnT>
+                    <a:lnB w="6350" cap="flat" cmpd="sng" algn="ctr">
+                      <a:solidFill>
+                        <a:schemeClr val="tx1"/>
+                      </a:solidFill>
+                      <a:prstDash val="solid"/>
+                      <a:round/>
+                      <a:headEnd type="none" w="med" len="med"/>
+                      <a:tailEnd type="none" w="med" len="med"/>
+                    </a:lnB>
+                    <a:lnTlToBr w="12700" cmpd="sng">
+                      <a:noFill/>
+                      <a:prstDash val="solid"/>
+                    </a:lnTlToBr>
+                    <a:lnBlToTr w="12700" cmpd="sng">
+                      <a:noFill/>
+                      <a:prstDash val="solid"/>
+                    </a:lnBlToTr>
+                    <a:solidFill>
+                      <a:schemeClr val="bg1"/>
+                    </a:solidFill>
+                  </a:tcPr>
+                </a:tc>
+                <a:tc>
+                  <a:txBody>
+                    <a:bodyPr/>
+                    <a:lstStyle/>
+                    <a:p>
+                      <a:pPr algn="ctr"/>
+                      <a:endParaRPr kumimoji="1" lang="ja-JP" altLang="en-US" sz="1600" b="0">
+                        <a:solidFill>
+                          <a:schemeClr val="tx1"/>
+                        </a:solidFill>
+                        <a:latin typeface="Times New Roman" panose="02020603050405020304" pitchFamily="18" charset="0"/>
+                        <a:cs typeface="Times New Roman" panose="02020603050405020304" pitchFamily="18" charset="0"/>
+                      </a:endParaRPr>
+                    </a:p>
+                  </a:txBody>
+                  <a:tcPr marL="0" marR="0" marT="0" marB="0">
+                    <a:lnL w="6350" cap="flat" cmpd="sng" algn="ctr">
+                      <a:solidFill>
+                        <a:schemeClr val="tx1"/>
+                      </a:solidFill>
+                      <a:prstDash val="solid"/>
+                      <a:round/>
+                      <a:headEnd type="none" w="med" len="med"/>
+                      <a:tailEnd type="none" w="med" len="med"/>
+                    </a:lnL>
+                    <a:lnR w="6350" cap="flat" cmpd="sng" algn="ctr">
+                      <a:solidFill>
+                        <a:schemeClr val="tx1"/>
+                      </a:solidFill>
+                      <a:prstDash val="solid"/>
+                      <a:round/>
+                      <a:headEnd type="none" w="med" len="med"/>
+                      <a:tailEnd type="none" w="med" len="med"/>
+                    </a:lnR>
+                    <a:lnT w="6350" cap="flat" cmpd="sng" algn="ctr">
+                      <a:solidFill>
+                        <a:schemeClr val="tx1"/>
+                      </a:solidFill>
+                      <a:prstDash val="solid"/>
+                      <a:round/>
+                      <a:headEnd type="none" w="med" len="med"/>
+                      <a:tailEnd type="none" w="med" len="med"/>
+                    </a:lnT>
+                    <a:lnB w="6350" cap="flat" cmpd="sng" algn="ctr">
+                      <a:solidFill>
+                        <a:schemeClr val="tx1"/>
+                      </a:solidFill>
+                      <a:prstDash val="solid"/>
+                      <a:round/>
+                      <a:headEnd type="none" w="med" len="med"/>
+                      <a:tailEnd type="none" w="med" len="med"/>
+                    </a:lnB>
+                    <a:lnTlToBr w="12700" cmpd="sng">
+                      <a:noFill/>
+                      <a:prstDash val="solid"/>
+                    </a:lnTlToBr>
+                    <a:lnBlToTr w="12700" cmpd="sng">
+                      <a:noFill/>
+                      <a:prstDash val="solid"/>
+                    </a:lnBlToTr>
+                    <a:solidFill>
+                      <a:schemeClr val="bg1"/>
+                    </a:solidFill>
+                  </a:tcPr>
+                </a:tc>
+                <a:tc>
+                  <a:txBody>
+                    <a:bodyPr/>
+                    <a:lstStyle/>
+                    <a:p>
+                      <a:pPr algn="ctr"/>
+                      <a:endParaRPr kumimoji="1" lang="ja-JP" altLang="en-US" sz="1600" b="0">
+                        <a:solidFill>
+                          <a:schemeClr val="tx1"/>
+                        </a:solidFill>
+                        <a:latin typeface="Times New Roman" panose="02020603050405020304" pitchFamily="18" charset="0"/>
+                        <a:cs typeface="Times New Roman" panose="02020603050405020304" pitchFamily="18" charset="0"/>
+                      </a:endParaRPr>
+                    </a:p>
+                  </a:txBody>
+                  <a:tcPr marL="0" marR="0" marT="0" marB="0">
+                    <a:lnL w="6350" cap="flat" cmpd="sng" algn="ctr">
+                      <a:solidFill>
+                        <a:schemeClr val="tx1"/>
+                      </a:solidFill>
+                      <a:prstDash val="solid"/>
+                      <a:round/>
+                      <a:headEnd type="none" w="med" len="med"/>
+                      <a:tailEnd type="none" w="med" len="med"/>
+                    </a:lnL>
+                    <a:lnR w="6350" cap="flat" cmpd="sng" algn="ctr">
+                      <a:solidFill>
+                        <a:schemeClr val="tx1"/>
+                      </a:solidFill>
+                      <a:prstDash val="solid"/>
+                      <a:round/>
+                      <a:headEnd type="none" w="med" len="med"/>
+                      <a:tailEnd type="none" w="med" len="med"/>
+                    </a:lnR>
+                    <a:lnT w="6350" cap="flat" cmpd="sng" algn="ctr">
+                      <a:solidFill>
+                        <a:schemeClr val="tx1"/>
+                      </a:solidFill>
+                      <a:prstDash val="solid"/>
+                      <a:round/>
+                      <a:headEnd type="none" w="med" len="med"/>
+                      <a:tailEnd type="none" w="med" len="med"/>
+                    </a:lnT>
+                    <a:lnB w="6350" cap="flat" cmpd="sng" algn="ctr">
+                      <a:solidFill>
+                        <a:schemeClr val="tx1"/>
+                      </a:solidFill>
+                      <a:prstDash val="solid"/>
+                      <a:round/>
+                      <a:headEnd type="none" w="med" len="med"/>
+                      <a:tailEnd type="none" w="med" len="med"/>
+                    </a:lnB>
+                    <a:lnTlToBr w="12700" cmpd="sng">
+                      <a:noFill/>
+                      <a:prstDash val="solid"/>
+                    </a:lnTlToBr>
+                    <a:lnBlToTr w="12700" cmpd="sng">
+                      <a:noFill/>
+                      <a:prstDash val="solid"/>
+                    </a:lnBlToTr>
+                    <a:solidFill>
+                      <a:schemeClr val="bg1"/>
+                    </a:solidFill>
+                  </a:tcPr>
+                </a:tc>
+                <a:tc>
+                  <a:txBody>
+                    <a:bodyPr/>
+                    <a:lstStyle/>
+                    <a:p>
+                      <a:pPr algn="ctr"/>
+                      <a:endParaRPr kumimoji="1" lang="ja-JP" altLang="en-US" sz="1600" b="0">
+                        <a:solidFill>
+                          <a:schemeClr val="tx1"/>
+                        </a:solidFill>
+                        <a:latin typeface="Times New Roman" panose="02020603050405020304" pitchFamily="18" charset="0"/>
+                        <a:cs typeface="Times New Roman" panose="02020603050405020304" pitchFamily="18" charset="0"/>
+                      </a:endParaRPr>
+                    </a:p>
+                  </a:txBody>
+                  <a:tcPr marL="0" marR="0" marT="0" marB="0">
+                    <a:lnL w="6350" cap="flat" cmpd="sng" algn="ctr">
+                      <a:solidFill>
+                        <a:schemeClr val="tx1"/>
+                      </a:solidFill>
+                      <a:prstDash val="solid"/>
+                      <a:round/>
+                      <a:headEnd type="none" w="med" len="med"/>
+                      <a:tailEnd type="none" w="med" len="med"/>
+                    </a:lnL>
+                    <a:lnR w="6350" cap="flat" cmpd="sng" algn="ctr">
+                      <a:solidFill>
+                        <a:schemeClr val="tx1"/>
+                      </a:solidFill>
+                      <a:prstDash val="solid"/>
+                      <a:round/>
+                      <a:headEnd type="none" w="med" len="med"/>
+                      <a:tailEnd type="none" w="med" len="med"/>
+                    </a:lnR>
+                    <a:lnT w="6350" cap="flat" cmpd="sng" algn="ctr">
+                      <a:solidFill>
+                        <a:schemeClr val="tx1"/>
+                      </a:solidFill>
+                      <a:prstDash val="solid"/>
+                      <a:round/>
+                      <a:headEnd type="none" w="med" len="med"/>
+                      <a:tailEnd type="none" w="med" len="med"/>
+                    </a:lnT>
+                    <a:lnB w="6350" cap="flat" cmpd="sng" algn="ctr">
+                      <a:solidFill>
+                        <a:schemeClr val="tx1"/>
+                      </a:solidFill>
+                      <a:prstDash val="solid"/>
+                      <a:round/>
+                      <a:headEnd type="none" w="med" len="med"/>
+                      <a:tailEnd type="none" w="med" len="med"/>
+                    </a:lnB>
+                    <a:lnTlToBr w="12700" cmpd="sng">
+                      <a:noFill/>
+                      <a:prstDash val="solid"/>
+                    </a:lnTlToBr>
+                    <a:lnBlToTr w="12700" cmpd="sng">
+                      <a:noFill/>
+                      <a:prstDash val="solid"/>
+                    </a:lnBlToTr>
+                    <a:solidFill>
+                      <a:schemeClr val="bg1"/>
+                    </a:solidFill>
+                  </a:tcPr>
+                </a:tc>
+                <a:tc>
+                  <a:txBody>
+                    <a:bodyPr/>
+                    <a:lstStyle/>
+                    <a:p>
+                      <a:pPr algn="ctr"/>
+                      <a:endParaRPr kumimoji="1" lang="ja-JP" altLang="en-US" sz="1600" b="0">
+                        <a:solidFill>
+                          <a:schemeClr val="tx1"/>
+                        </a:solidFill>
+                        <a:latin typeface="Times New Roman" panose="02020603050405020304" pitchFamily="18" charset="0"/>
+                        <a:cs typeface="Times New Roman" panose="02020603050405020304" pitchFamily="18" charset="0"/>
+                      </a:endParaRPr>
+                    </a:p>
+                  </a:txBody>
+                  <a:tcPr marL="0" marR="0" marT="0" marB="0">
+                    <a:lnL w="6350" cap="flat" cmpd="sng" algn="ctr">
+                      <a:solidFill>
+                        <a:schemeClr val="tx1"/>
+                      </a:solidFill>
+                      <a:prstDash val="solid"/>
+                      <a:round/>
+                      <a:headEnd type="none" w="med" len="med"/>
+                      <a:tailEnd type="none" w="med" len="med"/>
+                    </a:lnL>
+                    <a:lnR w="6350" cap="flat" cmpd="sng" algn="ctr">
+                      <a:solidFill>
+                        <a:schemeClr val="tx1"/>
+                      </a:solidFill>
+                      <a:prstDash val="solid"/>
+                      <a:round/>
+                      <a:headEnd type="none" w="med" len="med"/>
+                      <a:tailEnd type="none" w="med" len="med"/>
+                    </a:lnR>
+                    <a:lnT w="6350" cap="flat" cmpd="sng" algn="ctr">
+                      <a:solidFill>
+                        <a:schemeClr val="tx1"/>
+                      </a:solidFill>
+                      <a:prstDash val="solid"/>
+                      <a:round/>
+                      <a:headEnd type="none" w="med" len="med"/>
+                      <a:tailEnd type="none" w="med" len="med"/>
+                    </a:lnT>
+                    <a:lnB w="6350" cap="flat" cmpd="sng" algn="ctr">
+                      <a:solidFill>
+                        <a:schemeClr val="tx1"/>
+                      </a:solidFill>
+                      <a:prstDash val="solid"/>
+                      <a:round/>
+                      <a:headEnd type="none" w="med" len="med"/>
+                      <a:tailEnd type="none" w="med" len="med"/>
+                    </a:lnB>
+                    <a:lnTlToBr w="12700" cmpd="sng">
+                      <a:noFill/>
+                      <a:prstDash val="solid"/>
+                    </a:lnTlToBr>
+                    <a:lnBlToTr w="12700" cmpd="sng">
+                      <a:noFill/>
+                      <a:prstDash val="solid"/>
+                    </a:lnBlToTr>
+                    <a:solidFill>
+                      <a:schemeClr val="bg1"/>
+                    </a:solidFill>
+                  </a:tcPr>
+                </a:tc>
+                <a:tc>
+                  <a:txBody>
+                    <a:bodyPr/>
+                    <a:lstStyle/>
+                    <a:p>
+                      <a:pPr algn="ctr"/>
+                      <a:endParaRPr kumimoji="1" lang="ja-JP" altLang="en-US" sz="1600" b="0">
+                        <a:solidFill>
+                          <a:schemeClr val="tx1"/>
+                        </a:solidFill>
+                        <a:latin typeface="Times New Roman" panose="02020603050405020304" pitchFamily="18" charset="0"/>
+                        <a:cs typeface="Times New Roman" panose="02020603050405020304" pitchFamily="18" charset="0"/>
+                      </a:endParaRPr>
+                    </a:p>
+                  </a:txBody>
+                  <a:tcPr marL="0" marR="0" marT="0" marB="0">
+                    <a:lnL w="6350" cap="flat" cmpd="sng" algn="ctr">
+                      <a:solidFill>
+                        <a:schemeClr val="tx1"/>
+                      </a:solidFill>
+                      <a:prstDash val="solid"/>
+                      <a:round/>
+                      <a:headEnd type="none" w="med" len="med"/>
+                      <a:tailEnd type="none" w="med" len="med"/>
+                    </a:lnL>
+                    <a:lnR w="6350" cap="flat" cmpd="sng" algn="ctr">
+                      <a:solidFill>
+                        <a:schemeClr val="tx1"/>
+                      </a:solidFill>
+                      <a:prstDash val="solid"/>
+                      <a:round/>
+                      <a:headEnd type="none" w="med" len="med"/>
+                      <a:tailEnd type="none" w="med" len="med"/>
+                    </a:lnR>
+                    <a:lnT w="6350" cap="flat" cmpd="sng" algn="ctr">
+                      <a:solidFill>
+                        <a:schemeClr val="tx1"/>
+                      </a:solidFill>
+                      <a:prstDash val="solid"/>
+                      <a:round/>
+                      <a:headEnd type="none" w="med" len="med"/>
+                      <a:tailEnd type="none" w="med" len="med"/>
+                    </a:lnT>
+                    <a:lnB w="6350" cap="flat" cmpd="sng" algn="ctr">
+                      <a:solidFill>
+                        <a:schemeClr val="tx1"/>
+                      </a:solidFill>
+                      <a:prstDash val="solid"/>
+                      <a:round/>
+                      <a:headEnd type="none" w="med" len="med"/>
+                      <a:tailEnd type="none" w="med" len="med"/>
+                    </a:lnB>
+                    <a:lnTlToBr w="12700" cmpd="sng">
+                      <a:noFill/>
+                      <a:prstDash val="solid"/>
+                    </a:lnTlToBr>
+                    <a:lnBlToTr w="12700" cmpd="sng">
+                      <a:noFill/>
+                      <a:prstDash val="solid"/>
+                    </a:lnBlToTr>
+                    <a:solidFill>
+                      <a:schemeClr val="bg1"/>
+                    </a:solidFill>
+                  </a:tcPr>
+                </a:tc>
+                <a:tc>
+                  <a:txBody>
+                    <a:bodyPr/>
+                    <a:lstStyle/>
+                    <a:p>
+                      <a:pPr algn="ctr"/>
+                      <a:endParaRPr kumimoji="1" lang="ja-JP" altLang="en-US" sz="1600" b="0" dirty="0">
+                        <a:solidFill>
+                          <a:schemeClr val="tx1"/>
+                        </a:solidFill>
+                        <a:latin typeface="Times New Roman" panose="02020603050405020304" pitchFamily="18" charset="0"/>
+                        <a:cs typeface="Times New Roman" panose="02020603050405020304" pitchFamily="18" charset="0"/>
+                      </a:endParaRPr>
+                    </a:p>
+                  </a:txBody>
+                  <a:tcPr marL="0" marR="0" marT="0" marB="0">
+                    <a:lnL w="6350" cap="flat" cmpd="sng" algn="ctr">
+                      <a:solidFill>
+                        <a:schemeClr val="tx1"/>
+                      </a:solidFill>
+                      <a:prstDash val="solid"/>
+                      <a:round/>
+                      <a:headEnd type="none" w="med" len="med"/>
+                      <a:tailEnd type="none" w="med" len="med"/>
+                    </a:lnL>
+                    <a:lnR w="28575" cap="flat" cmpd="sng" algn="ctr">
+                      <a:solidFill>
+                        <a:schemeClr val="tx1"/>
+                      </a:solidFill>
+                      <a:prstDash val="solid"/>
+                      <a:round/>
+                      <a:headEnd type="none" w="med" len="med"/>
+                      <a:tailEnd type="none" w="med" len="med"/>
+                    </a:lnR>
+                    <a:lnT w="6350" cap="flat" cmpd="sng" algn="ctr">
+                      <a:solidFill>
+                        <a:schemeClr val="tx1"/>
+                      </a:solidFill>
+                      <a:prstDash val="solid"/>
+                      <a:round/>
+                      <a:headEnd type="none" w="med" len="med"/>
+                      <a:tailEnd type="none" w="med" len="med"/>
+                    </a:lnT>
+                    <a:lnB w="6350" cap="flat" cmpd="sng" algn="ctr">
+                      <a:solidFill>
+                        <a:schemeClr val="tx1"/>
+                      </a:solidFill>
+                      <a:prstDash val="solid"/>
+                      <a:round/>
+                      <a:headEnd type="none" w="med" len="med"/>
+                      <a:tailEnd type="none" w="med" len="med"/>
+                    </a:lnB>
+                    <a:lnTlToBr w="12700" cmpd="sng">
+                      <a:noFill/>
+                      <a:prstDash val="solid"/>
+                    </a:lnTlToBr>
+                    <a:lnBlToTr w="12700" cmpd="sng">
+                      <a:noFill/>
+                      <a:prstDash val="solid"/>
+                    </a:lnBlToTr>
+                    <a:solidFill>
+                      <a:schemeClr val="bg1"/>
+                    </a:solidFill>
+                  </a:tcPr>
+                </a:tc>
+                <a:extLst>
+                  <a:ext uri="{0D108BD9-81ED-4DB2-BD59-A6C34878D82A}">
+                    <a16:rowId xmlns:a16="http://schemas.microsoft.com/office/drawing/2014/main" val="838517897"/>
                   </a:ext>
                 </a:extLst>
               </a:tr>
@@ -7763,7 +8635,7 @@
                           <a:latin typeface="Times New Roman" panose="02020603050405020304" pitchFamily="18" charset="0"/>
                           <a:cs typeface="Times New Roman" panose="02020603050405020304" pitchFamily="18" charset="0"/>
                         </a:rPr>
-                        <a:t>..</a:t>
+                        <a:t>6</a:t>
                       </a:r>
                       <a:endParaRPr kumimoji="1" lang="ja-JP" altLang="en-US" sz="1600" b="0" dirty="0">
                         <a:solidFill>
@@ -7820,10 +8692,7 @@
                       <a:prstDash val="solid"/>
                     </a:lnBlToTr>
                     <a:solidFill>
-                      <a:schemeClr val="tx2">
-                        <a:lumMod val="40000"/>
-                        <a:lumOff val="60000"/>
-                      </a:schemeClr>
+                      <a:srgbClr val="00FF00"/>
                     </a:solidFill>
                   </a:tcPr>
                 </a:tc>
@@ -9570,7 +10439,7 @@
                           <a:latin typeface="Times New Roman" panose="02020603050405020304" pitchFamily="18" charset="0"/>
                           <a:cs typeface="Times New Roman" panose="02020603050405020304" pitchFamily="18" charset="0"/>
                         </a:rPr>
-                        <a:t>..</a:t>
+                        <a:t>5</a:t>
                       </a:r>
                       <a:endParaRPr kumimoji="1" lang="ja-JP" altLang="en-US" sz="1600" b="0" dirty="0">
                         <a:solidFill>
@@ -9627,10 +10496,7 @@
                       <a:prstDash val="solid"/>
                     </a:lnBlToTr>
                     <a:solidFill>
-                      <a:schemeClr val="tx2">
-                        <a:lumMod val="40000"/>
-                        <a:lumOff val="60000"/>
-                      </a:schemeClr>
+                      <a:srgbClr val="00FF00"/>
                     </a:solidFill>
                   </a:tcPr>
                 </a:tc>
@@ -13246,7 +14112,7 @@
                           <a:latin typeface="Times New Roman" panose="02020603050405020304" pitchFamily="18" charset="0"/>
                           <a:cs typeface="Times New Roman" panose="02020603050405020304" pitchFamily="18" charset="0"/>
                         </a:rPr>
-                        <a:t>..</a:t>
+                        <a:t>2</a:t>
                       </a:r>
                       <a:endParaRPr kumimoji="1" lang="ja-JP" altLang="en-US" sz="1600" b="0" dirty="0">
                         <a:solidFill>
@@ -13303,10 +14169,7 @@
                       <a:prstDash val="solid"/>
                     </a:lnBlToTr>
                     <a:solidFill>
-                      <a:schemeClr val="tx2">
-                        <a:lumMod val="40000"/>
-                        <a:lumOff val="60000"/>
-                      </a:schemeClr>
+                      <a:srgbClr val="00FF00"/>
                     </a:solidFill>
                   </a:tcPr>
                 </a:tc>
@@ -17761,7 +18624,7 @@
                           <a:latin typeface="Times New Roman" panose="02020603050405020304" pitchFamily="18" charset="0"/>
                           <a:cs typeface="Times New Roman" panose="02020603050405020304" pitchFamily="18" charset="0"/>
                         </a:rPr>
-                        <a:t>..</a:t>
+                        <a:t>5</a:t>
                       </a:r>
                       <a:endParaRPr kumimoji="1" lang="ja-JP" altLang="en-US" sz="1600" b="0" dirty="0">
                         <a:solidFill>
@@ -17818,10 +18681,7 @@
                       <a:prstDash val="solid"/>
                     </a:lnBlToTr>
                     <a:solidFill>
-                      <a:schemeClr val="tx2">
-                        <a:lumMod val="40000"/>
-                        <a:lumOff val="60000"/>
-                      </a:schemeClr>
+                      <a:srgbClr val="00FF00"/>
                     </a:solidFill>
                   </a:tcPr>
                 </a:tc>
@@ -18666,7 +19526,7 @@
                           <a:latin typeface="Times New Roman" panose="02020603050405020304" pitchFamily="18" charset="0"/>
                           <a:cs typeface="Times New Roman" panose="02020603050405020304" pitchFamily="18" charset="0"/>
                         </a:rPr>
-                        <a:t>..</a:t>
+                        <a:t>2</a:t>
                       </a:r>
                       <a:endParaRPr kumimoji="1" lang="ja-JP" altLang="en-US" sz="1600" b="0" dirty="0">
                         <a:solidFill>
@@ -18723,10 +19583,7 @@
                       <a:prstDash val="solid"/>
                     </a:lnBlToTr>
                     <a:solidFill>
-                      <a:schemeClr val="tx2">
-                        <a:lumMod val="40000"/>
-                        <a:lumOff val="60000"/>
-                      </a:schemeClr>
+                      <a:srgbClr val="00FF00"/>
                     </a:solidFill>
                   </a:tcPr>
                 </a:tc>
@@ -21341,14 +22198,14 @@
           <p:nvPr>
             <p:extLst>
               <p:ext uri="{D42A27DB-BD31-4B8C-83A1-F6EECF244321}">
-                <p14:modId xmlns:p14="http://schemas.microsoft.com/office/powerpoint/2010/main" val="2345932114"/>
+                <p14:modId xmlns:p14="http://schemas.microsoft.com/office/powerpoint/2010/main" val="2183059820"/>
               </p:ext>
             </p:extLst>
           </p:nvPr>
         </p:nvGraphicFramePr>
         <p:xfrm>
           <a:off x="227602" y="262984"/>
-          <a:ext cx="6935870" cy="2377440"/>
+          <a:ext cx="6935870" cy="2194560"/>
         </p:xfrm>
         <a:graphic>
           <a:graphicData uri="http://schemas.openxmlformats.org/drawingml/2006/table">
@@ -24142,872 +24999,6 @@
                 <a:extLst>
                   <a:ext uri="{0D108BD9-81ED-4DB2-BD59-A6C34878D82A}">
                     <a16:rowId xmlns:a16="http://schemas.microsoft.com/office/drawing/2014/main" val="4291488277"/>
-                  </a:ext>
-                </a:extLst>
-              </a:tr>
-              <a:tr h="121449">
-                <a:tc>
-                  <a:txBody>
-                    <a:bodyPr/>
-                    <a:lstStyle/>
-                    <a:p>
-                      <a:pPr algn="ctr"/>
-                      <a:r>
-                        <a:rPr kumimoji="1" lang="en-US" altLang="ja-JP" sz="1200" b="1" dirty="0">
-                          <a:solidFill>
-                            <a:schemeClr val="tx1"/>
-                          </a:solidFill>
-                          <a:latin typeface="Times New Roman" panose="02020603050405020304" pitchFamily="18" charset="0"/>
-                          <a:cs typeface="Times New Roman" panose="02020603050405020304" pitchFamily="18" charset="0"/>
-                        </a:rPr>
-                        <a:t>DLT</a:t>
-                      </a:r>
-                      <a:endParaRPr kumimoji="1" lang="ja-JP" altLang="en-US" sz="1200" b="1" dirty="0">
-                        <a:solidFill>
-                          <a:schemeClr val="tx1"/>
-                        </a:solidFill>
-                        <a:latin typeface="Times New Roman" panose="02020603050405020304" pitchFamily="18" charset="0"/>
-                        <a:cs typeface="Times New Roman" panose="02020603050405020304" pitchFamily="18" charset="0"/>
-                      </a:endParaRPr>
-                    </a:p>
-                  </a:txBody>
-                  <a:tcPr marL="0" marR="0" marT="0" marB="0">
-                    <a:lnL w="28575" cap="flat" cmpd="sng" algn="ctr">
-                      <a:solidFill>
-                        <a:schemeClr val="tx1"/>
-                      </a:solidFill>
-                      <a:prstDash val="solid"/>
-                      <a:round/>
-                      <a:headEnd type="none" w="med" len="med"/>
-                      <a:tailEnd type="none" w="med" len="med"/>
-                    </a:lnL>
-                    <a:lnR w="12700" cap="flat" cmpd="sng" algn="ctr">
-                      <a:solidFill>
-                        <a:schemeClr val="tx1"/>
-                      </a:solidFill>
-                      <a:prstDash val="solid"/>
-                      <a:round/>
-                      <a:headEnd type="none" w="med" len="med"/>
-                      <a:tailEnd type="none" w="med" len="med"/>
-                    </a:lnR>
-                    <a:lnT w="6350" cap="flat" cmpd="sng" algn="ctr">
-                      <a:solidFill>
-                        <a:schemeClr val="tx1"/>
-                      </a:solidFill>
-                      <a:prstDash val="solid"/>
-                      <a:round/>
-                      <a:headEnd type="none" w="med" len="med"/>
-                      <a:tailEnd type="none" w="med" len="med"/>
-                    </a:lnT>
-                    <a:lnB w="6350" cap="flat" cmpd="sng" algn="ctr">
-                      <a:solidFill>
-                        <a:schemeClr val="tx1"/>
-                      </a:solidFill>
-                      <a:prstDash val="solid"/>
-                      <a:round/>
-                      <a:headEnd type="none" w="med" len="med"/>
-                      <a:tailEnd type="none" w="med" len="med"/>
-                    </a:lnB>
-                    <a:lnTlToBr w="12700" cmpd="sng">
-                      <a:noFill/>
-                      <a:prstDash val="solid"/>
-                    </a:lnTlToBr>
-                    <a:lnBlToTr w="12700" cmpd="sng">
-                      <a:noFill/>
-                      <a:prstDash val="solid"/>
-                    </a:lnBlToTr>
-                    <a:solidFill>
-                      <a:schemeClr val="bg1"/>
-                    </a:solidFill>
-                  </a:tcPr>
-                </a:tc>
-                <a:tc>
-                  <a:txBody>
-                    <a:bodyPr/>
-                    <a:lstStyle/>
-                    <a:p>
-                      <a:pPr algn="ctr"/>
-                      <a:endParaRPr kumimoji="1" lang="ja-JP" altLang="en-US" sz="1200" b="0" dirty="0">
-                        <a:solidFill>
-                          <a:schemeClr val="tx1"/>
-                        </a:solidFill>
-                        <a:latin typeface="Times New Roman" panose="02020603050405020304" pitchFamily="18" charset="0"/>
-                        <a:cs typeface="Times New Roman" panose="02020603050405020304" pitchFamily="18" charset="0"/>
-                      </a:endParaRPr>
-                    </a:p>
-                  </a:txBody>
-                  <a:tcPr marL="0" marR="0" marT="0" marB="0">
-                    <a:lnL w="12700" cap="flat" cmpd="sng" algn="ctr">
-                      <a:solidFill>
-                        <a:schemeClr val="tx1"/>
-                      </a:solidFill>
-                      <a:prstDash val="solid"/>
-                      <a:round/>
-                      <a:headEnd type="none" w="med" len="med"/>
-                      <a:tailEnd type="none" w="med" len="med"/>
-                    </a:lnL>
-                    <a:lnR w="6350" cap="flat" cmpd="sng" algn="ctr">
-                      <a:solidFill>
-                        <a:schemeClr val="tx1"/>
-                      </a:solidFill>
-                      <a:prstDash val="solid"/>
-                      <a:round/>
-                      <a:headEnd type="none" w="med" len="med"/>
-                      <a:tailEnd type="none" w="med" len="med"/>
-                    </a:lnR>
-                    <a:lnT w="6350" cap="flat" cmpd="sng" algn="ctr">
-                      <a:solidFill>
-                        <a:schemeClr val="tx1"/>
-                      </a:solidFill>
-                      <a:prstDash val="solid"/>
-                      <a:round/>
-                      <a:headEnd type="none" w="med" len="med"/>
-                      <a:tailEnd type="none" w="med" len="med"/>
-                    </a:lnT>
-                    <a:lnB w="6350" cap="flat" cmpd="sng" algn="ctr">
-                      <a:solidFill>
-                        <a:schemeClr val="tx1"/>
-                      </a:solidFill>
-                      <a:prstDash val="solid"/>
-                      <a:round/>
-                      <a:headEnd type="none" w="med" len="med"/>
-                      <a:tailEnd type="none" w="med" len="med"/>
-                    </a:lnB>
-                    <a:lnTlToBr w="12700" cmpd="sng">
-                      <a:noFill/>
-                      <a:prstDash val="solid"/>
-                    </a:lnTlToBr>
-                    <a:lnBlToTr w="12700" cmpd="sng">
-                      <a:noFill/>
-                      <a:prstDash val="solid"/>
-                    </a:lnBlToTr>
-                    <a:solidFill>
-                      <a:schemeClr val="bg1"/>
-                    </a:solidFill>
-                  </a:tcPr>
-                </a:tc>
-                <a:tc>
-                  <a:txBody>
-                    <a:bodyPr/>
-                    <a:lstStyle/>
-                    <a:p>
-                      <a:pPr algn="ctr"/>
-                      <a:r>
-                        <a:rPr lang="ja-JP" altLang="en-US" sz="1200" dirty="0"/>
-                        <a:t>✅</a:t>
-                      </a:r>
-                      <a:endParaRPr kumimoji="1" lang="ja-JP" altLang="en-US" sz="1200" b="0" dirty="0">
-                        <a:solidFill>
-                          <a:schemeClr val="tx1"/>
-                        </a:solidFill>
-                        <a:latin typeface="Times New Roman" panose="02020603050405020304" pitchFamily="18" charset="0"/>
-                        <a:cs typeface="Times New Roman" panose="02020603050405020304" pitchFamily="18" charset="0"/>
-                      </a:endParaRPr>
-                    </a:p>
-                  </a:txBody>
-                  <a:tcPr marL="0" marR="0" marT="0" marB="0">
-                    <a:lnL w="6350" cap="flat" cmpd="sng" algn="ctr">
-                      <a:solidFill>
-                        <a:schemeClr val="tx1"/>
-                      </a:solidFill>
-                      <a:prstDash val="solid"/>
-                      <a:round/>
-                      <a:headEnd type="none" w="med" len="med"/>
-                      <a:tailEnd type="none" w="med" len="med"/>
-                    </a:lnL>
-                    <a:lnR w="6350" cap="flat" cmpd="sng" algn="ctr">
-                      <a:solidFill>
-                        <a:schemeClr val="tx1"/>
-                      </a:solidFill>
-                      <a:prstDash val="solid"/>
-                      <a:round/>
-                      <a:headEnd type="none" w="med" len="med"/>
-                      <a:tailEnd type="none" w="med" len="med"/>
-                    </a:lnR>
-                    <a:lnT w="6350" cap="flat" cmpd="sng" algn="ctr">
-                      <a:solidFill>
-                        <a:schemeClr val="tx1"/>
-                      </a:solidFill>
-                      <a:prstDash val="solid"/>
-                      <a:round/>
-                      <a:headEnd type="none" w="med" len="med"/>
-                      <a:tailEnd type="none" w="med" len="med"/>
-                    </a:lnT>
-                    <a:lnB w="6350" cap="flat" cmpd="sng" algn="ctr">
-                      <a:solidFill>
-                        <a:schemeClr val="tx1"/>
-                      </a:solidFill>
-                      <a:prstDash val="solid"/>
-                      <a:round/>
-                      <a:headEnd type="none" w="med" len="med"/>
-                      <a:tailEnd type="none" w="med" len="med"/>
-                    </a:lnB>
-                    <a:lnTlToBr w="12700" cmpd="sng">
-                      <a:noFill/>
-                      <a:prstDash val="solid"/>
-                    </a:lnTlToBr>
-                    <a:lnBlToTr w="12700" cmpd="sng">
-                      <a:noFill/>
-                      <a:prstDash val="solid"/>
-                    </a:lnBlToTr>
-                    <a:solidFill>
-                      <a:schemeClr val="bg1"/>
-                    </a:solidFill>
-                  </a:tcPr>
-                </a:tc>
-                <a:tc>
-                  <a:txBody>
-                    <a:bodyPr/>
-                    <a:lstStyle/>
-                    <a:p>
-                      <a:pPr algn="ctr"/>
-                      <a:endParaRPr kumimoji="1" lang="ja-JP" altLang="en-US" sz="1200" b="0">
-                        <a:solidFill>
-                          <a:schemeClr val="tx1"/>
-                        </a:solidFill>
-                        <a:latin typeface="Times New Roman" panose="02020603050405020304" pitchFamily="18" charset="0"/>
-                        <a:cs typeface="Times New Roman" panose="02020603050405020304" pitchFamily="18" charset="0"/>
-                      </a:endParaRPr>
-                    </a:p>
-                  </a:txBody>
-                  <a:tcPr marL="0" marR="0" marT="0" marB="0">
-                    <a:lnL w="6350" cap="flat" cmpd="sng" algn="ctr">
-                      <a:solidFill>
-                        <a:schemeClr val="tx1"/>
-                      </a:solidFill>
-                      <a:prstDash val="solid"/>
-                      <a:round/>
-                      <a:headEnd type="none" w="med" len="med"/>
-                      <a:tailEnd type="none" w="med" len="med"/>
-                    </a:lnL>
-                    <a:lnR w="6350" cap="flat" cmpd="sng" algn="ctr">
-                      <a:solidFill>
-                        <a:schemeClr val="tx1"/>
-                      </a:solidFill>
-                      <a:prstDash val="solid"/>
-                      <a:round/>
-                      <a:headEnd type="none" w="med" len="med"/>
-                      <a:tailEnd type="none" w="med" len="med"/>
-                    </a:lnR>
-                    <a:lnT w="6350" cap="flat" cmpd="sng" algn="ctr">
-                      <a:solidFill>
-                        <a:schemeClr val="tx1"/>
-                      </a:solidFill>
-                      <a:prstDash val="solid"/>
-                      <a:round/>
-                      <a:headEnd type="none" w="med" len="med"/>
-                      <a:tailEnd type="none" w="med" len="med"/>
-                    </a:lnT>
-                    <a:lnB w="6350" cap="flat" cmpd="sng" algn="ctr">
-                      <a:solidFill>
-                        <a:schemeClr val="tx1"/>
-                      </a:solidFill>
-                      <a:prstDash val="solid"/>
-                      <a:round/>
-                      <a:headEnd type="none" w="med" len="med"/>
-                      <a:tailEnd type="none" w="med" len="med"/>
-                    </a:lnB>
-                    <a:lnTlToBr w="12700" cmpd="sng">
-                      <a:noFill/>
-                      <a:prstDash val="solid"/>
-                    </a:lnTlToBr>
-                    <a:lnBlToTr w="12700" cmpd="sng">
-                      <a:noFill/>
-                      <a:prstDash val="solid"/>
-                    </a:lnBlToTr>
-                    <a:solidFill>
-                      <a:schemeClr val="bg1"/>
-                    </a:solidFill>
-                  </a:tcPr>
-                </a:tc>
-                <a:tc>
-                  <a:txBody>
-                    <a:bodyPr/>
-                    <a:lstStyle/>
-                    <a:p>
-                      <a:pPr algn="ctr"/>
-                      <a:endParaRPr kumimoji="1" lang="ja-JP" altLang="en-US" sz="1200" b="0">
-                        <a:solidFill>
-                          <a:schemeClr val="tx1"/>
-                        </a:solidFill>
-                        <a:latin typeface="Times New Roman" panose="02020603050405020304" pitchFamily="18" charset="0"/>
-                        <a:cs typeface="Times New Roman" panose="02020603050405020304" pitchFamily="18" charset="0"/>
-                      </a:endParaRPr>
-                    </a:p>
-                  </a:txBody>
-                  <a:tcPr marL="0" marR="0" marT="0" marB="0">
-                    <a:lnL w="6350" cap="flat" cmpd="sng" algn="ctr">
-                      <a:solidFill>
-                        <a:schemeClr val="tx1"/>
-                      </a:solidFill>
-                      <a:prstDash val="solid"/>
-                      <a:round/>
-                      <a:headEnd type="none" w="med" len="med"/>
-                      <a:tailEnd type="none" w="med" len="med"/>
-                    </a:lnL>
-                    <a:lnR w="6350" cap="flat" cmpd="sng" algn="ctr">
-                      <a:solidFill>
-                        <a:schemeClr val="tx1"/>
-                      </a:solidFill>
-                      <a:prstDash val="solid"/>
-                      <a:round/>
-                      <a:headEnd type="none" w="med" len="med"/>
-                      <a:tailEnd type="none" w="med" len="med"/>
-                    </a:lnR>
-                    <a:lnT w="6350" cap="flat" cmpd="sng" algn="ctr">
-                      <a:solidFill>
-                        <a:schemeClr val="tx1"/>
-                      </a:solidFill>
-                      <a:prstDash val="solid"/>
-                      <a:round/>
-                      <a:headEnd type="none" w="med" len="med"/>
-                      <a:tailEnd type="none" w="med" len="med"/>
-                    </a:lnT>
-                    <a:lnB w="6350" cap="flat" cmpd="sng" algn="ctr">
-                      <a:solidFill>
-                        <a:schemeClr val="tx1"/>
-                      </a:solidFill>
-                      <a:prstDash val="solid"/>
-                      <a:round/>
-                      <a:headEnd type="none" w="med" len="med"/>
-                      <a:tailEnd type="none" w="med" len="med"/>
-                    </a:lnB>
-                    <a:lnTlToBr w="12700" cmpd="sng">
-                      <a:noFill/>
-                      <a:prstDash val="solid"/>
-                    </a:lnTlToBr>
-                    <a:lnBlToTr w="12700" cmpd="sng">
-                      <a:noFill/>
-                      <a:prstDash val="solid"/>
-                    </a:lnBlToTr>
-                    <a:solidFill>
-                      <a:schemeClr val="bg1"/>
-                    </a:solidFill>
-                  </a:tcPr>
-                </a:tc>
-                <a:tc>
-                  <a:txBody>
-                    <a:bodyPr/>
-                    <a:lstStyle/>
-                    <a:p>
-                      <a:pPr algn="ctr"/>
-                      <a:endParaRPr kumimoji="1" lang="ja-JP" altLang="en-US" sz="1200" b="0">
-                        <a:solidFill>
-                          <a:schemeClr val="tx1"/>
-                        </a:solidFill>
-                        <a:latin typeface="Times New Roman" panose="02020603050405020304" pitchFamily="18" charset="0"/>
-                        <a:cs typeface="Times New Roman" panose="02020603050405020304" pitchFamily="18" charset="0"/>
-                      </a:endParaRPr>
-                    </a:p>
-                  </a:txBody>
-                  <a:tcPr marL="0" marR="0" marT="0" marB="0">
-                    <a:lnL w="6350" cap="flat" cmpd="sng" algn="ctr">
-                      <a:solidFill>
-                        <a:schemeClr val="tx1"/>
-                      </a:solidFill>
-                      <a:prstDash val="solid"/>
-                      <a:round/>
-                      <a:headEnd type="none" w="med" len="med"/>
-                      <a:tailEnd type="none" w="med" len="med"/>
-                    </a:lnL>
-                    <a:lnR w="6350" cap="flat" cmpd="sng" algn="ctr">
-                      <a:solidFill>
-                        <a:schemeClr val="tx1"/>
-                      </a:solidFill>
-                      <a:prstDash val="solid"/>
-                      <a:round/>
-                      <a:headEnd type="none" w="med" len="med"/>
-                      <a:tailEnd type="none" w="med" len="med"/>
-                    </a:lnR>
-                    <a:lnT w="6350" cap="flat" cmpd="sng" algn="ctr">
-                      <a:solidFill>
-                        <a:schemeClr val="tx1"/>
-                      </a:solidFill>
-                      <a:prstDash val="solid"/>
-                      <a:round/>
-                      <a:headEnd type="none" w="med" len="med"/>
-                      <a:tailEnd type="none" w="med" len="med"/>
-                    </a:lnT>
-                    <a:lnB w="6350" cap="flat" cmpd="sng" algn="ctr">
-                      <a:solidFill>
-                        <a:schemeClr val="tx1"/>
-                      </a:solidFill>
-                      <a:prstDash val="solid"/>
-                      <a:round/>
-                      <a:headEnd type="none" w="med" len="med"/>
-                      <a:tailEnd type="none" w="med" len="med"/>
-                    </a:lnB>
-                    <a:lnTlToBr w="12700" cmpd="sng">
-                      <a:noFill/>
-                      <a:prstDash val="solid"/>
-                    </a:lnTlToBr>
-                    <a:lnBlToTr w="12700" cmpd="sng">
-                      <a:noFill/>
-                      <a:prstDash val="solid"/>
-                    </a:lnBlToTr>
-                    <a:solidFill>
-                      <a:schemeClr val="bg1"/>
-                    </a:solidFill>
-                  </a:tcPr>
-                </a:tc>
-                <a:tc>
-                  <a:txBody>
-                    <a:bodyPr/>
-                    <a:lstStyle/>
-                    <a:p>
-                      <a:pPr algn="ctr"/>
-                      <a:endParaRPr kumimoji="1" lang="ja-JP" altLang="en-US" sz="1200" b="0" dirty="0">
-                        <a:solidFill>
-                          <a:schemeClr val="tx1"/>
-                        </a:solidFill>
-                        <a:latin typeface="Times New Roman" panose="02020603050405020304" pitchFamily="18" charset="0"/>
-                        <a:cs typeface="Times New Roman" panose="02020603050405020304" pitchFamily="18" charset="0"/>
-                      </a:endParaRPr>
-                    </a:p>
-                  </a:txBody>
-                  <a:tcPr marL="0" marR="0" marT="0" marB="0">
-                    <a:lnL w="6350" cap="flat" cmpd="sng" algn="ctr">
-                      <a:solidFill>
-                        <a:schemeClr val="tx1"/>
-                      </a:solidFill>
-                      <a:prstDash val="solid"/>
-                      <a:round/>
-                      <a:headEnd type="none" w="med" len="med"/>
-                      <a:tailEnd type="none" w="med" len="med"/>
-                    </a:lnL>
-                    <a:lnR w="6350" cap="flat" cmpd="sng" algn="ctr">
-                      <a:solidFill>
-                        <a:schemeClr val="tx1"/>
-                      </a:solidFill>
-                      <a:prstDash val="solid"/>
-                      <a:round/>
-                      <a:headEnd type="none" w="med" len="med"/>
-                      <a:tailEnd type="none" w="med" len="med"/>
-                    </a:lnR>
-                    <a:lnT w="6350" cap="flat" cmpd="sng" algn="ctr">
-                      <a:solidFill>
-                        <a:schemeClr val="tx1"/>
-                      </a:solidFill>
-                      <a:prstDash val="solid"/>
-                      <a:round/>
-                      <a:headEnd type="none" w="med" len="med"/>
-                      <a:tailEnd type="none" w="med" len="med"/>
-                    </a:lnT>
-                    <a:lnB w="6350" cap="flat" cmpd="sng" algn="ctr">
-                      <a:solidFill>
-                        <a:schemeClr val="tx1"/>
-                      </a:solidFill>
-                      <a:prstDash val="solid"/>
-                      <a:round/>
-                      <a:headEnd type="none" w="med" len="med"/>
-                      <a:tailEnd type="none" w="med" len="med"/>
-                    </a:lnB>
-                    <a:lnTlToBr w="12700" cmpd="sng">
-                      <a:noFill/>
-                      <a:prstDash val="solid"/>
-                    </a:lnTlToBr>
-                    <a:lnBlToTr w="12700" cmpd="sng">
-                      <a:noFill/>
-                      <a:prstDash val="solid"/>
-                    </a:lnBlToTr>
-                    <a:solidFill>
-                      <a:schemeClr val="bg1"/>
-                    </a:solidFill>
-                  </a:tcPr>
-                </a:tc>
-                <a:tc>
-                  <a:txBody>
-                    <a:bodyPr/>
-                    <a:lstStyle/>
-                    <a:p>
-                      <a:pPr algn="ctr"/>
-                      <a:endParaRPr kumimoji="1" lang="ja-JP" altLang="en-US" sz="1200" b="0" dirty="0">
-                        <a:solidFill>
-                          <a:schemeClr val="tx1"/>
-                        </a:solidFill>
-                        <a:latin typeface="Times New Roman" panose="02020603050405020304" pitchFamily="18" charset="0"/>
-                        <a:cs typeface="Times New Roman" panose="02020603050405020304" pitchFamily="18" charset="0"/>
-                      </a:endParaRPr>
-                    </a:p>
-                  </a:txBody>
-                  <a:tcPr marL="0" marR="0" marT="0" marB="0">
-                    <a:lnL w="6350" cap="flat" cmpd="sng" algn="ctr">
-                      <a:solidFill>
-                        <a:schemeClr val="tx1"/>
-                      </a:solidFill>
-                      <a:prstDash val="solid"/>
-                      <a:round/>
-                      <a:headEnd type="none" w="med" len="med"/>
-                      <a:tailEnd type="none" w="med" len="med"/>
-                    </a:lnL>
-                    <a:lnR w="6350" cap="flat" cmpd="sng" algn="ctr">
-                      <a:solidFill>
-                        <a:schemeClr val="tx1"/>
-                      </a:solidFill>
-                      <a:prstDash val="solid"/>
-                      <a:round/>
-                      <a:headEnd type="none" w="med" len="med"/>
-                      <a:tailEnd type="none" w="med" len="med"/>
-                    </a:lnR>
-                    <a:lnT w="6350" cap="flat" cmpd="sng" algn="ctr">
-                      <a:solidFill>
-                        <a:schemeClr val="tx1"/>
-                      </a:solidFill>
-                      <a:prstDash val="solid"/>
-                      <a:round/>
-                      <a:headEnd type="none" w="med" len="med"/>
-                      <a:tailEnd type="none" w="med" len="med"/>
-                    </a:lnT>
-                    <a:lnB w="6350" cap="flat" cmpd="sng" algn="ctr">
-                      <a:solidFill>
-                        <a:schemeClr val="tx1"/>
-                      </a:solidFill>
-                      <a:prstDash val="solid"/>
-                      <a:round/>
-                      <a:headEnd type="none" w="med" len="med"/>
-                      <a:tailEnd type="none" w="med" len="med"/>
-                    </a:lnB>
-                    <a:lnTlToBr w="12700" cmpd="sng">
-                      <a:noFill/>
-                      <a:prstDash val="solid"/>
-                    </a:lnTlToBr>
-                    <a:lnBlToTr w="12700" cmpd="sng">
-                      <a:noFill/>
-                      <a:prstDash val="solid"/>
-                    </a:lnBlToTr>
-                    <a:solidFill>
-                      <a:schemeClr val="bg1"/>
-                    </a:solidFill>
-                  </a:tcPr>
-                </a:tc>
-                <a:tc>
-                  <a:txBody>
-                    <a:bodyPr/>
-                    <a:lstStyle/>
-                    <a:p>
-                      <a:pPr algn="ctr"/>
-                      <a:endParaRPr kumimoji="1" lang="ja-JP" altLang="en-US" sz="1200" b="0">
-                        <a:solidFill>
-                          <a:schemeClr val="tx1"/>
-                        </a:solidFill>
-                        <a:latin typeface="Times New Roman" panose="02020603050405020304" pitchFamily="18" charset="0"/>
-                        <a:cs typeface="Times New Roman" panose="02020603050405020304" pitchFamily="18" charset="0"/>
-                      </a:endParaRPr>
-                    </a:p>
-                  </a:txBody>
-                  <a:tcPr marL="0" marR="0" marT="0" marB="0">
-                    <a:lnL w="6350" cap="flat" cmpd="sng" algn="ctr">
-                      <a:solidFill>
-                        <a:schemeClr val="tx1"/>
-                      </a:solidFill>
-                      <a:prstDash val="solid"/>
-                      <a:round/>
-                      <a:headEnd type="none" w="med" len="med"/>
-                      <a:tailEnd type="none" w="med" len="med"/>
-                    </a:lnL>
-                    <a:lnR w="6350" cap="flat" cmpd="sng" algn="ctr">
-                      <a:solidFill>
-                        <a:schemeClr val="tx1"/>
-                      </a:solidFill>
-                      <a:prstDash val="solid"/>
-                      <a:round/>
-                      <a:headEnd type="none" w="med" len="med"/>
-                      <a:tailEnd type="none" w="med" len="med"/>
-                    </a:lnR>
-                    <a:lnT w="6350" cap="flat" cmpd="sng" algn="ctr">
-                      <a:solidFill>
-                        <a:schemeClr val="tx1"/>
-                      </a:solidFill>
-                      <a:prstDash val="solid"/>
-                      <a:round/>
-                      <a:headEnd type="none" w="med" len="med"/>
-                      <a:tailEnd type="none" w="med" len="med"/>
-                    </a:lnT>
-                    <a:lnB w="6350" cap="flat" cmpd="sng" algn="ctr">
-                      <a:solidFill>
-                        <a:schemeClr val="tx1"/>
-                      </a:solidFill>
-                      <a:prstDash val="solid"/>
-                      <a:round/>
-                      <a:headEnd type="none" w="med" len="med"/>
-                      <a:tailEnd type="none" w="med" len="med"/>
-                    </a:lnB>
-                    <a:lnTlToBr w="12700" cmpd="sng">
-                      <a:noFill/>
-                      <a:prstDash val="solid"/>
-                    </a:lnTlToBr>
-                    <a:lnBlToTr w="12700" cmpd="sng">
-                      <a:noFill/>
-                      <a:prstDash val="solid"/>
-                    </a:lnBlToTr>
-                    <a:solidFill>
-                      <a:schemeClr val="bg1"/>
-                    </a:solidFill>
-                  </a:tcPr>
-                </a:tc>
-                <a:tc>
-                  <a:txBody>
-                    <a:bodyPr/>
-                    <a:lstStyle/>
-                    <a:p>
-                      <a:pPr algn="ctr"/>
-                      <a:endParaRPr kumimoji="1" lang="ja-JP" altLang="en-US" sz="1200" b="0">
-                        <a:solidFill>
-                          <a:schemeClr val="tx1"/>
-                        </a:solidFill>
-                        <a:latin typeface="Times New Roman" panose="02020603050405020304" pitchFamily="18" charset="0"/>
-                        <a:cs typeface="Times New Roman" panose="02020603050405020304" pitchFamily="18" charset="0"/>
-                      </a:endParaRPr>
-                    </a:p>
-                  </a:txBody>
-                  <a:tcPr marL="0" marR="0" marT="0" marB="0">
-                    <a:lnL w="6350" cap="flat" cmpd="sng" algn="ctr">
-                      <a:solidFill>
-                        <a:schemeClr val="tx1"/>
-                      </a:solidFill>
-                      <a:prstDash val="solid"/>
-                      <a:round/>
-                      <a:headEnd type="none" w="med" len="med"/>
-                      <a:tailEnd type="none" w="med" len="med"/>
-                    </a:lnL>
-                    <a:lnR w="6350" cap="flat" cmpd="sng" algn="ctr">
-                      <a:solidFill>
-                        <a:schemeClr val="tx1"/>
-                      </a:solidFill>
-                      <a:prstDash val="solid"/>
-                      <a:round/>
-                      <a:headEnd type="none" w="med" len="med"/>
-                      <a:tailEnd type="none" w="med" len="med"/>
-                    </a:lnR>
-                    <a:lnT w="6350" cap="flat" cmpd="sng" algn="ctr">
-                      <a:solidFill>
-                        <a:schemeClr val="tx1"/>
-                      </a:solidFill>
-                      <a:prstDash val="solid"/>
-                      <a:round/>
-                      <a:headEnd type="none" w="med" len="med"/>
-                      <a:tailEnd type="none" w="med" len="med"/>
-                    </a:lnT>
-                    <a:lnB w="6350" cap="flat" cmpd="sng" algn="ctr">
-                      <a:solidFill>
-                        <a:schemeClr val="tx1"/>
-                      </a:solidFill>
-                      <a:prstDash val="solid"/>
-                      <a:round/>
-                      <a:headEnd type="none" w="med" len="med"/>
-                      <a:tailEnd type="none" w="med" len="med"/>
-                    </a:lnB>
-                    <a:lnTlToBr w="12700" cmpd="sng">
-                      <a:noFill/>
-                      <a:prstDash val="solid"/>
-                    </a:lnTlToBr>
-                    <a:lnBlToTr w="12700" cmpd="sng">
-                      <a:noFill/>
-                      <a:prstDash val="solid"/>
-                    </a:lnBlToTr>
-                    <a:solidFill>
-                      <a:schemeClr val="bg1"/>
-                    </a:solidFill>
-                  </a:tcPr>
-                </a:tc>
-                <a:tc>
-                  <a:txBody>
-                    <a:bodyPr/>
-                    <a:lstStyle/>
-                    <a:p>
-                      <a:pPr algn="ctr"/>
-                      <a:endParaRPr kumimoji="1" lang="ja-JP" altLang="en-US" sz="1200" b="0">
-                        <a:solidFill>
-                          <a:schemeClr val="tx1"/>
-                        </a:solidFill>
-                        <a:latin typeface="Times New Roman" panose="02020603050405020304" pitchFamily="18" charset="0"/>
-                        <a:cs typeface="Times New Roman" panose="02020603050405020304" pitchFamily="18" charset="0"/>
-                      </a:endParaRPr>
-                    </a:p>
-                  </a:txBody>
-                  <a:tcPr marL="0" marR="0" marT="0" marB="0">
-                    <a:lnL w="6350" cap="flat" cmpd="sng" algn="ctr">
-                      <a:solidFill>
-                        <a:schemeClr val="tx1"/>
-                      </a:solidFill>
-                      <a:prstDash val="solid"/>
-                      <a:round/>
-                      <a:headEnd type="none" w="med" len="med"/>
-                      <a:tailEnd type="none" w="med" len="med"/>
-                    </a:lnL>
-                    <a:lnR w="6350" cap="flat" cmpd="sng" algn="ctr">
-                      <a:solidFill>
-                        <a:schemeClr val="tx1"/>
-                      </a:solidFill>
-                      <a:prstDash val="solid"/>
-                      <a:round/>
-                      <a:headEnd type="none" w="med" len="med"/>
-                      <a:tailEnd type="none" w="med" len="med"/>
-                    </a:lnR>
-                    <a:lnT w="6350" cap="flat" cmpd="sng" algn="ctr">
-                      <a:solidFill>
-                        <a:schemeClr val="tx1"/>
-                      </a:solidFill>
-                      <a:prstDash val="solid"/>
-                      <a:round/>
-                      <a:headEnd type="none" w="med" len="med"/>
-                      <a:tailEnd type="none" w="med" len="med"/>
-                    </a:lnT>
-                    <a:lnB w="6350" cap="flat" cmpd="sng" algn="ctr">
-                      <a:solidFill>
-                        <a:schemeClr val="tx1"/>
-                      </a:solidFill>
-                      <a:prstDash val="solid"/>
-                      <a:round/>
-                      <a:headEnd type="none" w="med" len="med"/>
-                      <a:tailEnd type="none" w="med" len="med"/>
-                    </a:lnB>
-                    <a:lnTlToBr w="12700" cmpd="sng">
-                      <a:noFill/>
-                      <a:prstDash val="solid"/>
-                    </a:lnTlToBr>
-                    <a:lnBlToTr w="12700" cmpd="sng">
-                      <a:noFill/>
-                      <a:prstDash val="solid"/>
-                    </a:lnBlToTr>
-                    <a:solidFill>
-                      <a:schemeClr val="bg1"/>
-                    </a:solidFill>
-                  </a:tcPr>
-                </a:tc>
-                <a:tc>
-                  <a:txBody>
-                    <a:bodyPr/>
-                    <a:lstStyle/>
-                    <a:p>
-                      <a:pPr algn="ctr"/>
-                      <a:endParaRPr kumimoji="1" lang="ja-JP" altLang="en-US" sz="1200" b="0">
-                        <a:solidFill>
-                          <a:schemeClr val="tx1"/>
-                        </a:solidFill>
-                        <a:latin typeface="Times New Roman" panose="02020603050405020304" pitchFamily="18" charset="0"/>
-                        <a:cs typeface="Times New Roman" panose="02020603050405020304" pitchFamily="18" charset="0"/>
-                      </a:endParaRPr>
-                    </a:p>
-                  </a:txBody>
-                  <a:tcPr marL="0" marR="0" marT="0" marB="0">
-                    <a:lnL w="6350" cap="flat" cmpd="sng" algn="ctr">
-                      <a:solidFill>
-                        <a:schemeClr val="tx1"/>
-                      </a:solidFill>
-                      <a:prstDash val="solid"/>
-                      <a:round/>
-                      <a:headEnd type="none" w="med" len="med"/>
-                      <a:tailEnd type="none" w="med" len="med"/>
-                    </a:lnL>
-                    <a:lnR w="6350" cap="flat" cmpd="sng" algn="ctr">
-                      <a:solidFill>
-                        <a:schemeClr val="tx1"/>
-                      </a:solidFill>
-                      <a:prstDash val="solid"/>
-                      <a:round/>
-                      <a:headEnd type="none" w="med" len="med"/>
-                      <a:tailEnd type="none" w="med" len="med"/>
-                    </a:lnR>
-                    <a:lnT w="6350" cap="flat" cmpd="sng" algn="ctr">
-                      <a:solidFill>
-                        <a:schemeClr val="tx1"/>
-                      </a:solidFill>
-                      <a:prstDash val="solid"/>
-                      <a:round/>
-                      <a:headEnd type="none" w="med" len="med"/>
-                      <a:tailEnd type="none" w="med" len="med"/>
-                    </a:lnT>
-                    <a:lnB w="6350" cap="flat" cmpd="sng" algn="ctr">
-                      <a:solidFill>
-                        <a:schemeClr val="tx1"/>
-                      </a:solidFill>
-                      <a:prstDash val="solid"/>
-                      <a:round/>
-                      <a:headEnd type="none" w="med" len="med"/>
-                      <a:tailEnd type="none" w="med" len="med"/>
-                    </a:lnB>
-                    <a:lnTlToBr w="12700" cmpd="sng">
-                      <a:noFill/>
-                      <a:prstDash val="solid"/>
-                    </a:lnTlToBr>
-                    <a:lnBlToTr w="12700" cmpd="sng">
-                      <a:noFill/>
-                      <a:prstDash val="solid"/>
-                    </a:lnBlToTr>
-                    <a:solidFill>
-                      <a:schemeClr val="bg1"/>
-                    </a:solidFill>
-                  </a:tcPr>
-                </a:tc>
-                <a:tc>
-                  <a:txBody>
-                    <a:bodyPr/>
-                    <a:lstStyle/>
-                    <a:p>
-                      <a:pPr algn="ctr"/>
-                      <a:endParaRPr kumimoji="1" lang="ja-JP" altLang="en-US" sz="1200" b="0" dirty="0">
-                        <a:solidFill>
-                          <a:schemeClr val="tx1"/>
-                        </a:solidFill>
-                        <a:latin typeface="Times New Roman" panose="02020603050405020304" pitchFamily="18" charset="0"/>
-                        <a:cs typeface="Times New Roman" panose="02020603050405020304" pitchFamily="18" charset="0"/>
-                      </a:endParaRPr>
-                    </a:p>
-                  </a:txBody>
-                  <a:tcPr marL="0" marR="0" marT="0" marB="0">
-                    <a:lnL w="6350" cap="flat" cmpd="sng" algn="ctr">
-                      <a:solidFill>
-                        <a:schemeClr val="tx1"/>
-                      </a:solidFill>
-                      <a:prstDash val="solid"/>
-                      <a:round/>
-                      <a:headEnd type="none" w="med" len="med"/>
-                      <a:tailEnd type="none" w="med" len="med"/>
-                    </a:lnL>
-                    <a:lnR w="28575" cap="flat" cmpd="sng" algn="ctr">
-                      <a:solidFill>
-                        <a:schemeClr val="tx1"/>
-                      </a:solidFill>
-                      <a:prstDash val="solid"/>
-                      <a:round/>
-                      <a:headEnd type="none" w="med" len="med"/>
-                      <a:tailEnd type="none" w="med" len="med"/>
-                    </a:lnR>
-                    <a:lnT w="6350" cap="flat" cmpd="sng" algn="ctr">
-                      <a:solidFill>
-                        <a:schemeClr val="tx1"/>
-                      </a:solidFill>
-                      <a:prstDash val="solid"/>
-                      <a:round/>
-                      <a:headEnd type="none" w="med" len="med"/>
-                      <a:tailEnd type="none" w="med" len="med"/>
-                    </a:lnT>
-                    <a:lnB w="6350" cap="flat" cmpd="sng" algn="ctr">
-                      <a:solidFill>
-                        <a:schemeClr val="tx1"/>
-                      </a:solidFill>
-                      <a:prstDash val="solid"/>
-                      <a:round/>
-                      <a:headEnd type="none" w="med" len="med"/>
-                      <a:tailEnd type="none" w="med" len="med"/>
-                    </a:lnB>
-                    <a:lnTlToBr w="12700" cmpd="sng">
-                      <a:noFill/>
-                      <a:prstDash val="solid"/>
-                    </a:lnTlToBr>
-                    <a:lnBlToTr w="12700" cmpd="sng">
-                      <a:noFill/>
-                      <a:prstDash val="solid"/>
-                    </a:lnBlToTr>
-                    <a:solidFill>
-                      <a:schemeClr val="bg1"/>
-                    </a:solidFill>
-                  </a:tcPr>
-                </a:tc>
-                <a:extLst>
-                  <a:ext uri="{0D108BD9-81ED-4DB2-BD59-A6C34878D82A}">
-                    <a16:rowId xmlns:a16="http://schemas.microsoft.com/office/drawing/2014/main" val="2253028760"/>
                   </a:ext>
                 </a:extLst>
               </a:tr>

--- a/data/check.pptx
+++ b/data/check.pptx
@@ -222,7 +222,7 @@
           <a:p>
             <a:fld id="{436B7F52-DC54-714A-8036-AA59B694E301}" type="datetimeFigureOut">
               <a:rPr kumimoji="1" lang="ja-JP" altLang="en-US" smtClean="0"/>
-              <a:t>2022/7/20</a:t>
+              <a:t>2022/7/22</a:t>
             </a:fld>
             <a:endParaRPr kumimoji="1" lang="ja-JP" altLang="en-US"/>
           </a:p>
@@ -711,7 +711,7 @@
           <a:p>
             <a:fld id="{9E823D3C-C962-5844-902D-96540A3D008B}" type="datetimeFigureOut">
               <a:rPr kumimoji="1" lang="ja-JP" altLang="en-US" smtClean="0"/>
-              <a:t>2022/7/20</a:t>
+              <a:t>2022/7/22</a:t>
             </a:fld>
             <a:endParaRPr kumimoji="1" lang="ja-JP" altLang="en-US"/>
           </a:p>
@@ -927,7 +927,7 @@
           <a:p>
             <a:fld id="{9E823D3C-C962-5844-902D-96540A3D008B}" type="datetimeFigureOut">
               <a:rPr kumimoji="1" lang="ja-JP" altLang="en-US" smtClean="0"/>
-              <a:t>2022/7/20</a:t>
+              <a:t>2022/7/22</a:t>
             </a:fld>
             <a:endParaRPr kumimoji="1" lang="ja-JP" altLang="en-US"/>
           </a:p>
@@ -1075,7 +1075,7 @@
           <a:p>
             <a:fld id="{9E823D3C-C962-5844-902D-96540A3D008B}" type="datetimeFigureOut">
               <a:rPr kumimoji="1" lang="ja-JP" altLang="en-US" smtClean="0"/>
-              <a:t>2022/7/20</a:t>
+              <a:t>2022/7/22</a:t>
             </a:fld>
             <a:endParaRPr kumimoji="1" lang="ja-JP" altLang="en-US"/>
           </a:p>
@@ -1223,7 +1223,7 @@
           <a:p>
             <a:fld id="{9E823D3C-C962-5844-902D-96540A3D008B}" type="datetimeFigureOut">
               <a:rPr kumimoji="1" lang="ja-JP" altLang="en-US" smtClean="0"/>
-              <a:t>2022/7/20</a:t>
+              <a:t>2022/7/22</a:t>
             </a:fld>
             <a:endParaRPr kumimoji="1" lang="ja-JP" altLang="en-US"/>
           </a:p>
@@ -1318,7 +1318,7 @@
           <a:p>
             <a:fld id="{9E823D3C-C962-5844-902D-96540A3D008B}" type="datetimeFigureOut">
               <a:rPr kumimoji="1" lang="ja-JP" altLang="en-US" smtClean="0"/>
-              <a:t>2022/7/20</a:t>
+              <a:t>2022/7/22</a:t>
             </a:fld>
             <a:endParaRPr kumimoji="1" lang="ja-JP" altLang="en-US"/>
           </a:p>
@@ -1703,7 +1703,7 @@
           <a:p>
             <a:fld id="{9E823D3C-C962-5844-902D-96540A3D008B}" type="datetimeFigureOut">
               <a:rPr kumimoji="1" lang="ja-JP" altLang="en-US" smtClean="0"/>
-              <a:t>2022/7/20</a:t>
+              <a:t>2022/7/22</a:t>
             </a:fld>
             <a:endParaRPr kumimoji="1" lang="ja-JP" altLang="en-US"/>
           </a:p>
@@ -2087,7 +2087,7 @@
           <p:nvPr>
             <p:extLst>
               <p:ext uri="{D42A27DB-BD31-4B8C-83A1-F6EECF244321}">
-                <p14:modId xmlns:p14="http://schemas.microsoft.com/office/powerpoint/2010/main" val="2454146754"/>
+                <p14:modId xmlns:p14="http://schemas.microsoft.com/office/powerpoint/2010/main" val="3430001531"/>
               </p:ext>
             </p:extLst>
           </p:nvPr>
@@ -3549,7 +3549,17 @@
                     <a:lstStyle/>
                     <a:p>
                       <a:pPr algn="ctr"/>
-                      <a:endParaRPr kumimoji="1" lang="ja-JP" altLang="en-US" sz="1600" b="0">
+                      <a:r>
+                        <a:rPr kumimoji="1" lang="en-US" altLang="ja-JP" sz="1600" b="0" dirty="0">
+                          <a:solidFill>
+                            <a:schemeClr val="tx1"/>
+                          </a:solidFill>
+                          <a:latin typeface="Times New Roman" panose="02020603050405020304" pitchFamily="18" charset="0"/>
+                          <a:cs typeface="Times New Roman" panose="02020603050405020304" pitchFamily="18" charset="0"/>
+                        </a:rPr>
+                        <a:t>3</a:t>
+                      </a:r>
+                      <a:endParaRPr kumimoji="1" lang="ja-JP" altLang="en-US" sz="1600" b="0" dirty="0">
                         <a:solidFill>
                           <a:schemeClr val="tx1"/>
                         </a:solidFill>
@@ -3604,17 +3614,27 @@
                       <a:prstDash val="solid"/>
                     </a:lnBlToTr>
                     <a:solidFill>
-                      <a:schemeClr val="bg1"/>
-                    </a:solidFill>
-                  </a:tcPr>
-                </a:tc>
-                <a:tc>
-                  <a:txBody>
-                    <a:bodyPr/>
-                    <a:lstStyle/>
-                    <a:p>
-                      <a:pPr algn="ctr"/>
-                      <a:endParaRPr kumimoji="1" lang="ja-JP" altLang="en-US" sz="1600" b="0">
+                      <a:srgbClr val="00FF00"/>
+                    </a:solidFill>
+                  </a:tcPr>
+                </a:tc>
+                <a:tc>
+                  <a:txBody>
+                    <a:bodyPr/>
+                    <a:lstStyle/>
+                    <a:p>
+                      <a:pPr algn="ctr"/>
+                      <a:r>
+                        <a:rPr kumimoji="1" lang="en-US" altLang="ja-JP" sz="1600" b="0" dirty="0">
+                          <a:solidFill>
+                            <a:schemeClr val="tx1"/>
+                          </a:solidFill>
+                          <a:latin typeface="Times New Roman" panose="02020603050405020304" pitchFamily="18" charset="0"/>
+                          <a:cs typeface="Times New Roman" panose="02020603050405020304" pitchFamily="18" charset="0"/>
+                        </a:rPr>
+                        <a:t>5</a:t>
+                      </a:r>
+                      <a:endParaRPr kumimoji="1" lang="ja-JP" altLang="en-US" sz="1600" b="0" dirty="0">
                         <a:solidFill>
                           <a:schemeClr val="tx1"/>
                         </a:solidFill>
@@ -3669,17 +3689,27 @@
                       <a:prstDash val="solid"/>
                     </a:lnBlToTr>
                     <a:solidFill>
-                      <a:schemeClr val="bg1"/>
-                    </a:solidFill>
-                  </a:tcPr>
-                </a:tc>
-                <a:tc>
-                  <a:txBody>
-                    <a:bodyPr/>
-                    <a:lstStyle/>
-                    <a:p>
-                      <a:pPr algn="ctr"/>
-                      <a:endParaRPr kumimoji="1" lang="ja-JP" altLang="en-US" sz="1600" b="0">
+                      <a:srgbClr val="00FF00"/>
+                    </a:solidFill>
+                  </a:tcPr>
+                </a:tc>
+                <a:tc>
+                  <a:txBody>
+                    <a:bodyPr/>
+                    <a:lstStyle/>
+                    <a:p>
+                      <a:pPr algn="ctr"/>
+                      <a:r>
+                        <a:rPr kumimoji="1" lang="en-US" altLang="ja-JP" sz="1600" b="0" dirty="0">
+                          <a:solidFill>
+                            <a:schemeClr val="tx1"/>
+                          </a:solidFill>
+                          <a:latin typeface="Times New Roman" panose="02020603050405020304" pitchFamily="18" charset="0"/>
+                          <a:cs typeface="Times New Roman" panose="02020603050405020304" pitchFamily="18" charset="0"/>
+                        </a:rPr>
+                        <a:t>1</a:t>
+                      </a:r>
+                      <a:endParaRPr kumimoji="1" lang="ja-JP" altLang="en-US" sz="1600" b="0" dirty="0">
                         <a:solidFill>
                           <a:schemeClr val="tx1"/>
                         </a:solidFill>
@@ -3734,17 +3764,27 @@
                       <a:prstDash val="solid"/>
                     </a:lnBlToTr>
                     <a:solidFill>
-                      <a:schemeClr val="bg1"/>
-                    </a:solidFill>
-                  </a:tcPr>
-                </a:tc>
-                <a:tc>
-                  <a:txBody>
-                    <a:bodyPr/>
-                    <a:lstStyle/>
-                    <a:p>
-                      <a:pPr algn="ctr"/>
-                      <a:endParaRPr kumimoji="1" lang="ja-JP" altLang="en-US" sz="1600" b="0">
+                      <a:srgbClr val="00FF00"/>
+                    </a:solidFill>
+                  </a:tcPr>
+                </a:tc>
+                <a:tc>
+                  <a:txBody>
+                    <a:bodyPr/>
+                    <a:lstStyle/>
+                    <a:p>
+                      <a:pPr algn="ctr"/>
+                      <a:r>
+                        <a:rPr kumimoji="1" lang="en-US" altLang="ja-JP" sz="1600" b="0" dirty="0">
+                          <a:solidFill>
+                            <a:schemeClr val="tx1"/>
+                          </a:solidFill>
+                          <a:latin typeface="Times New Roman" panose="02020603050405020304" pitchFamily="18" charset="0"/>
+                          <a:cs typeface="Times New Roman" panose="02020603050405020304" pitchFamily="18" charset="0"/>
+                        </a:rPr>
+                        <a:t>3</a:t>
+                      </a:r>
+                      <a:endParaRPr kumimoji="1" lang="ja-JP" altLang="en-US" sz="1600" b="0" dirty="0">
                         <a:solidFill>
                           <a:schemeClr val="tx1"/>
                         </a:solidFill>
@@ -3799,17 +3839,27 @@
                       <a:prstDash val="solid"/>
                     </a:lnBlToTr>
                     <a:solidFill>
-                      <a:schemeClr val="bg1"/>
-                    </a:solidFill>
-                  </a:tcPr>
-                </a:tc>
-                <a:tc>
-                  <a:txBody>
-                    <a:bodyPr/>
-                    <a:lstStyle/>
-                    <a:p>
-                      <a:pPr algn="ctr"/>
-                      <a:endParaRPr kumimoji="1" lang="ja-JP" altLang="en-US" sz="1600" b="0">
+                      <a:srgbClr val="00FF00"/>
+                    </a:solidFill>
+                  </a:tcPr>
+                </a:tc>
+                <a:tc>
+                  <a:txBody>
+                    <a:bodyPr/>
+                    <a:lstStyle/>
+                    <a:p>
+                      <a:pPr algn="ctr"/>
+                      <a:r>
+                        <a:rPr kumimoji="1" lang="en-US" altLang="ja-JP" sz="1600" b="0" dirty="0">
+                          <a:solidFill>
+                            <a:schemeClr val="tx1"/>
+                          </a:solidFill>
+                          <a:latin typeface="Times New Roman" panose="02020603050405020304" pitchFamily="18" charset="0"/>
+                          <a:cs typeface="Times New Roman" panose="02020603050405020304" pitchFamily="18" charset="0"/>
+                        </a:rPr>
+                        <a:t>2</a:t>
+                      </a:r>
+                      <a:endParaRPr kumimoji="1" lang="ja-JP" altLang="en-US" sz="1600" b="0" dirty="0">
                         <a:solidFill>
                           <a:schemeClr val="tx1"/>
                         </a:solidFill>
@@ -3864,17 +3914,27 @@
                       <a:prstDash val="solid"/>
                     </a:lnBlToTr>
                     <a:solidFill>
-                      <a:schemeClr val="bg1"/>
-                    </a:solidFill>
-                  </a:tcPr>
-                </a:tc>
-                <a:tc>
-                  <a:txBody>
-                    <a:bodyPr/>
-                    <a:lstStyle/>
-                    <a:p>
-                      <a:pPr algn="ctr"/>
-                      <a:endParaRPr kumimoji="1" lang="ja-JP" altLang="en-US" sz="1600" b="0">
+                      <a:srgbClr val="00FF00"/>
+                    </a:solidFill>
+                  </a:tcPr>
+                </a:tc>
+                <a:tc>
+                  <a:txBody>
+                    <a:bodyPr/>
+                    <a:lstStyle/>
+                    <a:p>
+                      <a:pPr algn="ctr"/>
+                      <a:r>
+                        <a:rPr kumimoji="1" lang="en-US" altLang="ja-JP" sz="1600" b="0" dirty="0">
+                          <a:solidFill>
+                            <a:schemeClr val="tx1"/>
+                          </a:solidFill>
+                          <a:latin typeface="Times New Roman" panose="02020603050405020304" pitchFamily="18" charset="0"/>
+                          <a:cs typeface="Times New Roman" panose="02020603050405020304" pitchFamily="18" charset="0"/>
+                        </a:rPr>
+                        <a:t>3</a:t>
+                      </a:r>
+                      <a:endParaRPr kumimoji="1" lang="ja-JP" altLang="en-US" sz="1600" b="0" dirty="0">
                         <a:solidFill>
                           <a:schemeClr val="tx1"/>
                         </a:solidFill>
@@ -3929,17 +3989,27 @@
                       <a:prstDash val="solid"/>
                     </a:lnBlToTr>
                     <a:solidFill>
-                      <a:schemeClr val="bg1"/>
-                    </a:solidFill>
-                  </a:tcPr>
-                </a:tc>
-                <a:tc>
-                  <a:txBody>
-                    <a:bodyPr/>
-                    <a:lstStyle/>
-                    <a:p>
-                      <a:pPr algn="ctr"/>
-                      <a:endParaRPr kumimoji="1" lang="ja-JP" altLang="en-US" sz="1600" b="0">
+                      <a:srgbClr val="00FF00"/>
+                    </a:solidFill>
+                  </a:tcPr>
+                </a:tc>
+                <a:tc>
+                  <a:txBody>
+                    <a:bodyPr/>
+                    <a:lstStyle/>
+                    <a:p>
+                      <a:pPr algn="ctr"/>
+                      <a:r>
+                        <a:rPr kumimoji="1" lang="en-US" altLang="ja-JP" sz="1600" b="0" dirty="0">
+                          <a:solidFill>
+                            <a:schemeClr val="tx1"/>
+                          </a:solidFill>
+                          <a:latin typeface="Times New Roman" panose="02020603050405020304" pitchFamily="18" charset="0"/>
+                          <a:cs typeface="Times New Roman" panose="02020603050405020304" pitchFamily="18" charset="0"/>
+                        </a:rPr>
+                        <a:t>4</a:t>
+                      </a:r>
+                      <a:endParaRPr kumimoji="1" lang="ja-JP" altLang="en-US" sz="1600" b="0" dirty="0">
                         <a:solidFill>
                           <a:schemeClr val="tx1"/>
                         </a:solidFill>
@@ -3994,17 +4064,27 @@
                       <a:prstDash val="solid"/>
                     </a:lnBlToTr>
                     <a:solidFill>
-                      <a:schemeClr val="bg1"/>
-                    </a:solidFill>
-                  </a:tcPr>
-                </a:tc>
-                <a:tc>
-                  <a:txBody>
-                    <a:bodyPr/>
-                    <a:lstStyle/>
-                    <a:p>
-                      <a:pPr algn="ctr"/>
-                      <a:endParaRPr kumimoji="1" lang="ja-JP" altLang="en-US" sz="1600" b="0">
+                      <a:srgbClr val="00FF00"/>
+                    </a:solidFill>
+                  </a:tcPr>
+                </a:tc>
+                <a:tc>
+                  <a:txBody>
+                    <a:bodyPr/>
+                    <a:lstStyle/>
+                    <a:p>
+                      <a:pPr algn="ctr"/>
+                      <a:r>
+                        <a:rPr kumimoji="1" lang="en-US" altLang="ja-JP" sz="1600" b="0" dirty="0">
+                          <a:solidFill>
+                            <a:schemeClr val="tx1"/>
+                          </a:solidFill>
+                          <a:latin typeface="Times New Roman" panose="02020603050405020304" pitchFamily="18" charset="0"/>
+                          <a:cs typeface="Times New Roman" panose="02020603050405020304" pitchFamily="18" charset="0"/>
+                        </a:rPr>
+                        <a:t>4</a:t>
+                      </a:r>
+                      <a:endParaRPr kumimoji="1" lang="ja-JP" altLang="en-US" sz="1600" b="0" dirty="0">
                         <a:solidFill>
                           <a:schemeClr val="tx1"/>
                         </a:solidFill>
@@ -4059,7 +4139,7 @@
                       <a:prstDash val="solid"/>
                     </a:lnBlToTr>
                     <a:solidFill>
-                      <a:schemeClr val="bg1"/>
+                      <a:srgbClr val="00FF00"/>
                     </a:solidFill>
                   </a:tcPr>
                 </a:tc>
@@ -6020,6 +6100,16 @@
                     <a:lstStyle/>
                     <a:p>
                       <a:pPr algn="ctr"/>
+                      <a:r>
+                        <a:rPr kumimoji="1" lang="en-US" altLang="ja-JP" sz="1600" b="0" dirty="0">
+                          <a:solidFill>
+                            <a:schemeClr val="tx1"/>
+                          </a:solidFill>
+                          <a:latin typeface="Times New Roman" panose="02020603050405020304" pitchFamily="18" charset="0"/>
+                          <a:cs typeface="Times New Roman" panose="02020603050405020304" pitchFamily="18" charset="0"/>
+                        </a:rPr>
+                        <a:t>2</a:t>
+                      </a:r>
                       <a:endParaRPr kumimoji="1" lang="ja-JP" altLang="en-US" sz="1600" b="0" dirty="0">
                         <a:solidFill>
                           <a:schemeClr val="tx1"/>
@@ -6075,16 +6165,26 @@
                       <a:prstDash val="solid"/>
                     </a:lnBlToTr>
                     <a:solidFill>
-                      <a:schemeClr val="bg1"/>
-                    </a:solidFill>
-                  </a:tcPr>
-                </a:tc>
-                <a:tc>
-                  <a:txBody>
-                    <a:bodyPr/>
-                    <a:lstStyle/>
-                    <a:p>
-                      <a:pPr algn="ctr"/>
+                      <a:srgbClr val="00FF00"/>
+                    </a:solidFill>
+                  </a:tcPr>
+                </a:tc>
+                <a:tc>
+                  <a:txBody>
+                    <a:bodyPr/>
+                    <a:lstStyle/>
+                    <a:p>
+                      <a:pPr algn="ctr"/>
+                      <a:r>
+                        <a:rPr kumimoji="1" lang="en-US" altLang="ja-JP" sz="1600" b="0" dirty="0">
+                          <a:solidFill>
+                            <a:schemeClr val="tx1"/>
+                          </a:solidFill>
+                          <a:latin typeface="Times New Roman" panose="02020603050405020304" pitchFamily="18" charset="0"/>
+                          <a:cs typeface="Times New Roman" panose="02020603050405020304" pitchFamily="18" charset="0"/>
+                        </a:rPr>
+                        <a:t>0?</a:t>
+                      </a:r>
                       <a:endParaRPr kumimoji="1" lang="ja-JP" altLang="en-US" sz="1600" b="0" dirty="0">
                         <a:solidFill>
                           <a:schemeClr val="tx1"/>
@@ -10731,6 +10831,241 @@
                     <a:lstStyle/>
                     <a:p>
                       <a:pPr algn="ctr"/>
+                      <a:r>
+                        <a:rPr kumimoji="1" lang="en-US" altLang="ja-JP" sz="1600" b="0" dirty="0">
+                          <a:solidFill>
+                            <a:schemeClr val="tx1"/>
+                          </a:solidFill>
+                          <a:latin typeface="Times New Roman" panose="02020603050405020304" pitchFamily="18" charset="0"/>
+                          <a:cs typeface="Times New Roman" panose="02020603050405020304" pitchFamily="18" charset="0"/>
+                        </a:rPr>
+                        <a:t>3</a:t>
+                      </a:r>
+                      <a:endParaRPr kumimoji="1" lang="ja-JP" altLang="en-US" sz="1600" b="0" dirty="0">
+                        <a:solidFill>
+                          <a:schemeClr val="tx1"/>
+                        </a:solidFill>
+                        <a:latin typeface="Times New Roman" panose="02020603050405020304" pitchFamily="18" charset="0"/>
+                        <a:cs typeface="Times New Roman" panose="02020603050405020304" pitchFamily="18" charset="0"/>
+                      </a:endParaRPr>
+                    </a:p>
+                  </a:txBody>
+                  <a:tcPr marL="0" marR="0" marT="0" marB="0">
+                    <a:lnL w="6350" cap="flat" cmpd="sng" algn="ctr">
+                      <a:solidFill>
+                        <a:schemeClr val="tx1"/>
+                      </a:solidFill>
+                      <a:prstDash val="solid"/>
+                      <a:round/>
+                      <a:headEnd type="none" w="med" len="med"/>
+                      <a:tailEnd type="none" w="med" len="med"/>
+                    </a:lnL>
+                    <a:lnR w="6350" cap="flat" cmpd="sng" algn="ctr">
+                      <a:solidFill>
+                        <a:schemeClr val="tx1"/>
+                      </a:solidFill>
+                      <a:prstDash val="solid"/>
+                      <a:round/>
+                      <a:headEnd type="none" w="med" len="med"/>
+                      <a:tailEnd type="none" w="med" len="med"/>
+                    </a:lnR>
+                    <a:lnT w="6350" cap="flat" cmpd="sng" algn="ctr">
+                      <a:solidFill>
+                        <a:schemeClr val="tx1"/>
+                      </a:solidFill>
+                      <a:prstDash val="solid"/>
+                      <a:round/>
+                      <a:headEnd type="none" w="med" len="med"/>
+                      <a:tailEnd type="none" w="med" len="med"/>
+                    </a:lnT>
+                    <a:lnB w="6350" cap="flat" cmpd="sng" algn="ctr">
+                      <a:solidFill>
+                        <a:schemeClr val="tx1"/>
+                      </a:solidFill>
+                      <a:prstDash val="solid"/>
+                      <a:round/>
+                      <a:headEnd type="none" w="med" len="med"/>
+                      <a:tailEnd type="none" w="med" len="med"/>
+                    </a:lnB>
+                    <a:lnTlToBr w="12700" cmpd="sng">
+                      <a:noFill/>
+                      <a:prstDash val="solid"/>
+                    </a:lnTlToBr>
+                    <a:lnBlToTr w="12700" cmpd="sng">
+                      <a:noFill/>
+                      <a:prstDash val="solid"/>
+                    </a:lnBlToTr>
+                    <a:solidFill>
+                      <a:srgbClr val="00FF00"/>
+                    </a:solidFill>
+                  </a:tcPr>
+                </a:tc>
+                <a:tc>
+                  <a:txBody>
+                    <a:bodyPr/>
+                    <a:lstStyle/>
+                    <a:p>
+                      <a:pPr algn="ctr"/>
+                      <a:r>
+                        <a:rPr kumimoji="1" lang="en-US" altLang="ja-JP" sz="1600" b="0" dirty="0">
+                          <a:solidFill>
+                            <a:schemeClr val="tx1"/>
+                          </a:solidFill>
+                          <a:latin typeface="Times New Roman" panose="02020603050405020304" pitchFamily="18" charset="0"/>
+                          <a:cs typeface="Times New Roman" panose="02020603050405020304" pitchFamily="18" charset="0"/>
+                        </a:rPr>
+                        <a:t>4</a:t>
+                      </a:r>
+                      <a:endParaRPr kumimoji="1" lang="ja-JP" altLang="en-US" sz="1600" b="0" dirty="0">
+                        <a:solidFill>
+                          <a:schemeClr val="tx1"/>
+                        </a:solidFill>
+                        <a:latin typeface="Times New Roman" panose="02020603050405020304" pitchFamily="18" charset="0"/>
+                        <a:cs typeface="Times New Roman" panose="02020603050405020304" pitchFamily="18" charset="0"/>
+                      </a:endParaRPr>
+                    </a:p>
+                  </a:txBody>
+                  <a:tcPr marL="0" marR="0" marT="0" marB="0">
+                    <a:lnL w="6350" cap="flat" cmpd="sng" algn="ctr">
+                      <a:solidFill>
+                        <a:schemeClr val="tx1"/>
+                      </a:solidFill>
+                      <a:prstDash val="solid"/>
+                      <a:round/>
+                      <a:headEnd type="none" w="med" len="med"/>
+                      <a:tailEnd type="none" w="med" len="med"/>
+                    </a:lnL>
+                    <a:lnR w="6350" cap="flat" cmpd="sng" algn="ctr">
+                      <a:solidFill>
+                        <a:schemeClr val="tx1"/>
+                      </a:solidFill>
+                      <a:prstDash val="solid"/>
+                      <a:round/>
+                      <a:headEnd type="none" w="med" len="med"/>
+                      <a:tailEnd type="none" w="med" len="med"/>
+                    </a:lnR>
+                    <a:lnT w="6350" cap="flat" cmpd="sng" algn="ctr">
+                      <a:solidFill>
+                        <a:schemeClr val="tx1"/>
+                      </a:solidFill>
+                      <a:prstDash val="solid"/>
+                      <a:round/>
+                      <a:headEnd type="none" w="med" len="med"/>
+                      <a:tailEnd type="none" w="med" len="med"/>
+                    </a:lnT>
+                    <a:lnB w="6350" cap="flat" cmpd="sng" algn="ctr">
+                      <a:solidFill>
+                        <a:schemeClr val="tx1"/>
+                      </a:solidFill>
+                      <a:prstDash val="solid"/>
+                      <a:round/>
+                      <a:headEnd type="none" w="med" len="med"/>
+                      <a:tailEnd type="none" w="med" len="med"/>
+                    </a:lnB>
+                    <a:lnTlToBr w="12700" cmpd="sng">
+                      <a:noFill/>
+                      <a:prstDash val="solid"/>
+                    </a:lnTlToBr>
+                    <a:lnBlToTr w="12700" cmpd="sng">
+                      <a:noFill/>
+                      <a:prstDash val="solid"/>
+                    </a:lnBlToTr>
+                    <a:solidFill>
+                      <a:srgbClr val="00FF00"/>
+                    </a:solidFill>
+                  </a:tcPr>
+                </a:tc>
+                <a:tc>
+                  <a:txBody>
+                    <a:bodyPr/>
+                    <a:lstStyle/>
+                    <a:p>
+                      <a:pPr algn="ctr"/>
+                      <a:r>
+                        <a:rPr kumimoji="1" lang="en-US" altLang="ja-JP" sz="1600" b="0" dirty="0">
+                          <a:solidFill>
+                            <a:schemeClr val="tx1"/>
+                          </a:solidFill>
+                          <a:latin typeface="Times New Roman" panose="02020603050405020304" pitchFamily="18" charset="0"/>
+                          <a:cs typeface="Times New Roman" panose="02020603050405020304" pitchFamily="18" charset="0"/>
+                        </a:rPr>
+                        <a:t>3</a:t>
+                      </a:r>
+                      <a:endParaRPr kumimoji="1" lang="ja-JP" altLang="en-US" sz="1600" b="0" dirty="0">
+                        <a:solidFill>
+                          <a:schemeClr val="tx1"/>
+                        </a:solidFill>
+                        <a:latin typeface="Times New Roman" panose="02020603050405020304" pitchFamily="18" charset="0"/>
+                        <a:cs typeface="Times New Roman" panose="02020603050405020304" pitchFamily="18" charset="0"/>
+                      </a:endParaRPr>
+                    </a:p>
+                  </a:txBody>
+                  <a:tcPr marL="0" marR="0" marT="0" marB="0">
+                    <a:lnL w="6350" cap="flat" cmpd="sng" algn="ctr">
+                      <a:solidFill>
+                        <a:schemeClr val="tx1"/>
+                      </a:solidFill>
+                      <a:prstDash val="solid"/>
+                      <a:round/>
+                      <a:headEnd type="none" w="med" len="med"/>
+                      <a:tailEnd type="none" w="med" len="med"/>
+                    </a:lnL>
+                    <a:lnR w="6350" cap="flat" cmpd="sng" algn="ctr">
+                      <a:solidFill>
+                        <a:schemeClr val="tx1"/>
+                      </a:solidFill>
+                      <a:prstDash val="solid"/>
+                      <a:round/>
+                      <a:headEnd type="none" w="med" len="med"/>
+                      <a:tailEnd type="none" w="med" len="med"/>
+                    </a:lnR>
+                    <a:lnT w="6350" cap="flat" cmpd="sng" algn="ctr">
+                      <a:solidFill>
+                        <a:schemeClr val="tx1"/>
+                      </a:solidFill>
+                      <a:prstDash val="solid"/>
+                      <a:round/>
+                      <a:headEnd type="none" w="med" len="med"/>
+                      <a:tailEnd type="none" w="med" len="med"/>
+                    </a:lnT>
+                    <a:lnB w="6350" cap="flat" cmpd="sng" algn="ctr">
+                      <a:solidFill>
+                        <a:schemeClr val="tx1"/>
+                      </a:solidFill>
+                      <a:prstDash val="solid"/>
+                      <a:round/>
+                      <a:headEnd type="none" w="med" len="med"/>
+                      <a:tailEnd type="none" w="med" len="med"/>
+                    </a:lnB>
+                    <a:lnTlToBr w="12700" cmpd="sng">
+                      <a:noFill/>
+                      <a:prstDash val="solid"/>
+                    </a:lnTlToBr>
+                    <a:lnBlToTr w="12700" cmpd="sng">
+                      <a:noFill/>
+                      <a:prstDash val="solid"/>
+                    </a:lnBlToTr>
+                    <a:solidFill>
+                      <a:srgbClr val="00FF00"/>
+                    </a:solidFill>
+                  </a:tcPr>
+                </a:tc>
+                <a:tc>
+                  <a:txBody>
+                    <a:bodyPr/>
+                    <a:lstStyle/>
+                    <a:p>
+                      <a:pPr algn="ctr"/>
+                      <a:r>
+                        <a:rPr kumimoji="1" lang="en-US" altLang="ja-JP" sz="1600" b="0">
+                          <a:solidFill>
+                            <a:schemeClr val="tx1"/>
+                          </a:solidFill>
+                          <a:latin typeface="Times New Roman" panose="02020603050405020304" pitchFamily="18" charset="0"/>
+                          <a:cs typeface="Times New Roman" panose="02020603050405020304" pitchFamily="18" charset="0"/>
+                        </a:rPr>
+                        <a:t>3</a:t>
+                      </a:r>
                       <a:endParaRPr kumimoji="1" lang="ja-JP" altLang="en-US" sz="1600" b="0">
                         <a:solidFill>
                           <a:schemeClr val="tx1"/>
@@ -10786,211 +11121,26 @@
                       <a:prstDash val="solid"/>
                     </a:lnBlToTr>
                     <a:solidFill>
-                      <a:schemeClr val="bg1"/>
-                    </a:solidFill>
-                  </a:tcPr>
-                </a:tc>
-                <a:tc>
-                  <a:txBody>
-                    <a:bodyPr/>
-                    <a:lstStyle/>
-                    <a:p>
-                      <a:pPr algn="ctr"/>
-                      <a:endParaRPr kumimoji="1" lang="ja-JP" altLang="en-US" sz="1600" b="0">
-                        <a:solidFill>
-                          <a:schemeClr val="tx1"/>
-                        </a:solidFill>
-                        <a:latin typeface="Times New Roman" panose="02020603050405020304" pitchFamily="18" charset="0"/>
-                        <a:cs typeface="Times New Roman" panose="02020603050405020304" pitchFamily="18" charset="0"/>
-                      </a:endParaRPr>
-                    </a:p>
-                  </a:txBody>
-                  <a:tcPr marL="0" marR="0" marT="0" marB="0">
-                    <a:lnL w="6350" cap="flat" cmpd="sng" algn="ctr">
-                      <a:solidFill>
-                        <a:schemeClr val="tx1"/>
-                      </a:solidFill>
-                      <a:prstDash val="solid"/>
-                      <a:round/>
-                      <a:headEnd type="none" w="med" len="med"/>
-                      <a:tailEnd type="none" w="med" len="med"/>
-                    </a:lnL>
-                    <a:lnR w="6350" cap="flat" cmpd="sng" algn="ctr">
-                      <a:solidFill>
-                        <a:schemeClr val="tx1"/>
-                      </a:solidFill>
-                      <a:prstDash val="solid"/>
-                      <a:round/>
-                      <a:headEnd type="none" w="med" len="med"/>
-                      <a:tailEnd type="none" w="med" len="med"/>
-                    </a:lnR>
-                    <a:lnT w="6350" cap="flat" cmpd="sng" algn="ctr">
-                      <a:solidFill>
-                        <a:schemeClr val="tx1"/>
-                      </a:solidFill>
-                      <a:prstDash val="solid"/>
-                      <a:round/>
-                      <a:headEnd type="none" w="med" len="med"/>
-                      <a:tailEnd type="none" w="med" len="med"/>
-                    </a:lnT>
-                    <a:lnB w="6350" cap="flat" cmpd="sng" algn="ctr">
-                      <a:solidFill>
-                        <a:schemeClr val="tx1"/>
-                      </a:solidFill>
-                      <a:prstDash val="solid"/>
-                      <a:round/>
-                      <a:headEnd type="none" w="med" len="med"/>
-                      <a:tailEnd type="none" w="med" len="med"/>
-                    </a:lnB>
-                    <a:lnTlToBr w="12700" cmpd="sng">
-                      <a:noFill/>
-                      <a:prstDash val="solid"/>
-                    </a:lnTlToBr>
-                    <a:lnBlToTr w="12700" cmpd="sng">
-                      <a:noFill/>
-                      <a:prstDash val="solid"/>
-                    </a:lnBlToTr>
-                    <a:solidFill>
-                      <a:schemeClr val="bg1"/>
-                    </a:solidFill>
-                  </a:tcPr>
-                </a:tc>
-                <a:tc>
-                  <a:txBody>
-                    <a:bodyPr/>
-                    <a:lstStyle/>
-                    <a:p>
-                      <a:pPr algn="ctr"/>
-                      <a:endParaRPr kumimoji="1" lang="ja-JP" altLang="en-US" sz="1600" b="0">
-                        <a:solidFill>
-                          <a:schemeClr val="tx1"/>
-                        </a:solidFill>
-                        <a:latin typeface="Times New Roman" panose="02020603050405020304" pitchFamily="18" charset="0"/>
-                        <a:cs typeface="Times New Roman" panose="02020603050405020304" pitchFamily="18" charset="0"/>
-                      </a:endParaRPr>
-                    </a:p>
-                  </a:txBody>
-                  <a:tcPr marL="0" marR="0" marT="0" marB="0">
-                    <a:lnL w="6350" cap="flat" cmpd="sng" algn="ctr">
-                      <a:solidFill>
-                        <a:schemeClr val="tx1"/>
-                      </a:solidFill>
-                      <a:prstDash val="solid"/>
-                      <a:round/>
-                      <a:headEnd type="none" w="med" len="med"/>
-                      <a:tailEnd type="none" w="med" len="med"/>
-                    </a:lnL>
-                    <a:lnR w="6350" cap="flat" cmpd="sng" algn="ctr">
-                      <a:solidFill>
-                        <a:schemeClr val="tx1"/>
-                      </a:solidFill>
-                      <a:prstDash val="solid"/>
-                      <a:round/>
-                      <a:headEnd type="none" w="med" len="med"/>
-                      <a:tailEnd type="none" w="med" len="med"/>
-                    </a:lnR>
-                    <a:lnT w="6350" cap="flat" cmpd="sng" algn="ctr">
-                      <a:solidFill>
-                        <a:schemeClr val="tx1"/>
-                      </a:solidFill>
-                      <a:prstDash val="solid"/>
-                      <a:round/>
-                      <a:headEnd type="none" w="med" len="med"/>
-                      <a:tailEnd type="none" w="med" len="med"/>
-                    </a:lnT>
-                    <a:lnB w="6350" cap="flat" cmpd="sng" algn="ctr">
-                      <a:solidFill>
-                        <a:schemeClr val="tx1"/>
-                      </a:solidFill>
-                      <a:prstDash val="solid"/>
-                      <a:round/>
-                      <a:headEnd type="none" w="med" len="med"/>
-                      <a:tailEnd type="none" w="med" len="med"/>
-                    </a:lnB>
-                    <a:lnTlToBr w="12700" cmpd="sng">
-                      <a:noFill/>
-                      <a:prstDash val="solid"/>
-                    </a:lnTlToBr>
-                    <a:lnBlToTr w="12700" cmpd="sng">
-                      <a:noFill/>
-                      <a:prstDash val="solid"/>
-                    </a:lnBlToTr>
-                    <a:solidFill>
-                      <a:schemeClr val="bg1"/>
-                    </a:solidFill>
-                  </a:tcPr>
-                </a:tc>
-                <a:tc>
-                  <a:txBody>
-                    <a:bodyPr/>
-                    <a:lstStyle/>
-                    <a:p>
-                      <a:pPr algn="ctr"/>
-                      <a:endParaRPr kumimoji="1" lang="ja-JP" altLang="en-US" sz="1600" b="0">
-                        <a:solidFill>
-                          <a:schemeClr val="tx1"/>
-                        </a:solidFill>
-                        <a:latin typeface="Times New Roman" panose="02020603050405020304" pitchFamily="18" charset="0"/>
-                        <a:cs typeface="Times New Roman" panose="02020603050405020304" pitchFamily="18" charset="0"/>
-                      </a:endParaRPr>
-                    </a:p>
-                  </a:txBody>
-                  <a:tcPr marL="0" marR="0" marT="0" marB="0">
-                    <a:lnL w="6350" cap="flat" cmpd="sng" algn="ctr">
-                      <a:solidFill>
-                        <a:schemeClr val="tx1"/>
-                      </a:solidFill>
-                      <a:prstDash val="solid"/>
-                      <a:round/>
-                      <a:headEnd type="none" w="med" len="med"/>
-                      <a:tailEnd type="none" w="med" len="med"/>
-                    </a:lnL>
-                    <a:lnR w="6350" cap="flat" cmpd="sng" algn="ctr">
-                      <a:solidFill>
-                        <a:schemeClr val="tx1"/>
-                      </a:solidFill>
-                      <a:prstDash val="solid"/>
-                      <a:round/>
-                      <a:headEnd type="none" w="med" len="med"/>
-                      <a:tailEnd type="none" w="med" len="med"/>
-                    </a:lnR>
-                    <a:lnT w="6350" cap="flat" cmpd="sng" algn="ctr">
-                      <a:solidFill>
-                        <a:schemeClr val="tx1"/>
-                      </a:solidFill>
-                      <a:prstDash val="solid"/>
-                      <a:round/>
-                      <a:headEnd type="none" w="med" len="med"/>
-                      <a:tailEnd type="none" w="med" len="med"/>
-                    </a:lnT>
-                    <a:lnB w="6350" cap="flat" cmpd="sng" algn="ctr">
-                      <a:solidFill>
-                        <a:schemeClr val="tx1"/>
-                      </a:solidFill>
-                      <a:prstDash val="solid"/>
-                      <a:round/>
-                      <a:headEnd type="none" w="med" len="med"/>
-                      <a:tailEnd type="none" w="med" len="med"/>
-                    </a:lnB>
-                    <a:lnTlToBr w="12700" cmpd="sng">
-                      <a:noFill/>
-                      <a:prstDash val="solid"/>
-                    </a:lnTlToBr>
-                    <a:lnBlToTr w="12700" cmpd="sng">
-                      <a:noFill/>
-                      <a:prstDash val="solid"/>
-                    </a:lnBlToTr>
-                    <a:solidFill>
-                      <a:schemeClr val="bg1"/>
-                    </a:solidFill>
-                  </a:tcPr>
-                </a:tc>
-                <a:tc>
-                  <a:txBody>
-                    <a:bodyPr/>
-                    <a:lstStyle/>
-                    <a:p>
-                      <a:pPr algn="ctr"/>
+                      <a:srgbClr val="00FF00"/>
+                    </a:solidFill>
+                  </a:tcPr>
+                </a:tc>
+                <a:tc>
+                  <a:txBody>
+                    <a:bodyPr/>
+                    <a:lstStyle/>
+                    <a:p>
+                      <a:pPr algn="ctr"/>
+                      <a:r>
+                        <a:rPr kumimoji="1" lang="en-US" altLang="ja-JP" sz="1600" b="0" dirty="0">
+                          <a:solidFill>
+                            <a:schemeClr val="tx1"/>
+                          </a:solidFill>
+                          <a:latin typeface="Times New Roman" panose="02020603050405020304" pitchFamily="18" charset="0"/>
+                          <a:cs typeface="Times New Roman" panose="02020603050405020304" pitchFamily="18" charset="0"/>
+                        </a:rPr>
+                        <a:t>3</a:t>
+                      </a:r>
                       <a:endParaRPr kumimoji="1" lang="ja-JP" altLang="en-US" sz="1600" b="0" dirty="0">
                         <a:solidFill>
                           <a:schemeClr val="tx1"/>
@@ -11046,16 +11196,26 @@
                       <a:prstDash val="solid"/>
                     </a:lnBlToTr>
                     <a:solidFill>
-                      <a:schemeClr val="bg1"/>
-                    </a:solidFill>
-                  </a:tcPr>
-                </a:tc>
-                <a:tc>
-                  <a:txBody>
-                    <a:bodyPr/>
-                    <a:lstStyle/>
-                    <a:p>
-                      <a:pPr algn="ctr"/>
+                      <a:srgbClr val="00FF00"/>
+                    </a:solidFill>
+                  </a:tcPr>
+                </a:tc>
+                <a:tc>
+                  <a:txBody>
+                    <a:bodyPr/>
+                    <a:lstStyle/>
+                    <a:p>
+                      <a:pPr algn="ctr"/>
+                      <a:r>
+                        <a:rPr kumimoji="1" lang="en-US" altLang="ja-JP" sz="1600" b="0" dirty="0">
+                          <a:solidFill>
+                            <a:schemeClr val="tx1"/>
+                          </a:solidFill>
+                          <a:latin typeface="Times New Roman" panose="02020603050405020304" pitchFamily="18" charset="0"/>
+                          <a:cs typeface="Times New Roman" panose="02020603050405020304" pitchFamily="18" charset="0"/>
+                        </a:rPr>
+                        <a:t>5</a:t>
+                      </a:r>
                       <a:endParaRPr kumimoji="1" lang="ja-JP" altLang="en-US" sz="1600" b="0" dirty="0">
                         <a:solidFill>
                           <a:schemeClr val="tx1"/>
@@ -11111,16 +11271,26 @@
                       <a:prstDash val="solid"/>
                     </a:lnBlToTr>
                     <a:solidFill>
-                      <a:schemeClr val="bg1"/>
-                    </a:solidFill>
-                  </a:tcPr>
-                </a:tc>
-                <a:tc>
-                  <a:txBody>
-                    <a:bodyPr/>
-                    <a:lstStyle/>
-                    <a:p>
-                      <a:pPr algn="ctr"/>
+                      <a:srgbClr val="00FF00"/>
+                    </a:solidFill>
+                  </a:tcPr>
+                </a:tc>
+                <a:tc>
+                  <a:txBody>
+                    <a:bodyPr/>
+                    <a:lstStyle/>
+                    <a:p>
+                      <a:pPr algn="ctr"/>
+                      <a:r>
+                        <a:rPr kumimoji="1" lang="en-US" altLang="ja-JP" sz="1600" b="0" dirty="0">
+                          <a:solidFill>
+                            <a:schemeClr val="tx1"/>
+                          </a:solidFill>
+                          <a:latin typeface="Times New Roman" panose="02020603050405020304" pitchFamily="18" charset="0"/>
+                          <a:cs typeface="Times New Roman" panose="02020603050405020304" pitchFamily="18" charset="0"/>
+                        </a:rPr>
+                        <a:t>5</a:t>
+                      </a:r>
                       <a:endParaRPr kumimoji="1" lang="ja-JP" altLang="en-US" sz="1600" b="0" dirty="0">
                         <a:solidFill>
                           <a:schemeClr val="tx1"/>
@@ -11176,16 +11346,26 @@
                       <a:prstDash val="solid"/>
                     </a:lnBlToTr>
                     <a:solidFill>
-                      <a:schemeClr val="bg1"/>
-                    </a:solidFill>
-                  </a:tcPr>
-                </a:tc>
-                <a:tc>
-                  <a:txBody>
-                    <a:bodyPr/>
-                    <a:lstStyle/>
-                    <a:p>
-                      <a:pPr algn="ctr"/>
+                      <a:srgbClr val="00FF00"/>
+                    </a:solidFill>
+                  </a:tcPr>
+                </a:tc>
+                <a:tc>
+                  <a:txBody>
+                    <a:bodyPr/>
+                    <a:lstStyle/>
+                    <a:p>
+                      <a:pPr algn="ctr"/>
+                      <a:r>
+                        <a:rPr kumimoji="1" lang="en-US" altLang="ja-JP" sz="1600" b="0">
+                          <a:solidFill>
+                            <a:schemeClr val="tx1"/>
+                          </a:solidFill>
+                          <a:latin typeface="Times New Roman" panose="02020603050405020304" pitchFamily="18" charset="0"/>
+                          <a:cs typeface="Times New Roman" panose="02020603050405020304" pitchFamily="18" charset="0"/>
+                        </a:rPr>
+                        <a:t>5</a:t>
+                      </a:r>
                       <a:endParaRPr kumimoji="1" lang="ja-JP" altLang="en-US" sz="1600" b="0" dirty="0">
                         <a:solidFill>
                           <a:schemeClr val="tx1"/>
@@ -11241,7 +11421,7 @@
                       <a:prstDash val="solid"/>
                     </a:lnBlToTr>
                     <a:solidFill>
-                      <a:schemeClr val="bg1"/>
+                      <a:srgbClr val="00FF00"/>
                     </a:solidFill>
                   </a:tcPr>
                 </a:tc>
@@ -11633,6 +11813,16 @@
                     <a:lstStyle/>
                     <a:p>
                       <a:pPr algn="ctr"/>
+                      <a:r>
+                        <a:rPr kumimoji="1" lang="en-US" altLang="ja-JP" sz="1600" b="0" dirty="0">
+                          <a:solidFill>
+                            <a:schemeClr val="tx1"/>
+                          </a:solidFill>
+                          <a:latin typeface="Times New Roman" panose="02020603050405020304" pitchFamily="18" charset="0"/>
+                          <a:cs typeface="Times New Roman" panose="02020603050405020304" pitchFamily="18" charset="0"/>
+                        </a:rPr>
+                        <a:t>2</a:t>
+                      </a:r>
                       <a:endParaRPr kumimoji="1" lang="ja-JP" altLang="en-US" sz="1600" b="0" dirty="0">
                         <a:solidFill>
                           <a:schemeClr val="tx1"/>
@@ -11688,16 +11878,176 @@
                       <a:prstDash val="solid"/>
                     </a:lnBlToTr>
                     <a:solidFill>
-                      <a:schemeClr val="bg1"/>
-                    </a:solidFill>
-                  </a:tcPr>
-                </a:tc>
-                <a:tc>
-                  <a:txBody>
-                    <a:bodyPr/>
-                    <a:lstStyle/>
-                    <a:p>
-                      <a:pPr algn="ctr"/>
+                      <a:srgbClr val="00FF00"/>
+                    </a:solidFill>
+                  </a:tcPr>
+                </a:tc>
+                <a:tc>
+                  <a:txBody>
+                    <a:bodyPr/>
+                    <a:lstStyle/>
+                    <a:p>
+                      <a:pPr algn="ctr"/>
+                      <a:r>
+                        <a:rPr kumimoji="1" lang="en-US" altLang="ja-JP" sz="1600" b="0" dirty="0">
+                          <a:solidFill>
+                            <a:schemeClr val="tx1"/>
+                          </a:solidFill>
+                          <a:latin typeface="Times New Roman" panose="02020603050405020304" pitchFamily="18" charset="0"/>
+                          <a:cs typeface="Times New Roman" panose="02020603050405020304" pitchFamily="18" charset="0"/>
+                        </a:rPr>
+                        <a:t>3</a:t>
+                      </a:r>
+                      <a:endParaRPr kumimoji="1" lang="ja-JP" altLang="en-US" sz="1600" b="0" dirty="0">
+                        <a:solidFill>
+                          <a:schemeClr val="tx1"/>
+                        </a:solidFill>
+                        <a:latin typeface="Times New Roman" panose="02020603050405020304" pitchFamily="18" charset="0"/>
+                        <a:cs typeface="Times New Roman" panose="02020603050405020304" pitchFamily="18" charset="0"/>
+                      </a:endParaRPr>
+                    </a:p>
+                  </a:txBody>
+                  <a:tcPr marL="0" marR="0" marT="0" marB="0">
+                    <a:lnL w="6350" cap="flat" cmpd="sng" algn="ctr">
+                      <a:solidFill>
+                        <a:schemeClr val="tx1"/>
+                      </a:solidFill>
+                      <a:prstDash val="solid"/>
+                      <a:round/>
+                      <a:headEnd type="none" w="med" len="med"/>
+                      <a:tailEnd type="none" w="med" len="med"/>
+                    </a:lnL>
+                    <a:lnR w="6350" cap="flat" cmpd="sng" algn="ctr">
+                      <a:solidFill>
+                        <a:schemeClr val="tx1"/>
+                      </a:solidFill>
+                      <a:prstDash val="solid"/>
+                      <a:round/>
+                      <a:headEnd type="none" w="med" len="med"/>
+                      <a:tailEnd type="none" w="med" len="med"/>
+                    </a:lnR>
+                    <a:lnT w="6350" cap="flat" cmpd="sng" algn="ctr">
+                      <a:solidFill>
+                        <a:schemeClr val="tx1"/>
+                      </a:solidFill>
+                      <a:prstDash val="solid"/>
+                      <a:round/>
+                      <a:headEnd type="none" w="med" len="med"/>
+                      <a:tailEnd type="none" w="med" len="med"/>
+                    </a:lnT>
+                    <a:lnB w="6350" cap="flat" cmpd="sng" algn="ctr">
+                      <a:solidFill>
+                        <a:schemeClr val="tx1"/>
+                      </a:solidFill>
+                      <a:prstDash val="solid"/>
+                      <a:round/>
+                      <a:headEnd type="none" w="med" len="med"/>
+                      <a:tailEnd type="none" w="med" len="med"/>
+                    </a:lnB>
+                    <a:lnTlToBr w="12700" cmpd="sng">
+                      <a:noFill/>
+                      <a:prstDash val="solid"/>
+                    </a:lnTlToBr>
+                    <a:lnBlToTr w="12700" cmpd="sng">
+                      <a:noFill/>
+                      <a:prstDash val="solid"/>
+                    </a:lnBlToTr>
+                    <a:solidFill>
+                      <a:srgbClr val="00FF00"/>
+                    </a:solidFill>
+                  </a:tcPr>
+                </a:tc>
+                <a:tc>
+                  <a:txBody>
+                    <a:bodyPr/>
+                    <a:lstStyle/>
+                    <a:p>
+                      <a:pPr algn="ctr"/>
+                      <a:r>
+                        <a:rPr kumimoji="1" lang="en-US" altLang="ja-JP" sz="1600" b="0" dirty="0">
+                          <a:solidFill>
+                            <a:schemeClr val="tx1"/>
+                          </a:solidFill>
+                          <a:latin typeface="Times New Roman" panose="02020603050405020304" pitchFamily="18" charset="0"/>
+                          <a:cs typeface="Times New Roman" panose="02020603050405020304" pitchFamily="18" charset="0"/>
+                        </a:rPr>
+                        <a:t>2</a:t>
+                      </a:r>
+                      <a:endParaRPr kumimoji="1" lang="ja-JP" altLang="en-US" sz="1600" b="0" dirty="0">
+                        <a:solidFill>
+                          <a:schemeClr val="tx1"/>
+                        </a:solidFill>
+                        <a:latin typeface="Times New Roman" panose="02020603050405020304" pitchFamily="18" charset="0"/>
+                        <a:cs typeface="Times New Roman" panose="02020603050405020304" pitchFamily="18" charset="0"/>
+                      </a:endParaRPr>
+                    </a:p>
+                  </a:txBody>
+                  <a:tcPr marL="0" marR="0" marT="0" marB="0">
+                    <a:lnL w="6350" cap="flat" cmpd="sng" algn="ctr">
+                      <a:solidFill>
+                        <a:schemeClr val="tx1"/>
+                      </a:solidFill>
+                      <a:prstDash val="solid"/>
+                      <a:round/>
+                      <a:headEnd type="none" w="med" len="med"/>
+                      <a:tailEnd type="none" w="med" len="med"/>
+                    </a:lnL>
+                    <a:lnR w="6350" cap="flat" cmpd="sng" algn="ctr">
+                      <a:solidFill>
+                        <a:schemeClr val="tx1"/>
+                      </a:solidFill>
+                      <a:prstDash val="solid"/>
+                      <a:round/>
+                      <a:headEnd type="none" w="med" len="med"/>
+                      <a:tailEnd type="none" w="med" len="med"/>
+                    </a:lnR>
+                    <a:lnT w="6350" cap="flat" cmpd="sng" algn="ctr">
+                      <a:solidFill>
+                        <a:schemeClr val="tx1"/>
+                      </a:solidFill>
+                      <a:prstDash val="solid"/>
+                      <a:round/>
+                      <a:headEnd type="none" w="med" len="med"/>
+                      <a:tailEnd type="none" w="med" len="med"/>
+                    </a:lnT>
+                    <a:lnB w="6350" cap="flat" cmpd="sng" algn="ctr">
+                      <a:solidFill>
+                        <a:schemeClr val="tx1"/>
+                      </a:solidFill>
+                      <a:prstDash val="solid"/>
+                      <a:round/>
+                      <a:headEnd type="none" w="med" len="med"/>
+                      <a:tailEnd type="none" w="med" len="med"/>
+                    </a:lnB>
+                    <a:lnTlToBr w="12700" cmpd="sng">
+                      <a:noFill/>
+                      <a:prstDash val="solid"/>
+                    </a:lnTlToBr>
+                    <a:lnBlToTr w="12700" cmpd="sng">
+                      <a:noFill/>
+                      <a:prstDash val="solid"/>
+                    </a:lnBlToTr>
+                    <a:solidFill>
+                      <a:srgbClr val="00FF00"/>
+                    </a:solidFill>
+                  </a:tcPr>
+                </a:tc>
+                <a:tc>
+                  <a:txBody>
+                    <a:bodyPr/>
+                    <a:lstStyle/>
+                    <a:p>
+                      <a:pPr algn="ctr"/>
+                      <a:r>
+                        <a:rPr kumimoji="1" lang="en-US" altLang="ja-JP" sz="1600" b="0">
+                          <a:solidFill>
+                            <a:schemeClr val="tx1"/>
+                          </a:solidFill>
+                          <a:latin typeface="Times New Roman" panose="02020603050405020304" pitchFamily="18" charset="0"/>
+                          <a:cs typeface="Times New Roman" panose="02020603050405020304" pitchFamily="18" charset="0"/>
+                        </a:rPr>
+                        <a:t>11</a:t>
+                      </a:r>
                       <a:endParaRPr kumimoji="1" lang="ja-JP" altLang="en-US" sz="1600" b="0">
                         <a:solidFill>
                           <a:schemeClr val="tx1"/>
@@ -11753,16 +12103,26 @@
                       <a:prstDash val="solid"/>
                     </a:lnBlToTr>
                     <a:solidFill>
-                      <a:schemeClr val="bg1"/>
-                    </a:solidFill>
-                  </a:tcPr>
-                </a:tc>
-                <a:tc>
-                  <a:txBody>
-                    <a:bodyPr/>
-                    <a:lstStyle/>
-                    <a:p>
-                      <a:pPr algn="ctr"/>
+                      <a:srgbClr val="00FF00"/>
+                    </a:solidFill>
+                  </a:tcPr>
+                </a:tc>
+                <a:tc>
+                  <a:txBody>
+                    <a:bodyPr/>
+                    <a:lstStyle/>
+                    <a:p>
+                      <a:pPr algn="ctr"/>
+                      <a:r>
+                        <a:rPr kumimoji="1" lang="en-US" altLang="ja-JP" sz="1600" b="0" dirty="0">
+                          <a:solidFill>
+                            <a:schemeClr val="tx1"/>
+                          </a:solidFill>
+                          <a:latin typeface="Times New Roman" panose="02020603050405020304" pitchFamily="18" charset="0"/>
+                          <a:cs typeface="Times New Roman" panose="02020603050405020304" pitchFamily="18" charset="0"/>
+                        </a:rPr>
+                        <a:t>0</a:t>
+                      </a:r>
                       <a:endParaRPr kumimoji="1" lang="ja-JP" altLang="en-US" sz="1600" b="0" dirty="0">
                         <a:solidFill>
                           <a:schemeClr val="tx1"/>
@@ -11818,81 +12178,26 @@
                       <a:prstDash val="solid"/>
                     </a:lnBlToTr>
                     <a:solidFill>
-                      <a:schemeClr val="bg1"/>
-                    </a:solidFill>
-                  </a:tcPr>
-                </a:tc>
-                <a:tc>
-                  <a:txBody>
-                    <a:bodyPr/>
-                    <a:lstStyle/>
-                    <a:p>
-                      <a:pPr algn="ctr"/>
-                      <a:endParaRPr kumimoji="1" lang="ja-JP" altLang="en-US" sz="1600" b="0">
-                        <a:solidFill>
-                          <a:schemeClr val="tx1"/>
-                        </a:solidFill>
-                        <a:latin typeface="Times New Roman" panose="02020603050405020304" pitchFamily="18" charset="0"/>
-                        <a:cs typeface="Times New Roman" panose="02020603050405020304" pitchFamily="18" charset="0"/>
-                      </a:endParaRPr>
-                    </a:p>
-                  </a:txBody>
-                  <a:tcPr marL="0" marR="0" marT="0" marB="0">
-                    <a:lnL w="6350" cap="flat" cmpd="sng" algn="ctr">
-                      <a:solidFill>
-                        <a:schemeClr val="tx1"/>
-                      </a:solidFill>
-                      <a:prstDash val="solid"/>
-                      <a:round/>
-                      <a:headEnd type="none" w="med" len="med"/>
-                      <a:tailEnd type="none" w="med" len="med"/>
-                    </a:lnL>
-                    <a:lnR w="6350" cap="flat" cmpd="sng" algn="ctr">
-                      <a:solidFill>
-                        <a:schemeClr val="tx1"/>
-                      </a:solidFill>
-                      <a:prstDash val="solid"/>
-                      <a:round/>
-                      <a:headEnd type="none" w="med" len="med"/>
-                      <a:tailEnd type="none" w="med" len="med"/>
-                    </a:lnR>
-                    <a:lnT w="6350" cap="flat" cmpd="sng" algn="ctr">
-                      <a:solidFill>
-                        <a:schemeClr val="tx1"/>
-                      </a:solidFill>
-                      <a:prstDash val="solid"/>
-                      <a:round/>
-                      <a:headEnd type="none" w="med" len="med"/>
-                      <a:tailEnd type="none" w="med" len="med"/>
-                    </a:lnT>
-                    <a:lnB w="6350" cap="flat" cmpd="sng" algn="ctr">
-                      <a:solidFill>
-                        <a:schemeClr val="tx1"/>
-                      </a:solidFill>
-                      <a:prstDash val="solid"/>
-                      <a:round/>
-                      <a:headEnd type="none" w="med" len="med"/>
-                      <a:tailEnd type="none" w="med" len="med"/>
-                    </a:lnB>
-                    <a:lnTlToBr w="12700" cmpd="sng">
-                      <a:noFill/>
-                      <a:prstDash val="solid"/>
-                    </a:lnTlToBr>
-                    <a:lnBlToTr w="12700" cmpd="sng">
-                      <a:noFill/>
-                      <a:prstDash val="solid"/>
-                    </a:lnBlToTr>
-                    <a:solidFill>
-                      <a:schemeClr val="bg1"/>
-                    </a:solidFill>
-                  </a:tcPr>
-                </a:tc>
-                <a:tc>
-                  <a:txBody>
-                    <a:bodyPr/>
-                    <a:lstStyle/>
-                    <a:p>
-                      <a:pPr algn="ctr"/>
+                      <a:srgbClr val="00FF00"/>
+                    </a:solidFill>
+                  </a:tcPr>
+                </a:tc>
+                <a:tc>
+                  <a:txBody>
+                    <a:bodyPr/>
+                    <a:lstStyle/>
+                    <a:p>
+                      <a:pPr algn="ctr"/>
+                      <a:r>
+                        <a:rPr kumimoji="1" lang="en-US" altLang="ja-JP" sz="1600" b="0">
+                          <a:solidFill>
+                            <a:schemeClr val="tx1"/>
+                          </a:solidFill>
+                          <a:latin typeface="Times New Roman" panose="02020603050405020304" pitchFamily="18" charset="0"/>
+                          <a:cs typeface="Times New Roman" panose="02020603050405020304" pitchFamily="18" charset="0"/>
+                        </a:rPr>
+                        <a:t>2</a:t>
+                      </a:r>
                       <a:endParaRPr kumimoji="1" lang="ja-JP" altLang="en-US" sz="1600" b="0" dirty="0">
                         <a:solidFill>
                           <a:schemeClr val="tx1"/>
@@ -11948,16 +12253,26 @@
                       <a:prstDash val="solid"/>
                     </a:lnBlToTr>
                     <a:solidFill>
-                      <a:schemeClr val="bg1"/>
-                    </a:solidFill>
-                  </a:tcPr>
-                </a:tc>
-                <a:tc>
-                  <a:txBody>
-                    <a:bodyPr/>
-                    <a:lstStyle/>
-                    <a:p>
-                      <a:pPr algn="ctr"/>
+                      <a:srgbClr val="00FF00"/>
+                    </a:solidFill>
+                  </a:tcPr>
+                </a:tc>
+                <a:tc>
+                  <a:txBody>
+                    <a:bodyPr/>
+                    <a:lstStyle/>
+                    <a:p>
+                      <a:pPr algn="ctr"/>
+                      <a:r>
+                        <a:rPr kumimoji="1" lang="en-US" altLang="ja-JP" sz="1600" b="0" dirty="0">
+                          <a:solidFill>
+                            <a:schemeClr val="tx1"/>
+                          </a:solidFill>
+                          <a:latin typeface="Times New Roman" panose="02020603050405020304" pitchFamily="18" charset="0"/>
+                          <a:cs typeface="Times New Roman" panose="02020603050405020304" pitchFamily="18" charset="0"/>
+                        </a:rPr>
+                        <a:t>2</a:t>
+                      </a:r>
                       <a:endParaRPr kumimoji="1" lang="ja-JP" altLang="en-US" sz="1600" b="0" dirty="0">
                         <a:solidFill>
                           <a:schemeClr val="tx1"/>
@@ -12013,16 +12328,26 @@
                       <a:prstDash val="solid"/>
                     </a:lnBlToTr>
                     <a:solidFill>
-                      <a:schemeClr val="bg1"/>
-                    </a:solidFill>
-                  </a:tcPr>
-                </a:tc>
-                <a:tc>
-                  <a:txBody>
-                    <a:bodyPr/>
-                    <a:lstStyle/>
-                    <a:p>
-                      <a:pPr algn="ctr"/>
+                      <a:srgbClr val="00FF00"/>
+                    </a:solidFill>
+                  </a:tcPr>
+                </a:tc>
+                <a:tc>
+                  <a:txBody>
+                    <a:bodyPr/>
+                    <a:lstStyle/>
+                    <a:p>
+                      <a:pPr algn="ctr"/>
+                      <a:r>
+                        <a:rPr kumimoji="1" lang="en-US" altLang="ja-JP" sz="1600" b="0" dirty="0">
+                          <a:solidFill>
+                            <a:schemeClr val="tx1"/>
+                          </a:solidFill>
+                          <a:latin typeface="Times New Roman" panose="02020603050405020304" pitchFamily="18" charset="0"/>
+                          <a:cs typeface="Times New Roman" panose="02020603050405020304" pitchFamily="18" charset="0"/>
+                        </a:rPr>
+                        <a:t>2</a:t>
+                      </a:r>
                       <a:endParaRPr kumimoji="1" lang="ja-JP" altLang="en-US" sz="1600" b="0" dirty="0">
                         <a:solidFill>
                           <a:schemeClr val="tx1"/>
@@ -12042,71 +12367,6 @@
                       <a:headEnd type="none" w="med" len="med"/>
                       <a:tailEnd type="none" w="med" len="med"/>
                     </a:lnL>
-                    <a:lnR w="6350" cap="flat" cmpd="sng" algn="ctr">
-                      <a:solidFill>
-                        <a:schemeClr val="tx1"/>
-                      </a:solidFill>
-                      <a:prstDash val="solid"/>
-                      <a:round/>
-                      <a:headEnd type="none" w="med" len="med"/>
-                      <a:tailEnd type="none" w="med" len="med"/>
-                    </a:lnR>
-                    <a:lnT w="6350" cap="flat" cmpd="sng" algn="ctr">
-                      <a:solidFill>
-                        <a:schemeClr val="tx1"/>
-                      </a:solidFill>
-                      <a:prstDash val="solid"/>
-                      <a:round/>
-                      <a:headEnd type="none" w="med" len="med"/>
-                      <a:tailEnd type="none" w="med" len="med"/>
-                    </a:lnT>
-                    <a:lnB w="6350" cap="flat" cmpd="sng" algn="ctr">
-                      <a:solidFill>
-                        <a:schemeClr val="tx1"/>
-                      </a:solidFill>
-                      <a:prstDash val="solid"/>
-                      <a:round/>
-                      <a:headEnd type="none" w="med" len="med"/>
-                      <a:tailEnd type="none" w="med" len="med"/>
-                    </a:lnB>
-                    <a:lnTlToBr w="12700" cmpd="sng">
-                      <a:noFill/>
-                      <a:prstDash val="solid"/>
-                    </a:lnTlToBr>
-                    <a:lnBlToTr w="12700" cmpd="sng">
-                      <a:noFill/>
-                      <a:prstDash val="solid"/>
-                    </a:lnBlToTr>
-                    <a:solidFill>
-                      <a:schemeClr val="bg1"/>
-                    </a:solidFill>
-                  </a:tcPr>
-                </a:tc>
-                <a:tc>
-                  <a:txBody>
-                    <a:bodyPr/>
-                    <a:lstStyle/>
-                    <a:p>
-                      <a:pPr algn="ctr"/>
-                      <a:endParaRPr kumimoji="1" lang="ja-JP" altLang="en-US" sz="1600" b="0" dirty="0">
-                        <a:solidFill>
-                          <a:schemeClr val="tx1"/>
-                        </a:solidFill>
-                        <a:latin typeface="Times New Roman" panose="02020603050405020304" pitchFamily="18" charset="0"/>
-                        <a:cs typeface="Times New Roman" panose="02020603050405020304" pitchFamily="18" charset="0"/>
-                      </a:endParaRPr>
-                    </a:p>
-                  </a:txBody>
-                  <a:tcPr marL="0" marR="0" marT="0" marB="0">
-                    <a:lnL w="6350" cap="flat" cmpd="sng" algn="ctr">
-                      <a:solidFill>
-                        <a:schemeClr val="tx1"/>
-                      </a:solidFill>
-                      <a:prstDash val="solid"/>
-                      <a:round/>
-                      <a:headEnd type="none" w="med" len="med"/>
-                      <a:tailEnd type="none" w="med" len="med"/>
-                    </a:lnL>
                     <a:lnR w="28575" cap="flat" cmpd="sng" algn="ctr">
                       <a:solidFill>
                         <a:schemeClr val="tx1"/>
@@ -12143,7 +12403,7 @@
                       <a:prstDash val="solid"/>
                     </a:lnBlToTr>
                     <a:solidFill>
-                      <a:schemeClr val="bg1"/>
+                      <a:srgbClr val="00FF00"/>
                     </a:solidFill>
                   </a:tcPr>
                 </a:tc>
@@ -12691,6 +12951,16 @@
                     <a:lstStyle/>
                     <a:p>
                       <a:pPr algn="ctr"/>
+                      <a:r>
+                        <a:rPr kumimoji="1" lang="en-US" altLang="ja-JP" sz="1600" b="0" dirty="0">
+                          <a:solidFill>
+                            <a:schemeClr val="tx1"/>
+                          </a:solidFill>
+                          <a:latin typeface="Times New Roman" panose="02020603050405020304" pitchFamily="18" charset="0"/>
+                          <a:cs typeface="Times New Roman" panose="02020603050405020304" pitchFamily="18" charset="0"/>
+                        </a:rPr>
+                        <a:t>6</a:t>
+                      </a:r>
                       <a:endParaRPr kumimoji="1" lang="ja-JP" altLang="en-US" sz="1600" b="0" dirty="0">
                         <a:solidFill>
                           <a:schemeClr val="tx1"/>
@@ -12746,7 +13016,7 @@
                       <a:prstDash val="solid"/>
                     </a:lnBlToTr>
                     <a:solidFill>
-                      <a:schemeClr val="bg1"/>
+                      <a:srgbClr val="00FF00"/>
                     </a:solidFill>
                   </a:tcPr>
                 </a:tc>
@@ -12833,6 +13103,16 @@
                     <a:lstStyle/>
                     <a:p>
                       <a:pPr algn="ctr"/>
+                      <a:r>
+                        <a:rPr kumimoji="1" lang="en-US" altLang="ja-JP" sz="1600" b="0" dirty="0">
+                          <a:solidFill>
+                            <a:schemeClr val="tx1"/>
+                          </a:solidFill>
+                          <a:latin typeface="Times New Roman" panose="02020603050405020304" pitchFamily="18" charset="0"/>
+                          <a:cs typeface="Times New Roman" panose="02020603050405020304" pitchFamily="18" charset="0"/>
+                        </a:rPr>
+                        <a:t>3</a:t>
+                      </a:r>
                       <a:endParaRPr kumimoji="1" lang="ja-JP" altLang="en-US" sz="1600" b="0" dirty="0">
                         <a:solidFill>
                           <a:schemeClr val="tx1"/>
@@ -12888,7 +13168,7 @@
                       <a:prstDash val="solid"/>
                     </a:lnBlToTr>
                     <a:solidFill>
-                      <a:schemeClr val="bg1"/>
+                      <a:srgbClr val="00FF00"/>
                     </a:solidFill>
                   </a:tcPr>
                 </a:tc>
@@ -12975,6 +13255,16 @@
                     <a:lstStyle/>
                     <a:p>
                       <a:pPr algn="ctr"/>
+                      <a:r>
+                        <a:rPr kumimoji="1" lang="en-US" altLang="ja-JP" sz="1600" b="0" dirty="0">
+                          <a:solidFill>
+                            <a:schemeClr val="tx1"/>
+                          </a:solidFill>
+                          <a:latin typeface="Times New Roman" panose="02020603050405020304" pitchFamily="18" charset="0"/>
+                          <a:cs typeface="Times New Roman" panose="02020603050405020304" pitchFamily="18" charset="0"/>
+                        </a:rPr>
+                        <a:t>2</a:t>
+                      </a:r>
                       <a:endParaRPr kumimoji="1" lang="ja-JP" altLang="en-US" sz="1600" b="0" dirty="0">
                         <a:solidFill>
                           <a:schemeClr val="tx1"/>
@@ -13030,7 +13320,7 @@
                       <a:prstDash val="solid"/>
                     </a:lnBlToTr>
                     <a:solidFill>
-                      <a:schemeClr val="bg1"/>
+                      <a:srgbClr val="00FF00"/>
                     </a:solidFill>
                   </a:tcPr>
                 </a:tc>
@@ -13502,7 +13792,7 @@
                     <a:lstStyle/>
                     <a:p>
                       <a:pPr algn="ctr"/>
-                      <a:endParaRPr kumimoji="1" lang="ja-JP" altLang="en-US" sz="1600" b="0">
+                      <a:endParaRPr kumimoji="1" lang="ja-JP" altLang="en-US" sz="1600" b="0" dirty="0">
                         <a:solidFill>
                           <a:schemeClr val="tx1"/>
                         </a:solidFill>
@@ -14406,201 +14696,16 @@
                     <a:lstStyle/>
                     <a:p>
                       <a:pPr algn="ctr"/>
-                      <a:endParaRPr kumimoji="1" lang="ja-JP" altLang="en-US" sz="1600" b="0">
-                        <a:solidFill>
-                          <a:schemeClr val="tx1"/>
-                        </a:solidFill>
-                        <a:latin typeface="Times New Roman" panose="02020603050405020304" pitchFamily="18" charset="0"/>
-                        <a:cs typeface="Times New Roman" panose="02020603050405020304" pitchFamily="18" charset="0"/>
-                      </a:endParaRPr>
-                    </a:p>
-                  </a:txBody>
-                  <a:tcPr marL="0" marR="0" marT="0" marB="0">
-                    <a:lnL w="6350" cap="flat" cmpd="sng" algn="ctr">
-                      <a:solidFill>
-                        <a:schemeClr val="tx1"/>
-                      </a:solidFill>
-                      <a:prstDash val="solid"/>
-                      <a:round/>
-                      <a:headEnd type="none" w="med" len="med"/>
-                      <a:tailEnd type="none" w="med" len="med"/>
-                    </a:lnL>
-                    <a:lnR w="6350" cap="flat" cmpd="sng" algn="ctr">
-                      <a:solidFill>
-                        <a:schemeClr val="tx1"/>
-                      </a:solidFill>
-                      <a:prstDash val="solid"/>
-                      <a:round/>
-                      <a:headEnd type="none" w="med" len="med"/>
-                      <a:tailEnd type="none" w="med" len="med"/>
-                    </a:lnR>
-                    <a:lnT w="6350" cap="flat" cmpd="sng" algn="ctr">
-                      <a:solidFill>
-                        <a:schemeClr val="tx1"/>
-                      </a:solidFill>
-                      <a:prstDash val="solid"/>
-                      <a:round/>
-                      <a:headEnd type="none" w="med" len="med"/>
-                      <a:tailEnd type="none" w="med" len="med"/>
-                    </a:lnT>
-                    <a:lnB w="6350" cap="flat" cmpd="sng" algn="ctr">
-                      <a:solidFill>
-                        <a:schemeClr val="tx1"/>
-                      </a:solidFill>
-                      <a:prstDash val="solid"/>
-                      <a:round/>
-                      <a:headEnd type="none" w="med" len="med"/>
-                      <a:tailEnd type="none" w="med" len="med"/>
-                    </a:lnB>
-                    <a:lnTlToBr w="12700" cmpd="sng">
-                      <a:noFill/>
-                      <a:prstDash val="solid"/>
-                    </a:lnTlToBr>
-                    <a:lnBlToTr w="12700" cmpd="sng">
-                      <a:noFill/>
-                      <a:prstDash val="solid"/>
-                    </a:lnBlToTr>
-                    <a:solidFill>
-                      <a:schemeClr val="bg1"/>
-                    </a:solidFill>
-                  </a:tcPr>
-                </a:tc>
-                <a:tc>
-                  <a:txBody>
-                    <a:bodyPr/>
-                    <a:lstStyle/>
-                    <a:p>
-                      <a:pPr algn="ctr"/>
-                      <a:endParaRPr kumimoji="1" lang="ja-JP" altLang="en-US" sz="1600" b="0">
-                        <a:solidFill>
-                          <a:schemeClr val="tx1"/>
-                        </a:solidFill>
-                        <a:latin typeface="Times New Roman" panose="02020603050405020304" pitchFamily="18" charset="0"/>
-                        <a:cs typeface="Times New Roman" panose="02020603050405020304" pitchFamily="18" charset="0"/>
-                      </a:endParaRPr>
-                    </a:p>
-                  </a:txBody>
-                  <a:tcPr marL="0" marR="0" marT="0" marB="0">
-                    <a:lnL w="6350" cap="flat" cmpd="sng" algn="ctr">
-                      <a:solidFill>
-                        <a:schemeClr val="tx1"/>
-                      </a:solidFill>
-                      <a:prstDash val="solid"/>
-                      <a:round/>
-                      <a:headEnd type="none" w="med" len="med"/>
-                      <a:tailEnd type="none" w="med" len="med"/>
-                    </a:lnL>
-                    <a:lnR w="6350" cap="flat" cmpd="sng" algn="ctr">
-                      <a:solidFill>
-                        <a:schemeClr val="tx1"/>
-                      </a:solidFill>
-                      <a:prstDash val="solid"/>
-                      <a:round/>
-                      <a:headEnd type="none" w="med" len="med"/>
-                      <a:tailEnd type="none" w="med" len="med"/>
-                    </a:lnR>
-                    <a:lnT w="6350" cap="flat" cmpd="sng" algn="ctr">
-                      <a:solidFill>
-                        <a:schemeClr val="tx1"/>
-                      </a:solidFill>
-                      <a:prstDash val="solid"/>
-                      <a:round/>
-                      <a:headEnd type="none" w="med" len="med"/>
-                      <a:tailEnd type="none" w="med" len="med"/>
-                    </a:lnT>
-                    <a:lnB w="6350" cap="flat" cmpd="sng" algn="ctr">
-                      <a:solidFill>
-                        <a:schemeClr val="tx1"/>
-                      </a:solidFill>
-                      <a:prstDash val="solid"/>
-                      <a:round/>
-                      <a:headEnd type="none" w="med" len="med"/>
-                      <a:tailEnd type="none" w="med" len="med"/>
-                    </a:lnB>
-                    <a:lnTlToBr w="12700" cmpd="sng">
-                      <a:noFill/>
-                      <a:prstDash val="solid"/>
-                    </a:lnTlToBr>
-                    <a:lnBlToTr w="12700" cmpd="sng">
-                      <a:noFill/>
-                      <a:prstDash val="solid"/>
-                    </a:lnBlToTr>
-                    <a:solidFill>
-                      <a:schemeClr val="bg1"/>
-                    </a:solidFill>
-                  </a:tcPr>
-                </a:tc>
-                <a:tc>
-                  <a:txBody>
-                    <a:bodyPr/>
-                    <a:lstStyle/>
-                    <a:p>
-                      <a:pPr algn="ctr"/>
-                      <a:endParaRPr kumimoji="1" lang="ja-JP" altLang="en-US" sz="1600" b="0">
-                        <a:solidFill>
-                          <a:schemeClr val="tx1"/>
-                        </a:solidFill>
-                        <a:latin typeface="Times New Roman" panose="02020603050405020304" pitchFamily="18" charset="0"/>
-                        <a:cs typeface="Times New Roman" panose="02020603050405020304" pitchFamily="18" charset="0"/>
-                      </a:endParaRPr>
-                    </a:p>
-                  </a:txBody>
-                  <a:tcPr marL="0" marR="0" marT="0" marB="0">
-                    <a:lnL w="6350" cap="flat" cmpd="sng" algn="ctr">
-                      <a:solidFill>
-                        <a:schemeClr val="tx1"/>
-                      </a:solidFill>
-                      <a:prstDash val="solid"/>
-                      <a:round/>
-                      <a:headEnd type="none" w="med" len="med"/>
-                      <a:tailEnd type="none" w="med" len="med"/>
-                    </a:lnL>
-                    <a:lnR w="6350" cap="flat" cmpd="sng" algn="ctr">
-                      <a:solidFill>
-                        <a:schemeClr val="tx1"/>
-                      </a:solidFill>
-                      <a:prstDash val="solid"/>
-                      <a:round/>
-                      <a:headEnd type="none" w="med" len="med"/>
-                      <a:tailEnd type="none" w="med" len="med"/>
-                    </a:lnR>
-                    <a:lnT w="6350" cap="flat" cmpd="sng" algn="ctr">
-                      <a:solidFill>
-                        <a:schemeClr val="tx1"/>
-                      </a:solidFill>
-                      <a:prstDash val="solid"/>
-                      <a:round/>
-                      <a:headEnd type="none" w="med" len="med"/>
-                      <a:tailEnd type="none" w="med" len="med"/>
-                    </a:lnT>
-                    <a:lnB w="6350" cap="flat" cmpd="sng" algn="ctr">
-                      <a:solidFill>
-                        <a:schemeClr val="tx1"/>
-                      </a:solidFill>
-                      <a:prstDash val="solid"/>
-                      <a:round/>
-                      <a:headEnd type="none" w="med" len="med"/>
-                      <a:tailEnd type="none" w="med" len="med"/>
-                    </a:lnB>
-                    <a:lnTlToBr w="12700" cmpd="sng">
-                      <a:noFill/>
-                      <a:prstDash val="solid"/>
-                    </a:lnTlToBr>
-                    <a:lnBlToTr w="12700" cmpd="sng">
-                      <a:noFill/>
-                      <a:prstDash val="solid"/>
-                    </a:lnBlToTr>
-                    <a:solidFill>
-                      <a:schemeClr val="bg1"/>
-                    </a:solidFill>
-                  </a:tcPr>
-                </a:tc>
-                <a:tc>
-                  <a:txBody>
-                    <a:bodyPr/>
-                    <a:lstStyle/>
-                    <a:p>
-                      <a:pPr algn="ctr"/>
+                      <a:r>
+                        <a:rPr kumimoji="1" lang="en-US" altLang="ja-JP" sz="1600" b="0" dirty="0">
+                          <a:solidFill>
+                            <a:schemeClr val="tx1"/>
+                          </a:solidFill>
+                          <a:latin typeface="Times New Roman" panose="02020603050405020304" pitchFamily="18" charset="0"/>
+                          <a:cs typeface="Times New Roman" panose="02020603050405020304" pitchFamily="18" charset="0"/>
+                        </a:rPr>
+                        <a:t>2</a:t>
+                      </a:r>
                       <a:endParaRPr kumimoji="1" lang="ja-JP" altLang="en-US" sz="1600" b="0" dirty="0">
                         <a:solidFill>
                           <a:schemeClr val="tx1"/>
@@ -14656,16 +14761,26 @@
                       <a:prstDash val="solid"/>
                     </a:lnBlToTr>
                     <a:solidFill>
-                      <a:schemeClr val="bg1"/>
-                    </a:solidFill>
-                  </a:tcPr>
-                </a:tc>
-                <a:tc>
-                  <a:txBody>
-                    <a:bodyPr/>
-                    <a:lstStyle/>
-                    <a:p>
-                      <a:pPr algn="ctr"/>
+                      <a:srgbClr val="00FF00"/>
+                    </a:solidFill>
+                  </a:tcPr>
+                </a:tc>
+                <a:tc>
+                  <a:txBody>
+                    <a:bodyPr/>
+                    <a:lstStyle/>
+                    <a:p>
+                      <a:pPr algn="ctr"/>
+                      <a:r>
+                        <a:rPr kumimoji="1" lang="en-US" altLang="ja-JP" sz="1600" b="0" dirty="0">
+                          <a:solidFill>
+                            <a:schemeClr val="tx1"/>
+                          </a:solidFill>
+                          <a:latin typeface="Times New Roman" panose="02020603050405020304" pitchFamily="18" charset="0"/>
+                          <a:cs typeface="Times New Roman" panose="02020603050405020304" pitchFamily="18" charset="0"/>
+                        </a:rPr>
+                        <a:t>7</a:t>
+                      </a:r>
                       <a:endParaRPr kumimoji="1" lang="ja-JP" altLang="en-US" sz="1600" b="0" dirty="0">
                         <a:solidFill>
                           <a:schemeClr val="tx1"/>
@@ -14721,16 +14836,26 @@
                       <a:prstDash val="solid"/>
                     </a:lnBlToTr>
                     <a:solidFill>
-                      <a:schemeClr val="bg1"/>
-                    </a:solidFill>
-                  </a:tcPr>
-                </a:tc>
-                <a:tc>
-                  <a:txBody>
-                    <a:bodyPr/>
-                    <a:lstStyle/>
-                    <a:p>
-                      <a:pPr algn="ctr"/>
+                      <a:srgbClr val="00FF00"/>
+                    </a:solidFill>
+                  </a:tcPr>
+                </a:tc>
+                <a:tc>
+                  <a:txBody>
+                    <a:bodyPr/>
+                    <a:lstStyle/>
+                    <a:p>
+                      <a:pPr algn="ctr"/>
+                      <a:r>
+                        <a:rPr kumimoji="1" lang="en-US" altLang="ja-JP" sz="1600" b="0" dirty="0">
+                          <a:solidFill>
+                            <a:schemeClr val="tx1"/>
+                          </a:solidFill>
+                          <a:latin typeface="Times New Roman" panose="02020603050405020304" pitchFamily="18" charset="0"/>
+                          <a:cs typeface="Times New Roman" panose="02020603050405020304" pitchFamily="18" charset="0"/>
+                        </a:rPr>
+                        <a:t>6</a:t>
+                      </a:r>
                       <a:endParaRPr kumimoji="1" lang="ja-JP" altLang="en-US" sz="1600" b="0" dirty="0">
                         <a:solidFill>
                           <a:schemeClr val="tx1"/>
@@ -14786,16 +14911,26 @@
                       <a:prstDash val="solid"/>
                     </a:lnBlToTr>
                     <a:solidFill>
-                      <a:schemeClr val="bg1"/>
-                    </a:solidFill>
-                  </a:tcPr>
-                </a:tc>
-                <a:tc>
-                  <a:txBody>
-                    <a:bodyPr/>
-                    <a:lstStyle/>
-                    <a:p>
-                      <a:pPr algn="ctr"/>
+                      <a:srgbClr val="00FF00"/>
+                    </a:solidFill>
+                  </a:tcPr>
+                </a:tc>
+                <a:tc>
+                  <a:txBody>
+                    <a:bodyPr/>
+                    <a:lstStyle/>
+                    <a:p>
+                      <a:pPr algn="ctr"/>
+                      <a:r>
+                        <a:rPr kumimoji="1" lang="en-US" altLang="ja-JP" sz="1600" b="0" dirty="0">
+                          <a:solidFill>
+                            <a:schemeClr val="tx1"/>
+                          </a:solidFill>
+                          <a:latin typeface="Times New Roman" panose="02020603050405020304" pitchFamily="18" charset="0"/>
+                          <a:cs typeface="Times New Roman" panose="02020603050405020304" pitchFamily="18" charset="0"/>
+                        </a:rPr>
+                        <a:t>4</a:t>
+                      </a:r>
                       <a:endParaRPr kumimoji="1" lang="ja-JP" altLang="en-US" sz="1600" b="0" dirty="0">
                         <a:solidFill>
                           <a:schemeClr val="tx1"/>
@@ -14851,16 +14986,26 @@
                       <a:prstDash val="solid"/>
                     </a:lnBlToTr>
                     <a:solidFill>
-                      <a:schemeClr val="bg1"/>
-                    </a:solidFill>
-                  </a:tcPr>
-                </a:tc>
-                <a:tc>
-                  <a:txBody>
-                    <a:bodyPr/>
-                    <a:lstStyle/>
-                    <a:p>
-                      <a:pPr algn="ctr"/>
+                      <a:srgbClr val="00FF00"/>
+                    </a:solidFill>
+                  </a:tcPr>
+                </a:tc>
+                <a:tc>
+                  <a:txBody>
+                    <a:bodyPr/>
+                    <a:lstStyle/>
+                    <a:p>
+                      <a:pPr algn="ctr"/>
+                      <a:r>
+                        <a:rPr kumimoji="1" lang="en-US" altLang="ja-JP" sz="1600" b="0" dirty="0">
+                          <a:solidFill>
+                            <a:schemeClr val="tx1"/>
+                          </a:solidFill>
+                          <a:latin typeface="Times New Roman" panose="02020603050405020304" pitchFamily="18" charset="0"/>
+                          <a:cs typeface="Times New Roman" panose="02020603050405020304" pitchFamily="18" charset="0"/>
+                        </a:rPr>
+                        <a:t>11</a:t>
+                      </a:r>
                       <a:endParaRPr kumimoji="1" lang="ja-JP" altLang="en-US" sz="1600" b="0" dirty="0">
                         <a:solidFill>
                           <a:schemeClr val="tx1"/>
@@ -14880,6 +15025,231 @@
                       <a:headEnd type="none" w="med" len="med"/>
                       <a:tailEnd type="none" w="med" len="med"/>
                     </a:lnL>
+                    <a:lnR w="6350" cap="flat" cmpd="sng" algn="ctr">
+                      <a:solidFill>
+                        <a:schemeClr val="tx1"/>
+                      </a:solidFill>
+                      <a:prstDash val="solid"/>
+                      <a:round/>
+                      <a:headEnd type="none" w="med" len="med"/>
+                      <a:tailEnd type="none" w="med" len="med"/>
+                    </a:lnR>
+                    <a:lnT w="6350" cap="flat" cmpd="sng" algn="ctr">
+                      <a:solidFill>
+                        <a:schemeClr val="tx1"/>
+                      </a:solidFill>
+                      <a:prstDash val="solid"/>
+                      <a:round/>
+                      <a:headEnd type="none" w="med" len="med"/>
+                      <a:tailEnd type="none" w="med" len="med"/>
+                    </a:lnT>
+                    <a:lnB w="6350" cap="flat" cmpd="sng" algn="ctr">
+                      <a:solidFill>
+                        <a:schemeClr val="tx1"/>
+                      </a:solidFill>
+                      <a:prstDash val="solid"/>
+                      <a:round/>
+                      <a:headEnd type="none" w="med" len="med"/>
+                      <a:tailEnd type="none" w="med" len="med"/>
+                    </a:lnB>
+                    <a:lnTlToBr w="12700" cmpd="sng">
+                      <a:noFill/>
+                      <a:prstDash val="solid"/>
+                    </a:lnTlToBr>
+                    <a:lnBlToTr w="12700" cmpd="sng">
+                      <a:noFill/>
+                      <a:prstDash val="solid"/>
+                    </a:lnBlToTr>
+                    <a:solidFill>
+                      <a:srgbClr val="00FF00"/>
+                    </a:solidFill>
+                  </a:tcPr>
+                </a:tc>
+                <a:tc>
+                  <a:txBody>
+                    <a:bodyPr/>
+                    <a:lstStyle/>
+                    <a:p>
+                      <a:pPr algn="ctr"/>
+                      <a:r>
+                        <a:rPr kumimoji="1" lang="en-US" altLang="ja-JP" sz="1600" b="0" dirty="0">
+                          <a:solidFill>
+                            <a:schemeClr val="tx1"/>
+                          </a:solidFill>
+                          <a:latin typeface="Times New Roman" panose="02020603050405020304" pitchFamily="18" charset="0"/>
+                          <a:cs typeface="Times New Roman" panose="02020603050405020304" pitchFamily="18" charset="0"/>
+                        </a:rPr>
+                        <a:t>2</a:t>
+                      </a:r>
+                      <a:endParaRPr kumimoji="1" lang="ja-JP" altLang="en-US" sz="1600" b="0" dirty="0">
+                        <a:solidFill>
+                          <a:schemeClr val="tx1"/>
+                        </a:solidFill>
+                        <a:latin typeface="Times New Roman" panose="02020603050405020304" pitchFamily="18" charset="0"/>
+                        <a:cs typeface="Times New Roman" panose="02020603050405020304" pitchFamily="18" charset="0"/>
+                      </a:endParaRPr>
+                    </a:p>
+                  </a:txBody>
+                  <a:tcPr marL="0" marR="0" marT="0" marB="0">
+                    <a:lnL w="6350" cap="flat" cmpd="sng" algn="ctr">
+                      <a:solidFill>
+                        <a:schemeClr val="tx1"/>
+                      </a:solidFill>
+                      <a:prstDash val="solid"/>
+                      <a:round/>
+                      <a:headEnd type="none" w="med" len="med"/>
+                      <a:tailEnd type="none" w="med" len="med"/>
+                    </a:lnL>
+                    <a:lnR w="6350" cap="flat" cmpd="sng" algn="ctr">
+                      <a:solidFill>
+                        <a:schemeClr val="tx1"/>
+                      </a:solidFill>
+                      <a:prstDash val="solid"/>
+                      <a:round/>
+                      <a:headEnd type="none" w="med" len="med"/>
+                      <a:tailEnd type="none" w="med" len="med"/>
+                    </a:lnR>
+                    <a:lnT w="6350" cap="flat" cmpd="sng" algn="ctr">
+                      <a:solidFill>
+                        <a:schemeClr val="tx1"/>
+                      </a:solidFill>
+                      <a:prstDash val="solid"/>
+                      <a:round/>
+                      <a:headEnd type="none" w="med" len="med"/>
+                      <a:tailEnd type="none" w="med" len="med"/>
+                    </a:lnT>
+                    <a:lnB w="6350" cap="flat" cmpd="sng" algn="ctr">
+                      <a:solidFill>
+                        <a:schemeClr val="tx1"/>
+                      </a:solidFill>
+                      <a:prstDash val="solid"/>
+                      <a:round/>
+                      <a:headEnd type="none" w="med" len="med"/>
+                      <a:tailEnd type="none" w="med" len="med"/>
+                    </a:lnB>
+                    <a:lnTlToBr w="12700" cmpd="sng">
+                      <a:noFill/>
+                      <a:prstDash val="solid"/>
+                    </a:lnTlToBr>
+                    <a:lnBlToTr w="12700" cmpd="sng">
+                      <a:noFill/>
+                      <a:prstDash val="solid"/>
+                    </a:lnBlToTr>
+                    <a:solidFill>
+                      <a:srgbClr val="00FF00"/>
+                    </a:solidFill>
+                  </a:tcPr>
+                </a:tc>
+                <a:tc>
+                  <a:txBody>
+                    <a:bodyPr/>
+                    <a:lstStyle/>
+                    <a:p>
+                      <a:pPr algn="ctr"/>
+                      <a:r>
+                        <a:rPr kumimoji="1" lang="en-US" altLang="ja-JP" sz="1600" b="0" dirty="0">
+                          <a:solidFill>
+                            <a:schemeClr val="tx1"/>
+                          </a:solidFill>
+                          <a:latin typeface="Times New Roman" panose="02020603050405020304" pitchFamily="18" charset="0"/>
+                          <a:cs typeface="Times New Roman" panose="02020603050405020304" pitchFamily="18" charset="0"/>
+                        </a:rPr>
+                        <a:t>5</a:t>
+                      </a:r>
+                      <a:endParaRPr kumimoji="1" lang="ja-JP" altLang="en-US" sz="1600" b="0" dirty="0">
+                        <a:solidFill>
+                          <a:schemeClr val="tx1"/>
+                        </a:solidFill>
+                        <a:latin typeface="Times New Roman" panose="02020603050405020304" pitchFamily="18" charset="0"/>
+                        <a:cs typeface="Times New Roman" panose="02020603050405020304" pitchFamily="18" charset="0"/>
+                      </a:endParaRPr>
+                    </a:p>
+                  </a:txBody>
+                  <a:tcPr marL="0" marR="0" marT="0" marB="0">
+                    <a:lnL w="6350" cap="flat" cmpd="sng" algn="ctr">
+                      <a:solidFill>
+                        <a:schemeClr val="tx1"/>
+                      </a:solidFill>
+                      <a:prstDash val="solid"/>
+                      <a:round/>
+                      <a:headEnd type="none" w="med" len="med"/>
+                      <a:tailEnd type="none" w="med" len="med"/>
+                    </a:lnL>
+                    <a:lnR w="6350" cap="flat" cmpd="sng" algn="ctr">
+                      <a:solidFill>
+                        <a:schemeClr val="tx1"/>
+                      </a:solidFill>
+                      <a:prstDash val="solid"/>
+                      <a:round/>
+                      <a:headEnd type="none" w="med" len="med"/>
+                      <a:tailEnd type="none" w="med" len="med"/>
+                    </a:lnR>
+                    <a:lnT w="6350" cap="flat" cmpd="sng" algn="ctr">
+                      <a:solidFill>
+                        <a:schemeClr val="tx1"/>
+                      </a:solidFill>
+                      <a:prstDash val="solid"/>
+                      <a:round/>
+                      <a:headEnd type="none" w="med" len="med"/>
+                      <a:tailEnd type="none" w="med" len="med"/>
+                    </a:lnT>
+                    <a:lnB w="6350" cap="flat" cmpd="sng" algn="ctr">
+                      <a:solidFill>
+                        <a:schemeClr val="tx1"/>
+                      </a:solidFill>
+                      <a:prstDash val="solid"/>
+                      <a:round/>
+                      <a:headEnd type="none" w="med" len="med"/>
+                      <a:tailEnd type="none" w="med" len="med"/>
+                    </a:lnB>
+                    <a:lnTlToBr w="12700" cmpd="sng">
+                      <a:noFill/>
+                      <a:prstDash val="solid"/>
+                    </a:lnTlToBr>
+                    <a:lnBlToTr w="12700" cmpd="sng">
+                      <a:noFill/>
+                      <a:prstDash val="solid"/>
+                    </a:lnBlToTr>
+                    <a:solidFill>
+                      <a:srgbClr val="00FF00"/>
+                    </a:solidFill>
+                  </a:tcPr>
+                </a:tc>
+                <a:tc>
+                  <a:txBody>
+                    <a:bodyPr/>
+                    <a:lstStyle/>
+                    <a:p>
+                      <a:pPr algn="ctr"/>
+                      <a:r>
+                        <a:rPr kumimoji="1" lang="en-US" altLang="ja-JP" sz="1600" b="0" dirty="0">
+                          <a:solidFill>
+                            <a:schemeClr val="tx1"/>
+                          </a:solidFill>
+                          <a:latin typeface="Times New Roman" panose="02020603050405020304" pitchFamily="18" charset="0"/>
+                          <a:cs typeface="Times New Roman" panose="02020603050405020304" pitchFamily="18" charset="0"/>
+                        </a:rPr>
+                        <a:t>4</a:t>
+                      </a:r>
+                      <a:endParaRPr kumimoji="1" lang="ja-JP" altLang="en-US" sz="1600" b="0" dirty="0">
+                        <a:solidFill>
+                          <a:schemeClr val="tx1"/>
+                        </a:solidFill>
+                        <a:latin typeface="Times New Roman" panose="02020603050405020304" pitchFamily="18" charset="0"/>
+                        <a:cs typeface="Times New Roman" panose="02020603050405020304" pitchFamily="18" charset="0"/>
+                      </a:endParaRPr>
+                    </a:p>
+                  </a:txBody>
+                  <a:tcPr marL="0" marR="0" marT="0" marB="0">
+                    <a:lnL w="6350" cap="flat" cmpd="sng" algn="ctr">
+                      <a:solidFill>
+                        <a:schemeClr val="tx1"/>
+                      </a:solidFill>
+                      <a:prstDash val="solid"/>
+                      <a:round/>
+                      <a:headEnd type="none" w="med" len="med"/>
+                      <a:tailEnd type="none" w="med" len="med"/>
+                    </a:lnL>
                     <a:lnR w="28575" cap="flat" cmpd="sng" algn="ctr">
                       <a:solidFill>
                         <a:schemeClr val="tx1"/>
@@ -14916,7 +15286,7 @@
                       <a:prstDash val="solid"/>
                     </a:lnBlToTr>
                     <a:solidFill>
-                      <a:schemeClr val="bg1"/>
+                      <a:srgbClr val="00FF00"/>
                     </a:solidFill>
                   </a:tcPr>
                 </a:tc>
@@ -15308,6 +15678,16 @@
                     <a:lstStyle/>
                     <a:p>
                       <a:pPr algn="ctr"/>
+                      <a:r>
+                        <a:rPr kumimoji="1" lang="en-US" altLang="ja-JP" sz="1600" b="0">
+                          <a:solidFill>
+                            <a:schemeClr val="tx1"/>
+                          </a:solidFill>
+                          <a:latin typeface="Times New Roman" panose="02020603050405020304" pitchFamily="18" charset="0"/>
+                          <a:cs typeface="Times New Roman" panose="02020603050405020304" pitchFamily="18" charset="0"/>
+                        </a:rPr>
+                        <a:t>9</a:t>
+                      </a:r>
                       <a:endParaRPr kumimoji="1" lang="ja-JP" altLang="en-US" sz="1600" b="0" dirty="0">
                         <a:solidFill>
                           <a:schemeClr val="tx1"/>
@@ -15363,16 +15743,26 @@
                       <a:prstDash val="solid"/>
                     </a:lnBlToTr>
                     <a:solidFill>
-                      <a:schemeClr val="bg1"/>
-                    </a:solidFill>
-                  </a:tcPr>
-                </a:tc>
-                <a:tc>
-                  <a:txBody>
-                    <a:bodyPr/>
-                    <a:lstStyle/>
-                    <a:p>
-                      <a:pPr algn="ctr"/>
+                      <a:srgbClr val="00FF00"/>
+                    </a:solidFill>
+                  </a:tcPr>
+                </a:tc>
+                <a:tc>
+                  <a:txBody>
+                    <a:bodyPr/>
+                    <a:lstStyle/>
+                    <a:p>
+                      <a:pPr algn="ctr"/>
+                      <a:r>
+                        <a:rPr kumimoji="1" lang="en-US" altLang="ja-JP" sz="1600" b="0" dirty="0">
+                          <a:solidFill>
+                            <a:schemeClr val="tx1"/>
+                          </a:solidFill>
+                          <a:latin typeface="Times New Roman" panose="02020603050405020304" pitchFamily="18" charset="0"/>
+                          <a:cs typeface="Times New Roman" panose="02020603050405020304" pitchFamily="18" charset="0"/>
+                        </a:rPr>
+                        <a:t>4</a:t>
+                      </a:r>
                       <a:endParaRPr kumimoji="1" lang="ja-JP" altLang="en-US" sz="1600" b="0" dirty="0">
                         <a:solidFill>
                           <a:schemeClr val="tx1"/>
@@ -15428,16 +15818,26 @@
                       <a:prstDash val="solid"/>
                     </a:lnBlToTr>
                     <a:solidFill>
-                      <a:schemeClr val="bg1"/>
-                    </a:solidFill>
-                  </a:tcPr>
-                </a:tc>
-                <a:tc>
-                  <a:txBody>
-                    <a:bodyPr/>
-                    <a:lstStyle/>
-                    <a:p>
-                      <a:pPr algn="ctr"/>
+                      <a:srgbClr val="00FF00"/>
+                    </a:solidFill>
+                  </a:tcPr>
+                </a:tc>
+                <a:tc>
+                  <a:txBody>
+                    <a:bodyPr/>
+                    <a:lstStyle/>
+                    <a:p>
+                      <a:pPr algn="ctr"/>
+                      <a:r>
+                        <a:rPr kumimoji="1" lang="en-US" altLang="ja-JP" sz="1600" b="0" dirty="0">
+                          <a:solidFill>
+                            <a:schemeClr val="tx1"/>
+                          </a:solidFill>
+                          <a:latin typeface="Times New Roman" panose="02020603050405020304" pitchFamily="18" charset="0"/>
+                          <a:cs typeface="Times New Roman" panose="02020603050405020304" pitchFamily="18" charset="0"/>
+                        </a:rPr>
+                        <a:t>3</a:t>
+                      </a:r>
                       <a:endParaRPr kumimoji="1" lang="ja-JP" altLang="en-US" sz="1600" b="0" dirty="0">
                         <a:solidFill>
                           <a:schemeClr val="tx1"/>
@@ -15493,16 +15893,26 @@
                       <a:prstDash val="solid"/>
                     </a:lnBlToTr>
                     <a:solidFill>
-                      <a:schemeClr val="bg1"/>
-                    </a:solidFill>
-                  </a:tcPr>
-                </a:tc>
-                <a:tc>
-                  <a:txBody>
-                    <a:bodyPr/>
-                    <a:lstStyle/>
-                    <a:p>
-                      <a:pPr algn="ctr"/>
+                      <a:srgbClr val="00FF00"/>
+                    </a:solidFill>
+                  </a:tcPr>
+                </a:tc>
+                <a:tc>
+                  <a:txBody>
+                    <a:bodyPr/>
+                    <a:lstStyle/>
+                    <a:p>
+                      <a:pPr algn="ctr"/>
+                      <a:r>
+                        <a:rPr kumimoji="1" lang="en-US" altLang="ja-JP" sz="1600" b="0" dirty="0">
+                          <a:solidFill>
+                            <a:schemeClr val="tx1"/>
+                          </a:solidFill>
+                          <a:latin typeface="Times New Roman" panose="02020603050405020304" pitchFamily="18" charset="0"/>
+                          <a:cs typeface="Times New Roman" panose="02020603050405020304" pitchFamily="18" charset="0"/>
+                        </a:rPr>
+                        <a:t>6</a:t>
+                      </a:r>
                       <a:endParaRPr kumimoji="1" lang="ja-JP" altLang="en-US" sz="1600" b="0" dirty="0">
                         <a:solidFill>
                           <a:schemeClr val="tx1"/>
@@ -15558,7 +15968,7 @@
                       <a:prstDash val="solid"/>
                     </a:lnBlToTr>
                     <a:solidFill>
-                      <a:schemeClr val="bg1"/>
+                      <a:srgbClr val="00FF00"/>
                     </a:solidFill>
                   </a:tcPr>
                 </a:tc>
@@ -18014,6 +18424,16 @@
                     <a:lstStyle/>
                     <a:p>
                       <a:pPr algn="ctr"/>
+                      <a:r>
+                        <a:rPr kumimoji="1" lang="en-US" altLang="ja-JP" sz="1600" b="0">
+                          <a:solidFill>
+                            <a:schemeClr val="tx1"/>
+                          </a:solidFill>
+                          <a:latin typeface="Times New Roman" panose="02020603050405020304" pitchFamily="18" charset="0"/>
+                          <a:cs typeface="Times New Roman" panose="02020603050405020304" pitchFamily="18" charset="0"/>
+                        </a:rPr>
+                        <a:t>9</a:t>
+                      </a:r>
                       <a:endParaRPr kumimoji="1" lang="ja-JP" altLang="en-US" sz="1600" b="0">
                         <a:solidFill>
                           <a:schemeClr val="tx1"/>
@@ -18069,7 +18489,7 @@
                       <a:prstDash val="solid"/>
                     </a:lnBlToTr>
                     <a:solidFill>
-                      <a:schemeClr val="bg1"/>
+                      <a:srgbClr val="00FF00"/>
                     </a:solidFill>
                   </a:tcPr>
                 </a:tc>
@@ -18916,6 +19336,16 @@
                     <a:lstStyle/>
                     <a:p>
                       <a:pPr algn="ctr"/>
+                      <a:r>
+                        <a:rPr kumimoji="1" lang="en-US" altLang="ja-JP" sz="1600" b="0" dirty="0">
+                          <a:solidFill>
+                            <a:schemeClr val="tx1"/>
+                          </a:solidFill>
+                          <a:latin typeface="Times New Roman" panose="02020603050405020304" pitchFamily="18" charset="0"/>
+                          <a:cs typeface="Times New Roman" panose="02020603050405020304" pitchFamily="18" charset="0"/>
+                        </a:rPr>
+                        <a:t>4</a:t>
+                      </a:r>
                       <a:endParaRPr kumimoji="1" lang="ja-JP" altLang="en-US" sz="1600" b="0" dirty="0">
                         <a:solidFill>
                           <a:schemeClr val="tx1"/>
@@ -18971,211 +19401,26 @@
                       <a:prstDash val="solid"/>
                     </a:lnBlToTr>
                     <a:solidFill>
-                      <a:schemeClr val="bg1"/>
-                    </a:solidFill>
-                  </a:tcPr>
-                </a:tc>
-                <a:tc>
-                  <a:txBody>
-                    <a:bodyPr/>
-                    <a:lstStyle/>
-                    <a:p>
-                      <a:pPr algn="ctr"/>
-                      <a:endParaRPr kumimoji="1" lang="ja-JP" altLang="en-US" sz="1600" b="0">
-                        <a:solidFill>
-                          <a:schemeClr val="tx1"/>
-                        </a:solidFill>
-                        <a:latin typeface="Times New Roman" panose="02020603050405020304" pitchFamily="18" charset="0"/>
-                        <a:cs typeface="Times New Roman" panose="02020603050405020304" pitchFamily="18" charset="0"/>
-                      </a:endParaRPr>
-                    </a:p>
-                  </a:txBody>
-                  <a:tcPr marL="0" marR="0" marT="0" marB="0">
-                    <a:lnL w="6350" cap="flat" cmpd="sng" algn="ctr">
-                      <a:solidFill>
-                        <a:schemeClr val="tx1"/>
-                      </a:solidFill>
-                      <a:prstDash val="solid"/>
-                      <a:round/>
-                      <a:headEnd type="none" w="med" len="med"/>
-                      <a:tailEnd type="none" w="med" len="med"/>
-                    </a:lnL>
-                    <a:lnR w="6350" cap="flat" cmpd="sng" algn="ctr">
-                      <a:solidFill>
-                        <a:schemeClr val="tx1"/>
-                      </a:solidFill>
-                      <a:prstDash val="solid"/>
-                      <a:round/>
-                      <a:headEnd type="none" w="med" len="med"/>
-                      <a:tailEnd type="none" w="med" len="med"/>
-                    </a:lnR>
-                    <a:lnT w="6350" cap="flat" cmpd="sng" algn="ctr">
-                      <a:solidFill>
-                        <a:schemeClr val="tx1"/>
-                      </a:solidFill>
-                      <a:prstDash val="solid"/>
-                      <a:round/>
-                      <a:headEnd type="none" w="med" len="med"/>
-                      <a:tailEnd type="none" w="med" len="med"/>
-                    </a:lnT>
-                    <a:lnB w="6350" cap="flat" cmpd="sng" algn="ctr">
-                      <a:solidFill>
-                        <a:schemeClr val="tx1"/>
-                      </a:solidFill>
-                      <a:prstDash val="solid"/>
-                      <a:round/>
-                      <a:headEnd type="none" w="med" len="med"/>
-                      <a:tailEnd type="none" w="med" len="med"/>
-                    </a:lnB>
-                    <a:lnTlToBr w="12700" cmpd="sng">
-                      <a:noFill/>
-                      <a:prstDash val="solid"/>
-                    </a:lnTlToBr>
-                    <a:lnBlToTr w="12700" cmpd="sng">
-                      <a:noFill/>
-                      <a:prstDash val="solid"/>
-                    </a:lnBlToTr>
-                    <a:solidFill>
-                      <a:schemeClr val="bg1"/>
-                    </a:solidFill>
-                  </a:tcPr>
-                </a:tc>
-                <a:tc>
-                  <a:txBody>
-                    <a:bodyPr/>
-                    <a:lstStyle/>
-                    <a:p>
-                      <a:pPr algn="ctr"/>
-                      <a:endParaRPr kumimoji="1" lang="ja-JP" altLang="en-US" sz="1600" b="0">
-                        <a:solidFill>
-                          <a:schemeClr val="tx1"/>
-                        </a:solidFill>
-                        <a:latin typeface="Times New Roman" panose="02020603050405020304" pitchFamily="18" charset="0"/>
-                        <a:cs typeface="Times New Roman" panose="02020603050405020304" pitchFamily="18" charset="0"/>
-                      </a:endParaRPr>
-                    </a:p>
-                  </a:txBody>
-                  <a:tcPr marL="0" marR="0" marT="0" marB="0">
-                    <a:lnL w="6350" cap="flat" cmpd="sng" algn="ctr">
-                      <a:solidFill>
-                        <a:schemeClr val="tx1"/>
-                      </a:solidFill>
-                      <a:prstDash val="solid"/>
-                      <a:round/>
-                      <a:headEnd type="none" w="med" len="med"/>
-                      <a:tailEnd type="none" w="med" len="med"/>
-                    </a:lnL>
-                    <a:lnR w="6350" cap="flat" cmpd="sng" algn="ctr">
-                      <a:solidFill>
-                        <a:schemeClr val="tx1"/>
-                      </a:solidFill>
-                      <a:prstDash val="solid"/>
-                      <a:round/>
-                      <a:headEnd type="none" w="med" len="med"/>
-                      <a:tailEnd type="none" w="med" len="med"/>
-                    </a:lnR>
-                    <a:lnT w="6350" cap="flat" cmpd="sng" algn="ctr">
-                      <a:solidFill>
-                        <a:schemeClr val="tx1"/>
-                      </a:solidFill>
-                      <a:prstDash val="solid"/>
-                      <a:round/>
-                      <a:headEnd type="none" w="med" len="med"/>
-                      <a:tailEnd type="none" w="med" len="med"/>
-                    </a:lnT>
-                    <a:lnB w="6350" cap="flat" cmpd="sng" algn="ctr">
-                      <a:solidFill>
-                        <a:schemeClr val="tx1"/>
-                      </a:solidFill>
-                      <a:prstDash val="solid"/>
-                      <a:round/>
-                      <a:headEnd type="none" w="med" len="med"/>
-                      <a:tailEnd type="none" w="med" len="med"/>
-                    </a:lnB>
-                    <a:lnTlToBr w="12700" cmpd="sng">
-                      <a:noFill/>
-                      <a:prstDash val="solid"/>
-                    </a:lnTlToBr>
-                    <a:lnBlToTr w="12700" cmpd="sng">
-                      <a:noFill/>
-                      <a:prstDash val="solid"/>
-                    </a:lnBlToTr>
-                    <a:solidFill>
-                      <a:schemeClr val="bg1"/>
-                    </a:solidFill>
-                  </a:tcPr>
-                </a:tc>
-                <a:tc>
-                  <a:txBody>
-                    <a:bodyPr/>
-                    <a:lstStyle/>
-                    <a:p>
-                      <a:pPr algn="ctr"/>
-                      <a:endParaRPr kumimoji="1" lang="ja-JP" altLang="en-US" sz="1600" b="0">
-                        <a:solidFill>
-                          <a:schemeClr val="tx1"/>
-                        </a:solidFill>
-                        <a:latin typeface="Times New Roman" panose="02020603050405020304" pitchFamily="18" charset="0"/>
-                        <a:cs typeface="Times New Roman" panose="02020603050405020304" pitchFamily="18" charset="0"/>
-                      </a:endParaRPr>
-                    </a:p>
-                  </a:txBody>
-                  <a:tcPr marL="0" marR="0" marT="0" marB="0">
-                    <a:lnL w="6350" cap="flat" cmpd="sng" algn="ctr">
-                      <a:solidFill>
-                        <a:schemeClr val="tx1"/>
-                      </a:solidFill>
-                      <a:prstDash val="solid"/>
-                      <a:round/>
-                      <a:headEnd type="none" w="med" len="med"/>
-                      <a:tailEnd type="none" w="med" len="med"/>
-                    </a:lnL>
-                    <a:lnR w="6350" cap="flat" cmpd="sng" algn="ctr">
-                      <a:solidFill>
-                        <a:schemeClr val="tx1"/>
-                      </a:solidFill>
-                      <a:prstDash val="solid"/>
-                      <a:round/>
-                      <a:headEnd type="none" w="med" len="med"/>
-                      <a:tailEnd type="none" w="med" len="med"/>
-                    </a:lnR>
-                    <a:lnT w="6350" cap="flat" cmpd="sng" algn="ctr">
-                      <a:solidFill>
-                        <a:schemeClr val="tx1"/>
-                      </a:solidFill>
-                      <a:prstDash val="solid"/>
-                      <a:round/>
-                      <a:headEnd type="none" w="med" len="med"/>
-                      <a:tailEnd type="none" w="med" len="med"/>
-                    </a:lnT>
-                    <a:lnB w="6350" cap="flat" cmpd="sng" algn="ctr">
-                      <a:solidFill>
-                        <a:schemeClr val="tx1"/>
-                      </a:solidFill>
-                      <a:prstDash val="solid"/>
-                      <a:round/>
-                      <a:headEnd type="none" w="med" len="med"/>
-                      <a:tailEnd type="none" w="med" len="med"/>
-                    </a:lnB>
-                    <a:lnTlToBr w="12700" cmpd="sng">
-                      <a:noFill/>
-                      <a:prstDash val="solid"/>
-                    </a:lnTlToBr>
-                    <a:lnBlToTr w="12700" cmpd="sng">
-                      <a:noFill/>
-                      <a:prstDash val="solid"/>
-                    </a:lnBlToTr>
-                    <a:solidFill>
-                      <a:schemeClr val="bg1"/>
-                    </a:solidFill>
-                  </a:tcPr>
-                </a:tc>
-                <a:tc>
-                  <a:txBody>
-                    <a:bodyPr/>
-                    <a:lstStyle/>
-                    <a:p>
-                      <a:pPr algn="ctr"/>
+                      <a:srgbClr val="00FF00"/>
+                    </a:solidFill>
+                  </a:tcPr>
+                </a:tc>
+                <a:tc>
+                  <a:txBody>
+                    <a:bodyPr/>
+                    <a:lstStyle/>
+                    <a:p>
+                      <a:pPr algn="ctr"/>
+                      <a:r>
+                        <a:rPr kumimoji="1" lang="en-US" altLang="ja-JP" sz="1600" b="0" dirty="0">
+                          <a:solidFill>
+                            <a:schemeClr val="tx1"/>
+                          </a:solidFill>
+                          <a:latin typeface="Times New Roman" panose="02020603050405020304" pitchFamily="18" charset="0"/>
+                          <a:cs typeface="Times New Roman" panose="02020603050405020304" pitchFamily="18" charset="0"/>
+                        </a:rPr>
+                        <a:t>1</a:t>
+                      </a:r>
                       <a:endParaRPr kumimoji="1" lang="ja-JP" altLang="en-US" sz="1600" b="0" dirty="0">
                         <a:solidFill>
                           <a:schemeClr val="tx1"/>
@@ -19231,16 +19476,26 @@
                       <a:prstDash val="solid"/>
                     </a:lnBlToTr>
                     <a:solidFill>
-                      <a:schemeClr val="bg1"/>
-                    </a:solidFill>
-                  </a:tcPr>
-                </a:tc>
-                <a:tc>
-                  <a:txBody>
-                    <a:bodyPr/>
-                    <a:lstStyle/>
-                    <a:p>
-                      <a:pPr algn="ctr"/>
+                      <a:srgbClr val="00FF00"/>
+                    </a:solidFill>
+                  </a:tcPr>
+                </a:tc>
+                <a:tc>
+                  <a:txBody>
+                    <a:bodyPr/>
+                    <a:lstStyle/>
+                    <a:p>
+                      <a:pPr algn="ctr"/>
+                      <a:r>
+                        <a:rPr kumimoji="1" lang="en-US" altLang="ja-JP" sz="1600" b="0" dirty="0">
+                          <a:solidFill>
+                            <a:schemeClr val="tx1"/>
+                          </a:solidFill>
+                          <a:latin typeface="Times New Roman" panose="02020603050405020304" pitchFamily="18" charset="0"/>
+                          <a:cs typeface="Times New Roman" panose="02020603050405020304" pitchFamily="18" charset="0"/>
+                        </a:rPr>
+                        <a:t>1</a:t>
+                      </a:r>
                       <a:endParaRPr kumimoji="1" lang="ja-JP" altLang="en-US" sz="1600" b="0" dirty="0">
                         <a:solidFill>
                           <a:schemeClr val="tx1"/>
@@ -19296,16 +19551,26 @@
                       <a:prstDash val="solid"/>
                     </a:lnBlToTr>
                     <a:solidFill>
-                      <a:schemeClr val="bg1"/>
-                    </a:solidFill>
-                  </a:tcPr>
-                </a:tc>
-                <a:tc>
-                  <a:txBody>
-                    <a:bodyPr/>
-                    <a:lstStyle/>
-                    <a:p>
-                      <a:pPr algn="ctr"/>
+                      <a:srgbClr val="00FF00"/>
+                    </a:solidFill>
+                  </a:tcPr>
+                </a:tc>
+                <a:tc>
+                  <a:txBody>
+                    <a:bodyPr/>
+                    <a:lstStyle/>
+                    <a:p>
+                      <a:pPr algn="ctr"/>
+                      <a:r>
+                        <a:rPr kumimoji="1" lang="en-US" altLang="ja-JP" sz="1600" b="0" dirty="0">
+                          <a:solidFill>
+                            <a:schemeClr val="tx1"/>
+                          </a:solidFill>
+                          <a:latin typeface="Times New Roman" panose="02020603050405020304" pitchFamily="18" charset="0"/>
+                          <a:cs typeface="Times New Roman" panose="02020603050405020304" pitchFamily="18" charset="0"/>
+                        </a:rPr>
+                        <a:t>1</a:t>
+                      </a:r>
                       <a:endParaRPr kumimoji="1" lang="ja-JP" altLang="en-US" sz="1600" b="0" dirty="0">
                         <a:solidFill>
                           <a:schemeClr val="tx1"/>
@@ -19361,7 +19626,232 @@
                       <a:prstDash val="solid"/>
                     </a:lnBlToTr>
                     <a:solidFill>
-                      <a:schemeClr val="bg1"/>
+                      <a:srgbClr val="00FF00"/>
+                    </a:solidFill>
+                  </a:tcPr>
+                </a:tc>
+                <a:tc>
+                  <a:txBody>
+                    <a:bodyPr/>
+                    <a:lstStyle/>
+                    <a:p>
+                      <a:pPr algn="ctr"/>
+                      <a:r>
+                        <a:rPr kumimoji="1" lang="en-US" altLang="ja-JP" sz="1600" b="0" dirty="0">
+                          <a:solidFill>
+                            <a:schemeClr val="tx1"/>
+                          </a:solidFill>
+                          <a:latin typeface="Times New Roman" panose="02020603050405020304" pitchFamily="18" charset="0"/>
+                          <a:cs typeface="Times New Roman" panose="02020603050405020304" pitchFamily="18" charset="0"/>
+                        </a:rPr>
+                        <a:t>2</a:t>
+                      </a:r>
+                      <a:endParaRPr kumimoji="1" lang="ja-JP" altLang="en-US" sz="1600" b="0" dirty="0">
+                        <a:solidFill>
+                          <a:schemeClr val="tx1"/>
+                        </a:solidFill>
+                        <a:latin typeface="Times New Roman" panose="02020603050405020304" pitchFamily="18" charset="0"/>
+                        <a:cs typeface="Times New Roman" panose="02020603050405020304" pitchFamily="18" charset="0"/>
+                      </a:endParaRPr>
+                    </a:p>
+                  </a:txBody>
+                  <a:tcPr marL="0" marR="0" marT="0" marB="0">
+                    <a:lnL w="6350" cap="flat" cmpd="sng" algn="ctr">
+                      <a:solidFill>
+                        <a:schemeClr val="tx1"/>
+                      </a:solidFill>
+                      <a:prstDash val="solid"/>
+                      <a:round/>
+                      <a:headEnd type="none" w="med" len="med"/>
+                      <a:tailEnd type="none" w="med" len="med"/>
+                    </a:lnL>
+                    <a:lnR w="6350" cap="flat" cmpd="sng" algn="ctr">
+                      <a:solidFill>
+                        <a:schemeClr val="tx1"/>
+                      </a:solidFill>
+                      <a:prstDash val="solid"/>
+                      <a:round/>
+                      <a:headEnd type="none" w="med" len="med"/>
+                      <a:tailEnd type="none" w="med" len="med"/>
+                    </a:lnR>
+                    <a:lnT w="6350" cap="flat" cmpd="sng" algn="ctr">
+                      <a:solidFill>
+                        <a:schemeClr val="tx1"/>
+                      </a:solidFill>
+                      <a:prstDash val="solid"/>
+                      <a:round/>
+                      <a:headEnd type="none" w="med" len="med"/>
+                      <a:tailEnd type="none" w="med" len="med"/>
+                    </a:lnT>
+                    <a:lnB w="6350" cap="flat" cmpd="sng" algn="ctr">
+                      <a:solidFill>
+                        <a:schemeClr val="tx1"/>
+                      </a:solidFill>
+                      <a:prstDash val="solid"/>
+                      <a:round/>
+                      <a:headEnd type="none" w="med" len="med"/>
+                      <a:tailEnd type="none" w="med" len="med"/>
+                    </a:lnB>
+                    <a:lnTlToBr w="12700" cmpd="sng">
+                      <a:noFill/>
+                      <a:prstDash val="solid"/>
+                    </a:lnTlToBr>
+                    <a:lnBlToTr w="12700" cmpd="sng">
+                      <a:noFill/>
+                      <a:prstDash val="solid"/>
+                    </a:lnBlToTr>
+                    <a:solidFill>
+                      <a:srgbClr val="00FF00"/>
+                    </a:solidFill>
+                  </a:tcPr>
+                </a:tc>
+                <a:tc>
+                  <a:txBody>
+                    <a:bodyPr/>
+                    <a:lstStyle/>
+                    <a:p>
+                      <a:pPr algn="ctr"/>
+                      <a:r>
+                        <a:rPr kumimoji="1" lang="en-US" altLang="ja-JP" sz="1600" b="0" dirty="0">
+                          <a:solidFill>
+                            <a:schemeClr val="tx1"/>
+                          </a:solidFill>
+                          <a:latin typeface="Times New Roman" panose="02020603050405020304" pitchFamily="18" charset="0"/>
+                          <a:cs typeface="Times New Roman" panose="02020603050405020304" pitchFamily="18" charset="0"/>
+                        </a:rPr>
+                        <a:t>0</a:t>
+                      </a:r>
+                      <a:endParaRPr kumimoji="1" lang="ja-JP" altLang="en-US" sz="1600" b="0" dirty="0">
+                        <a:solidFill>
+                          <a:schemeClr val="tx1"/>
+                        </a:solidFill>
+                        <a:latin typeface="Times New Roman" panose="02020603050405020304" pitchFamily="18" charset="0"/>
+                        <a:cs typeface="Times New Roman" panose="02020603050405020304" pitchFamily="18" charset="0"/>
+                      </a:endParaRPr>
+                    </a:p>
+                  </a:txBody>
+                  <a:tcPr marL="0" marR="0" marT="0" marB="0">
+                    <a:lnL w="6350" cap="flat" cmpd="sng" algn="ctr">
+                      <a:solidFill>
+                        <a:schemeClr val="tx1"/>
+                      </a:solidFill>
+                      <a:prstDash val="solid"/>
+                      <a:round/>
+                      <a:headEnd type="none" w="med" len="med"/>
+                      <a:tailEnd type="none" w="med" len="med"/>
+                    </a:lnL>
+                    <a:lnR w="6350" cap="flat" cmpd="sng" algn="ctr">
+                      <a:solidFill>
+                        <a:schemeClr val="tx1"/>
+                      </a:solidFill>
+                      <a:prstDash val="solid"/>
+                      <a:round/>
+                      <a:headEnd type="none" w="med" len="med"/>
+                      <a:tailEnd type="none" w="med" len="med"/>
+                    </a:lnR>
+                    <a:lnT w="6350" cap="flat" cmpd="sng" algn="ctr">
+                      <a:solidFill>
+                        <a:schemeClr val="tx1"/>
+                      </a:solidFill>
+                      <a:prstDash val="solid"/>
+                      <a:round/>
+                      <a:headEnd type="none" w="med" len="med"/>
+                      <a:tailEnd type="none" w="med" len="med"/>
+                    </a:lnT>
+                    <a:lnB w="6350" cap="flat" cmpd="sng" algn="ctr">
+                      <a:solidFill>
+                        <a:schemeClr val="tx1"/>
+                      </a:solidFill>
+                      <a:prstDash val="solid"/>
+                      <a:round/>
+                      <a:headEnd type="none" w="med" len="med"/>
+                      <a:tailEnd type="none" w="med" len="med"/>
+                    </a:lnB>
+                    <a:lnTlToBr w="12700" cmpd="sng">
+                      <a:noFill/>
+                      <a:prstDash val="solid"/>
+                    </a:lnTlToBr>
+                    <a:lnBlToTr w="12700" cmpd="sng">
+                      <a:noFill/>
+                      <a:prstDash val="solid"/>
+                    </a:lnBlToTr>
+                    <a:solidFill>
+                      <a:srgbClr val="00FF00"/>
+                    </a:solidFill>
+                  </a:tcPr>
+                </a:tc>
+                <a:tc>
+                  <a:txBody>
+                    <a:bodyPr/>
+                    <a:lstStyle/>
+                    <a:p>
+                      <a:pPr algn="ctr"/>
+                      <a:r>
+                        <a:rPr kumimoji="1" lang="en-US" altLang="ja-JP" sz="1600" b="0" dirty="0">
+                          <a:solidFill>
+                            <a:schemeClr val="tx1"/>
+                          </a:solidFill>
+                          <a:latin typeface="Times New Roman" panose="02020603050405020304" pitchFamily="18" charset="0"/>
+                          <a:cs typeface="Times New Roman" panose="02020603050405020304" pitchFamily="18" charset="0"/>
+                        </a:rPr>
+                        <a:t>2</a:t>
+                      </a:r>
+                      <a:endParaRPr kumimoji="1" lang="ja-JP" altLang="en-US" sz="1600" b="0" dirty="0">
+                        <a:solidFill>
+                          <a:schemeClr val="tx1"/>
+                        </a:solidFill>
+                        <a:latin typeface="Times New Roman" panose="02020603050405020304" pitchFamily="18" charset="0"/>
+                        <a:cs typeface="Times New Roman" panose="02020603050405020304" pitchFamily="18" charset="0"/>
+                      </a:endParaRPr>
+                    </a:p>
+                  </a:txBody>
+                  <a:tcPr marL="0" marR="0" marT="0" marB="0">
+                    <a:lnL w="6350" cap="flat" cmpd="sng" algn="ctr">
+                      <a:solidFill>
+                        <a:schemeClr val="tx1"/>
+                      </a:solidFill>
+                      <a:prstDash val="solid"/>
+                      <a:round/>
+                      <a:headEnd type="none" w="med" len="med"/>
+                      <a:tailEnd type="none" w="med" len="med"/>
+                    </a:lnL>
+                    <a:lnR w="6350" cap="flat" cmpd="sng" algn="ctr">
+                      <a:solidFill>
+                        <a:schemeClr val="tx1"/>
+                      </a:solidFill>
+                      <a:prstDash val="solid"/>
+                      <a:round/>
+                      <a:headEnd type="none" w="med" len="med"/>
+                      <a:tailEnd type="none" w="med" len="med"/>
+                    </a:lnR>
+                    <a:lnT w="6350" cap="flat" cmpd="sng" algn="ctr">
+                      <a:solidFill>
+                        <a:schemeClr val="tx1"/>
+                      </a:solidFill>
+                      <a:prstDash val="solid"/>
+                      <a:round/>
+                      <a:headEnd type="none" w="med" len="med"/>
+                      <a:tailEnd type="none" w="med" len="med"/>
+                    </a:lnT>
+                    <a:lnB w="6350" cap="flat" cmpd="sng" algn="ctr">
+                      <a:solidFill>
+                        <a:schemeClr val="tx1"/>
+                      </a:solidFill>
+                      <a:prstDash val="solid"/>
+                      <a:round/>
+                      <a:headEnd type="none" w="med" len="med"/>
+                      <a:tailEnd type="none" w="med" len="med"/>
+                    </a:lnB>
+                    <a:lnTlToBr w="12700" cmpd="sng">
+                      <a:noFill/>
+                      <a:prstDash val="solid"/>
+                    </a:lnTlToBr>
+                    <a:lnBlToTr w="12700" cmpd="sng">
+                      <a:noFill/>
+                      <a:prstDash val="solid"/>
+                    </a:lnBlToTr>
+                    <a:solidFill>
+                      <a:srgbClr val="00FF00"/>
                     </a:solidFill>
                   </a:tcPr>
                 </a:tc>
@@ -19822,6 +20312,16 @@
                     <a:lstStyle/>
                     <a:p>
                       <a:pPr algn="ctr"/>
+                      <a:r>
+                        <a:rPr kumimoji="1" lang="en-US" altLang="ja-JP" sz="1600" b="0" dirty="0">
+                          <a:solidFill>
+                            <a:schemeClr val="tx1"/>
+                          </a:solidFill>
+                          <a:latin typeface="Times New Roman" panose="02020603050405020304" pitchFamily="18" charset="0"/>
+                          <a:cs typeface="Times New Roman" panose="02020603050405020304" pitchFamily="18" charset="0"/>
+                        </a:rPr>
+                        <a:t>1</a:t>
+                      </a:r>
                       <a:endParaRPr kumimoji="1" lang="ja-JP" altLang="en-US" sz="1600" b="0" dirty="0">
                         <a:solidFill>
                           <a:schemeClr val="tx1"/>
@@ -19877,211 +20377,42 @@
                       <a:prstDash val="solid"/>
                     </a:lnBlToTr>
                     <a:solidFill>
-                      <a:schemeClr val="bg1"/>
-                    </a:solidFill>
-                  </a:tcPr>
-                </a:tc>
-                <a:tc>
-                  <a:txBody>
-                    <a:bodyPr/>
-                    <a:lstStyle/>
-                    <a:p>
-                      <a:pPr algn="ctr"/>
-                      <a:endParaRPr kumimoji="1" lang="ja-JP" altLang="en-US" sz="1600" b="0">
-                        <a:solidFill>
-                          <a:schemeClr val="tx1"/>
-                        </a:solidFill>
-                        <a:latin typeface="Times New Roman" panose="02020603050405020304" pitchFamily="18" charset="0"/>
-                        <a:cs typeface="Times New Roman" panose="02020603050405020304" pitchFamily="18" charset="0"/>
-                      </a:endParaRPr>
-                    </a:p>
-                  </a:txBody>
-                  <a:tcPr marL="0" marR="0" marT="0" marB="0">
-                    <a:lnL w="6350" cap="flat" cmpd="sng" algn="ctr">
-                      <a:solidFill>
-                        <a:schemeClr val="tx1"/>
-                      </a:solidFill>
-                      <a:prstDash val="solid"/>
-                      <a:round/>
-                      <a:headEnd type="none" w="med" len="med"/>
-                      <a:tailEnd type="none" w="med" len="med"/>
-                    </a:lnL>
-                    <a:lnR w="6350" cap="flat" cmpd="sng" algn="ctr">
-                      <a:solidFill>
-                        <a:schemeClr val="tx1"/>
-                      </a:solidFill>
-                      <a:prstDash val="solid"/>
-                      <a:round/>
-                      <a:headEnd type="none" w="med" len="med"/>
-                      <a:tailEnd type="none" w="med" len="med"/>
-                    </a:lnR>
-                    <a:lnT w="6350" cap="flat" cmpd="sng" algn="ctr">
-                      <a:solidFill>
-                        <a:schemeClr val="tx1"/>
-                      </a:solidFill>
-                      <a:prstDash val="solid"/>
-                      <a:round/>
-                      <a:headEnd type="none" w="med" len="med"/>
-                      <a:tailEnd type="none" w="med" len="med"/>
-                    </a:lnT>
-                    <a:lnB w="6350" cap="flat" cmpd="sng" algn="ctr">
-                      <a:solidFill>
-                        <a:schemeClr val="tx1"/>
-                      </a:solidFill>
-                      <a:prstDash val="solid"/>
-                      <a:round/>
-                      <a:headEnd type="none" w="med" len="med"/>
-                      <a:tailEnd type="none" w="med" len="med"/>
-                    </a:lnB>
-                    <a:lnTlToBr w="12700" cmpd="sng">
-                      <a:noFill/>
-                      <a:prstDash val="solid"/>
-                    </a:lnTlToBr>
-                    <a:lnBlToTr w="12700" cmpd="sng">
-                      <a:noFill/>
-                      <a:prstDash val="solid"/>
-                    </a:lnBlToTr>
-                    <a:solidFill>
-                      <a:schemeClr val="bg1"/>
-                    </a:solidFill>
-                  </a:tcPr>
-                </a:tc>
-                <a:tc>
-                  <a:txBody>
-                    <a:bodyPr/>
-                    <a:lstStyle/>
-                    <a:p>
-                      <a:pPr algn="ctr"/>
-                      <a:endParaRPr kumimoji="1" lang="ja-JP" altLang="en-US" sz="1600" b="0">
-                        <a:solidFill>
-                          <a:schemeClr val="tx1"/>
-                        </a:solidFill>
-                        <a:latin typeface="Times New Roman" panose="02020603050405020304" pitchFamily="18" charset="0"/>
-                        <a:cs typeface="Times New Roman" panose="02020603050405020304" pitchFamily="18" charset="0"/>
-                      </a:endParaRPr>
-                    </a:p>
-                  </a:txBody>
-                  <a:tcPr marL="0" marR="0" marT="0" marB="0">
-                    <a:lnL w="6350" cap="flat" cmpd="sng" algn="ctr">
-                      <a:solidFill>
-                        <a:schemeClr val="tx1"/>
-                      </a:solidFill>
-                      <a:prstDash val="solid"/>
-                      <a:round/>
-                      <a:headEnd type="none" w="med" len="med"/>
-                      <a:tailEnd type="none" w="med" len="med"/>
-                    </a:lnL>
-                    <a:lnR w="6350" cap="flat" cmpd="sng" algn="ctr">
-                      <a:solidFill>
-                        <a:schemeClr val="tx1"/>
-                      </a:solidFill>
-                      <a:prstDash val="solid"/>
-                      <a:round/>
-                      <a:headEnd type="none" w="med" len="med"/>
-                      <a:tailEnd type="none" w="med" len="med"/>
-                    </a:lnR>
-                    <a:lnT w="6350" cap="flat" cmpd="sng" algn="ctr">
-                      <a:solidFill>
-                        <a:schemeClr val="tx1"/>
-                      </a:solidFill>
-                      <a:prstDash val="solid"/>
-                      <a:round/>
-                      <a:headEnd type="none" w="med" len="med"/>
-                      <a:tailEnd type="none" w="med" len="med"/>
-                    </a:lnT>
-                    <a:lnB w="6350" cap="flat" cmpd="sng" algn="ctr">
-                      <a:solidFill>
-                        <a:schemeClr val="tx1"/>
-                      </a:solidFill>
-                      <a:prstDash val="solid"/>
-                      <a:round/>
-                      <a:headEnd type="none" w="med" len="med"/>
-                      <a:tailEnd type="none" w="med" len="med"/>
-                    </a:lnB>
-                    <a:lnTlToBr w="12700" cmpd="sng">
-                      <a:noFill/>
-                      <a:prstDash val="solid"/>
-                    </a:lnTlToBr>
-                    <a:lnBlToTr w="12700" cmpd="sng">
-                      <a:noFill/>
-                      <a:prstDash val="solid"/>
-                    </a:lnBlToTr>
-                    <a:solidFill>
-                      <a:schemeClr val="bg1"/>
-                    </a:solidFill>
-                  </a:tcPr>
-                </a:tc>
-                <a:tc>
-                  <a:txBody>
-                    <a:bodyPr/>
-                    <a:lstStyle/>
-                    <a:p>
-                      <a:pPr algn="ctr"/>
-                      <a:endParaRPr kumimoji="1" lang="ja-JP" altLang="en-US" sz="1600" b="0">
-                        <a:solidFill>
-                          <a:schemeClr val="tx1"/>
-                        </a:solidFill>
-                        <a:latin typeface="Times New Roman" panose="02020603050405020304" pitchFamily="18" charset="0"/>
-                        <a:cs typeface="Times New Roman" panose="02020603050405020304" pitchFamily="18" charset="0"/>
-                      </a:endParaRPr>
-                    </a:p>
-                  </a:txBody>
-                  <a:tcPr marL="0" marR="0" marT="0" marB="0">
-                    <a:lnL w="6350" cap="flat" cmpd="sng" algn="ctr">
-                      <a:solidFill>
-                        <a:schemeClr val="tx1"/>
-                      </a:solidFill>
-                      <a:prstDash val="solid"/>
-                      <a:round/>
-                      <a:headEnd type="none" w="med" len="med"/>
-                      <a:tailEnd type="none" w="med" len="med"/>
-                    </a:lnL>
-                    <a:lnR w="6350" cap="flat" cmpd="sng" algn="ctr">
-                      <a:solidFill>
-                        <a:schemeClr val="tx1"/>
-                      </a:solidFill>
-                      <a:prstDash val="solid"/>
-                      <a:round/>
-                      <a:headEnd type="none" w="med" len="med"/>
-                      <a:tailEnd type="none" w="med" len="med"/>
-                    </a:lnR>
-                    <a:lnT w="6350" cap="flat" cmpd="sng" algn="ctr">
-                      <a:solidFill>
-                        <a:schemeClr val="tx1"/>
-                      </a:solidFill>
-                      <a:prstDash val="solid"/>
-                      <a:round/>
-                      <a:headEnd type="none" w="med" len="med"/>
-                      <a:tailEnd type="none" w="med" len="med"/>
-                    </a:lnT>
-                    <a:lnB w="6350" cap="flat" cmpd="sng" algn="ctr">
-                      <a:solidFill>
-                        <a:schemeClr val="tx1"/>
-                      </a:solidFill>
-                      <a:prstDash val="solid"/>
-                      <a:round/>
-                      <a:headEnd type="none" w="med" len="med"/>
-                      <a:tailEnd type="none" w="med" len="med"/>
-                    </a:lnB>
-                    <a:lnTlToBr w="12700" cmpd="sng">
-                      <a:noFill/>
-                      <a:prstDash val="solid"/>
-                    </a:lnTlToBr>
-                    <a:lnBlToTr w="12700" cmpd="sng">
-                      <a:noFill/>
-                      <a:prstDash val="solid"/>
-                    </a:lnBlToTr>
-                    <a:solidFill>
-                      <a:schemeClr val="bg1"/>
-                    </a:solidFill>
-                  </a:tcPr>
-                </a:tc>
-                <a:tc>
-                  <a:txBody>
-                    <a:bodyPr/>
-                    <a:lstStyle/>
-                    <a:p>
-                      <a:pPr algn="ctr"/>
+                      <a:srgbClr val="00FF00"/>
+                    </a:solidFill>
+                  </a:tcPr>
+                </a:tc>
+                <a:tc>
+                  <a:txBody>
+                    <a:bodyPr/>
+                    <a:lstStyle/>
+                    <a:p>
+                      <a:pPr marL="0" marR="0" lvl="0" indent="0" algn="ctr" defTabSz="457200" rtl="0" eaLnBrk="1" fontAlgn="auto" latinLnBrk="0" hangingPunct="1">
+                        <a:lnSpc>
+                          <a:spcPct val="100000"/>
+                        </a:lnSpc>
+                        <a:spcBef>
+                          <a:spcPts val="0"/>
+                        </a:spcBef>
+                        <a:spcAft>
+                          <a:spcPts val="0"/>
+                        </a:spcAft>
+                        <a:buClrTx/>
+                        <a:buSzTx/>
+                        <a:buFontTx/>
+                        <a:buNone/>
+                        <a:tabLst/>
+                        <a:defRPr/>
+                      </a:pPr>
+                      <a:r>
+                        <a:rPr kumimoji="1" lang="en-US" altLang="ja-JP" sz="1600" b="0" dirty="0">
+                          <a:solidFill>
+                            <a:schemeClr val="tx1"/>
+                          </a:solidFill>
+                          <a:latin typeface="Times New Roman" panose="02020603050405020304" pitchFamily="18" charset="0"/>
+                          <a:cs typeface="Times New Roman" panose="02020603050405020304" pitchFamily="18" charset="0"/>
+                        </a:rPr>
+                        <a:t>-</a:t>
+                      </a:r>
                       <a:endParaRPr kumimoji="1" lang="ja-JP" altLang="en-US" sz="1600" b="0" dirty="0">
                         <a:solidFill>
                           <a:schemeClr val="tx1"/>
@@ -20137,16 +20468,28 @@
                       <a:prstDash val="solid"/>
                     </a:lnBlToTr>
                     <a:solidFill>
-                      <a:schemeClr val="bg1"/>
-                    </a:solidFill>
-                  </a:tcPr>
-                </a:tc>
-                <a:tc>
-                  <a:txBody>
-                    <a:bodyPr/>
-                    <a:lstStyle/>
-                    <a:p>
-                      <a:pPr algn="ctr"/>
+                      <a:schemeClr val="bg1">
+                        <a:lumMod val="50000"/>
+                      </a:schemeClr>
+                    </a:solidFill>
+                  </a:tcPr>
+                </a:tc>
+                <a:tc>
+                  <a:txBody>
+                    <a:bodyPr/>
+                    <a:lstStyle/>
+                    <a:p>
+                      <a:pPr algn="ctr"/>
+                      <a:r>
+                        <a:rPr kumimoji="1" lang="en-US" altLang="ja-JP" sz="1600" b="0" dirty="0">
+                          <a:solidFill>
+                            <a:schemeClr val="tx1"/>
+                          </a:solidFill>
+                          <a:latin typeface="Times New Roman" panose="02020603050405020304" pitchFamily="18" charset="0"/>
+                          <a:cs typeface="Times New Roman" panose="02020603050405020304" pitchFamily="18" charset="0"/>
+                        </a:rPr>
+                        <a:t>4</a:t>
+                      </a:r>
                       <a:endParaRPr kumimoji="1" lang="ja-JP" altLang="en-US" sz="1600" b="0" dirty="0">
                         <a:solidFill>
                           <a:schemeClr val="tx1"/>
@@ -20202,16 +20545,42 @@
                       <a:prstDash val="solid"/>
                     </a:lnBlToTr>
                     <a:solidFill>
-                      <a:schemeClr val="bg1"/>
-                    </a:solidFill>
-                  </a:tcPr>
-                </a:tc>
-                <a:tc>
-                  <a:txBody>
-                    <a:bodyPr/>
-                    <a:lstStyle/>
-                    <a:p>
-                      <a:pPr algn="ctr"/>
+                      <a:srgbClr val="00FF00"/>
+                    </a:solidFill>
+                  </a:tcPr>
+                </a:tc>
+                <a:tc>
+                  <a:txBody>
+                    <a:bodyPr/>
+                    <a:lstStyle/>
+                    <a:p>
+                      <a:pPr marL="0" marR="0" lvl="0" indent="0" algn="ctr" defTabSz="457200" rtl="0" eaLnBrk="1" fontAlgn="auto" latinLnBrk="0" hangingPunct="1">
+                        <a:lnSpc>
+                          <a:spcPct val="100000"/>
+                        </a:lnSpc>
+                        <a:spcBef>
+                          <a:spcPts val="0"/>
+                        </a:spcBef>
+                        <a:spcAft>
+                          <a:spcPts val="0"/>
+                        </a:spcAft>
+                        <a:buClrTx/>
+                        <a:buSzTx/>
+                        <a:buFontTx/>
+                        <a:buNone/>
+                        <a:tabLst/>
+                        <a:defRPr/>
+                      </a:pPr>
+                      <a:r>
+                        <a:rPr kumimoji="1" lang="en-US" altLang="ja-JP" sz="1600" b="0" dirty="0">
+                          <a:solidFill>
+                            <a:schemeClr val="tx1"/>
+                          </a:solidFill>
+                          <a:latin typeface="Times New Roman" panose="02020603050405020304" pitchFamily="18" charset="0"/>
+                          <a:cs typeface="Times New Roman" panose="02020603050405020304" pitchFamily="18" charset="0"/>
+                        </a:rPr>
+                        <a:t>-</a:t>
+                      </a:r>
                       <a:endParaRPr kumimoji="1" lang="ja-JP" altLang="en-US" sz="1600" b="0" dirty="0">
                         <a:solidFill>
                           <a:schemeClr val="tx1"/>
@@ -20267,16 +20636,28 @@
                       <a:prstDash val="solid"/>
                     </a:lnBlToTr>
                     <a:solidFill>
-                      <a:schemeClr val="bg1"/>
-                    </a:solidFill>
-                  </a:tcPr>
-                </a:tc>
-                <a:tc>
-                  <a:txBody>
-                    <a:bodyPr/>
-                    <a:lstStyle/>
-                    <a:p>
-                      <a:pPr algn="ctr"/>
+                      <a:schemeClr val="bg1">
+                        <a:lumMod val="50000"/>
+                      </a:schemeClr>
+                    </a:solidFill>
+                  </a:tcPr>
+                </a:tc>
+                <a:tc>
+                  <a:txBody>
+                    <a:bodyPr/>
+                    <a:lstStyle/>
+                    <a:p>
+                      <a:pPr algn="ctr"/>
+                      <a:r>
+                        <a:rPr kumimoji="1" lang="en-US" altLang="ja-JP" sz="1600" b="0" dirty="0">
+                          <a:solidFill>
+                            <a:schemeClr val="tx1"/>
+                          </a:solidFill>
+                          <a:latin typeface="Times New Roman" panose="02020603050405020304" pitchFamily="18" charset="0"/>
+                          <a:cs typeface="Times New Roman" panose="02020603050405020304" pitchFamily="18" charset="0"/>
+                        </a:rPr>
+                        <a:t>4</a:t>
+                      </a:r>
                       <a:endParaRPr kumimoji="1" lang="ja-JP" altLang="en-US" sz="1600" b="0" dirty="0">
                         <a:solidFill>
                           <a:schemeClr val="tx1"/>
@@ -20296,6 +20677,233 @@
                       <a:headEnd type="none" w="med" len="med"/>
                       <a:tailEnd type="none" w="med" len="med"/>
                     </a:lnL>
+                    <a:lnR w="6350" cap="flat" cmpd="sng" algn="ctr">
+                      <a:solidFill>
+                        <a:schemeClr val="tx1"/>
+                      </a:solidFill>
+                      <a:prstDash val="solid"/>
+                      <a:round/>
+                      <a:headEnd type="none" w="med" len="med"/>
+                      <a:tailEnd type="none" w="med" len="med"/>
+                    </a:lnR>
+                    <a:lnT w="6350" cap="flat" cmpd="sng" algn="ctr">
+                      <a:solidFill>
+                        <a:schemeClr val="tx1"/>
+                      </a:solidFill>
+                      <a:prstDash val="solid"/>
+                      <a:round/>
+                      <a:headEnd type="none" w="med" len="med"/>
+                      <a:tailEnd type="none" w="med" len="med"/>
+                    </a:lnT>
+                    <a:lnB w="6350" cap="flat" cmpd="sng" algn="ctr">
+                      <a:solidFill>
+                        <a:schemeClr val="tx1"/>
+                      </a:solidFill>
+                      <a:prstDash val="solid"/>
+                      <a:round/>
+                      <a:headEnd type="none" w="med" len="med"/>
+                      <a:tailEnd type="none" w="med" len="med"/>
+                    </a:lnB>
+                    <a:lnTlToBr w="12700" cmpd="sng">
+                      <a:noFill/>
+                      <a:prstDash val="solid"/>
+                    </a:lnTlToBr>
+                    <a:lnBlToTr w="12700" cmpd="sng">
+                      <a:noFill/>
+                      <a:prstDash val="solid"/>
+                    </a:lnBlToTr>
+                    <a:solidFill>
+                      <a:srgbClr val="00FF00"/>
+                    </a:solidFill>
+                  </a:tcPr>
+                </a:tc>
+                <a:tc>
+                  <a:txBody>
+                    <a:bodyPr/>
+                    <a:lstStyle/>
+                    <a:p>
+                      <a:pPr algn="ctr"/>
+                      <a:r>
+                        <a:rPr kumimoji="1" lang="en-US" altLang="ja-JP" sz="1600" b="0" dirty="0">
+                          <a:solidFill>
+                            <a:schemeClr val="tx1"/>
+                          </a:solidFill>
+                          <a:latin typeface="Times New Roman" panose="02020603050405020304" pitchFamily="18" charset="0"/>
+                          <a:cs typeface="Times New Roman" panose="02020603050405020304" pitchFamily="18" charset="0"/>
+                        </a:rPr>
+                        <a:t>-</a:t>
+                      </a:r>
+                      <a:endParaRPr kumimoji="1" lang="ja-JP" altLang="en-US" sz="1600" b="0" dirty="0">
+                        <a:solidFill>
+                          <a:schemeClr val="tx1"/>
+                        </a:solidFill>
+                        <a:latin typeface="Times New Roman" panose="02020603050405020304" pitchFamily="18" charset="0"/>
+                        <a:cs typeface="Times New Roman" panose="02020603050405020304" pitchFamily="18" charset="0"/>
+                      </a:endParaRPr>
+                    </a:p>
+                  </a:txBody>
+                  <a:tcPr marL="0" marR="0" marT="0" marB="0">
+                    <a:lnL w="6350" cap="flat" cmpd="sng" algn="ctr">
+                      <a:solidFill>
+                        <a:schemeClr val="tx1"/>
+                      </a:solidFill>
+                      <a:prstDash val="solid"/>
+                      <a:round/>
+                      <a:headEnd type="none" w="med" len="med"/>
+                      <a:tailEnd type="none" w="med" len="med"/>
+                    </a:lnL>
+                    <a:lnR w="6350" cap="flat" cmpd="sng" algn="ctr">
+                      <a:solidFill>
+                        <a:schemeClr val="tx1"/>
+                      </a:solidFill>
+                      <a:prstDash val="solid"/>
+                      <a:round/>
+                      <a:headEnd type="none" w="med" len="med"/>
+                      <a:tailEnd type="none" w="med" len="med"/>
+                    </a:lnR>
+                    <a:lnT w="6350" cap="flat" cmpd="sng" algn="ctr">
+                      <a:solidFill>
+                        <a:schemeClr val="tx1"/>
+                      </a:solidFill>
+                      <a:prstDash val="solid"/>
+                      <a:round/>
+                      <a:headEnd type="none" w="med" len="med"/>
+                      <a:tailEnd type="none" w="med" len="med"/>
+                    </a:lnT>
+                    <a:lnB w="6350" cap="flat" cmpd="sng" algn="ctr">
+                      <a:solidFill>
+                        <a:schemeClr val="tx1"/>
+                      </a:solidFill>
+                      <a:prstDash val="solid"/>
+                      <a:round/>
+                      <a:headEnd type="none" w="med" len="med"/>
+                      <a:tailEnd type="none" w="med" len="med"/>
+                    </a:lnB>
+                    <a:lnTlToBr w="12700" cmpd="sng">
+                      <a:noFill/>
+                      <a:prstDash val="solid"/>
+                    </a:lnTlToBr>
+                    <a:lnBlToTr w="12700" cmpd="sng">
+                      <a:noFill/>
+                      <a:prstDash val="solid"/>
+                    </a:lnBlToTr>
+                    <a:solidFill>
+                      <a:schemeClr val="bg1">
+                        <a:lumMod val="50000"/>
+                      </a:schemeClr>
+                    </a:solidFill>
+                  </a:tcPr>
+                </a:tc>
+                <a:tc>
+                  <a:txBody>
+                    <a:bodyPr/>
+                    <a:lstStyle/>
+                    <a:p>
+                      <a:pPr algn="ctr"/>
+                      <a:r>
+                        <a:rPr kumimoji="1" lang="en-US" altLang="ja-JP" sz="1600" b="0" dirty="0">
+                          <a:solidFill>
+                            <a:schemeClr val="tx1"/>
+                          </a:solidFill>
+                          <a:latin typeface="Times New Roman" panose="02020603050405020304" pitchFamily="18" charset="0"/>
+                          <a:cs typeface="Times New Roman" panose="02020603050405020304" pitchFamily="18" charset="0"/>
+                        </a:rPr>
+                        <a:t>4</a:t>
+                      </a:r>
+                      <a:endParaRPr kumimoji="1" lang="ja-JP" altLang="en-US" sz="1600" b="0" dirty="0">
+                        <a:solidFill>
+                          <a:schemeClr val="tx1"/>
+                        </a:solidFill>
+                        <a:latin typeface="Times New Roman" panose="02020603050405020304" pitchFamily="18" charset="0"/>
+                        <a:cs typeface="Times New Roman" panose="02020603050405020304" pitchFamily="18" charset="0"/>
+                      </a:endParaRPr>
+                    </a:p>
+                  </a:txBody>
+                  <a:tcPr marL="0" marR="0" marT="0" marB="0">
+                    <a:lnL w="6350" cap="flat" cmpd="sng" algn="ctr">
+                      <a:solidFill>
+                        <a:schemeClr val="tx1"/>
+                      </a:solidFill>
+                      <a:prstDash val="solid"/>
+                      <a:round/>
+                      <a:headEnd type="none" w="med" len="med"/>
+                      <a:tailEnd type="none" w="med" len="med"/>
+                    </a:lnL>
+                    <a:lnR w="6350" cap="flat" cmpd="sng" algn="ctr">
+                      <a:solidFill>
+                        <a:schemeClr val="tx1"/>
+                      </a:solidFill>
+                      <a:prstDash val="solid"/>
+                      <a:round/>
+                      <a:headEnd type="none" w="med" len="med"/>
+                      <a:tailEnd type="none" w="med" len="med"/>
+                    </a:lnR>
+                    <a:lnT w="6350" cap="flat" cmpd="sng" algn="ctr">
+                      <a:solidFill>
+                        <a:schemeClr val="tx1"/>
+                      </a:solidFill>
+                      <a:prstDash val="solid"/>
+                      <a:round/>
+                      <a:headEnd type="none" w="med" len="med"/>
+                      <a:tailEnd type="none" w="med" len="med"/>
+                    </a:lnT>
+                    <a:lnB w="6350" cap="flat" cmpd="sng" algn="ctr">
+                      <a:solidFill>
+                        <a:schemeClr val="tx1"/>
+                      </a:solidFill>
+                      <a:prstDash val="solid"/>
+                      <a:round/>
+                      <a:headEnd type="none" w="med" len="med"/>
+                      <a:tailEnd type="none" w="med" len="med"/>
+                    </a:lnB>
+                    <a:lnTlToBr w="12700" cmpd="sng">
+                      <a:noFill/>
+                      <a:prstDash val="solid"/>
+                    </a:lnTlToBr>
+                    <a:lnBlToTr w="12700" cmpd="sng">
+                      <a:noFill/>
+                      <a:prstDash val="solid"/>
+                    </a:lnBlToTr>
+                    <a:solidFill>
+                      <a:srgbClr val="00FF00"/>
+                    </a:solidFill>
+                  </a:tcPr>
+                </a:tc>
+                <a:tc>
+                  <a:txBody>
+                    <a:bodyPr/>
+                    <a:lstStyle/>
+                    <a:p>
+                      <a:pPr algn="ctr"/>
+                      <a:r>
+                        <a:rPr kumimoji="1" lang="en-US" altLang="ja-JP" sz="1600" b="0" dirty="0">
+                          <a:solidFill>
+                            <a:schemeClr val="tx1"/>
+                          </a:solidFill>
+                          <a:latin typeface="Times New Roman" panose="02020603050405020304" pitchFamily="18" charset="0"/>
+                          <a:cs typeface="Times New Roman" panose="02020603050405020304" pitchFamily="18" charset="0"/>
+                        </a:rPr>
+                        <a:t>-</a:t>
+                      </a:r>
+                      <a:endParaRPr kumimoji="1" lang="ja-JP" altLang="en-US" sz="1600" b="0" dirty="0">
+                        <a:solidFill>
+                          <a:schemeClr val="tx1"/>
+                        </a:solidFill>
+                        <a:latin typeface="Times New Roman" panose="02020603050405020304" pitchFamily="18" charset="0"/>
+                        <a:cs typeface="Times New Roman" panose="02020603050405020304" pitchFamily="18" charset="0"/>
+                      </a:endParaRPr>
+                    </a:p>
+                  </a:txBody>
+                  <a:tcPr marL="0" marR="0" marT="0" marB="0">
+                    <a:lnL w="6350" cap="flat" cmpd="sng" algn="ctr">
+                      <a:solidFill>
+                        <a:schemeClr val="tx1"/>
+                      </a:solidFill>
+                      <a:prstDash val="solid"/>
+                      <a:round/>
+                      <a:headEnd type="none" w="med" len="med"/>
+                      <a:tailEnd type="none" w="med" len="med"/>
+                    </a:lnL>
                     <a:lnR w="28575" cap="flat" cmpd="sng" algn="ctr">
                       <a:solidFill>
                         <a:schemeClr val="tx1"/>
@@ -20332,7 +20940,9 @@
                       <a:prstDash val="solid"/>
                     </a:lnBlToTr>
                     <a:solidFill>
-                      <a:schemeClr val="bg1"/>
+                      <a:schemeClr val="bg1">
+                        <a:lumMod val="50000"/>
+                      </a:schemeClr>
                     </a:solidFill>
                   </a:tcPr>
                 </a:tc>
